--- a/report/graphs.pptx
+++ b/report/graphs.pptx
@@ -5,21 +5,10 @@
     <p:sldMasterId id="2147483648" r:id="rId1"/>
   </p:sldMasterIdLst>
   <p:sldIdLst>
-    <p:sldId id="256" r:id="rId2"/>
-    <p:sldId id="257" r:id="rId3"/>
-    <p:sldId id="258" r:id="rId4"/>
-    <p:sldId id="259" r:id="rId5"/>
-    <p:sldId id="260" r:id="rId6"/>
-    <p:sldId id="261" r:id="rId7"/>
-    <p:sldId id="262" r:id="rId8"/>
-    <p:sldId id="263" r:id="rId9"/>
-    <p:sldId id="265" r:id="rId10"/>
-    <p:sldId id="264" r:id="rId11"/>
-    <p:sldId id="266" r:id="rId12"/>
-    <p:sldId id="269" r:id="rId13"/>
-    <p:sldId id="270" r:id="rId14"/>
-    <p:sldId id="267" r:id="rId15"/>
-    <p:sldId id="268" r:id="rId16"/>
+    <p:sldId id="267" r:id="rId2"/>
+    <p:sldId id="268" r:id="rId3"/>
+    <p:sldId id="269" r:id="rId4"/>
+    <p:sldId id="270" r:id="rId5"/>
   </p:sldIdLst>
   <p:sldSz cx="9144000" cy="6858000" type="screen4x3"/>
   <p:notesSz cx="6858000" cy="9144000"/>
@@ -302,7 +291,7 @@
           <a:p>
             <a:fld id="{42A5862F-2F1A-6843-811B-C5509BF8038A}" type="datetimeFigureOut">
               <a:rPr lang="en-US" smtClean="0"/>
-              <a:t>22/02/14</a:t>
+              <a:t>20/03/14</a:t>
             </a:fld>
             <a:endParaRPr lang="en-US"/>
           </a:p>
@@ -472,7 +461,7 @@
           <a:p>
             <a:fld id="{42A5862F-2F1A-6843-811B-C5509BF8038A}" type="datetimeFigureOut">
               <a:rPr lang="en-US" smtClean="0"/>
-              <a:t>22/02/14</a:t>
+              <a:t>20/03/14</a:t>
             </a:fld>
             <a:endParaRPr lang="en-US"/>
           </a:p>
@@ -652,7 +641,7 @@
           <a:p>
             <a:fld id="{42A5862F-2F1A-6843-811B-C5509BF8038A}" type="datetimeFigureOut">
               <a:rPr lang="en-US" smtClean="0"/>
-              <a:t>22/02/14</a:t>
+              <a:t>20/03/14</a:t>
             </a:fld>
             <a:endParaRPr lang="en-US"/>
           </a:p>
@@ -822,7 +811,7 @@
           <a:p>
             <a:fld id="{42A5862F-2F1A-6843-811B-C5509BF8038A}" type="datetimeFigureOut">
               <a:rPr lang="en-US" smtClean="0"/>
-              <a:t>22/02/14</a:t>
+              <a:t>20/03/14</a:t>
             </a:fld>
             <a:endParaRPr lang="en-US"/>
           </a:p>
@@ -1068,7 +1057,7 @@
           <a:p>
             <a:fld id="{42A5862F-2F1A-6843-811B-C5509BF8038A}" type="datetimeFigureOut">
               <a:rPr lang="en-US" smtClean="0"/>
-              <a:t>22/02/14</a:t>
+              <a:t>20/03/14</a:t>
             </a:fld>
             <a:endParaRPr lang="en-US"/>
           </a:p>
@@ -1356,7 +1345,7 @@
           <a:p>
             <a:fld id="{42A5862F-2F1A-6843-811B-C5509BF8038A}" type="datetimeFigureOut">
               <a:rPr lang="en-US" smtClean="0"/>
-              <a:t>22/02/14</a:t>
+              <a:t>20/03/14</a:t>
             </a:fld>
             <a:endParaRPr lang="en-US"/>
           </a:p>
@@ -1778,7 +1767,7 @@
           <a:p>
             <a:fld id="{42A5862F-2F1A-6843-811B-C5509BF8038A}" type="datetimeFigureOut">
               <a:rPr lang="en-US" smtClean="0"/>
-              <a:t>22/02/14</a:t>
+              <a:t>20/03/14</a:t>
             </a:fld>
             <a:endParaRPr lang="en-US"/>
           </a:p>
@@ -1896,7 +1885,7 @@
           <a:p>
             <a:fld id="{42A5862F-2F1A-6843-811B-C5509BF8038A}" type="datetimeFigureOut">
               <a:rPr lang="en-US" smtClean="0"/>
-              <a:t>22/02/14</a:t>
+              <a:t>20/03/14</a:t>
             </a:fld>
             <a:endParaRPr lang="en-US"/>
           </a:p>
@@ -1991,7 +1980,7 @@
           <a:p>
             <a:fld id="{42A5862F-2F1A-6843-811B-C5509BF8038A}" type="datetimeFigureOut">
               <a:rPr lang="en-US" smtClean="0"/>
-              <a:t>22/02/14</a:t>
+              <a:t>20/03/14</a:t>
             </a:fld>
             <a:endParaRPr lang="en-US"/>
           </a:p>
@@ -2268,7 +2257,7 @@
           <a:p>
             <a:fld id="{42A5862F-2F1A-6843-811B-C5509BF8038A}" type="datetimeFigureOut">
               <a:rPr lang="en-US" smtClean="0"/>
-              <a:t>22/02/14</a:t>
+              <a:t>20/03/14</a:t>
             </a:fld>
             <a:endParaRPr lang="en-US"/>
           </a:p>
@@ -2521,7 +2510,7 @@
           <a:p>
             <a:fld id="{42A5862F-2F1A-6843-811B-C5509BF8038A}" type="datetimeFigureOut">
               <a:rPr lang="en-US" smtClean="0"/>
-              <a:t>22/02/14</a:t>
+              <a:t>20/03/14</a:t>
             </a:fld>
             <a:endParaRPr lang="en-US"/>
           </a:p>
@@ -2734,7 +2723,7 @@
           <a:p>
             <a:fld id="{42A5862F-2F1A-6843-811B-C5509BF8038A}" type="datetimeFigureOut">
               <a:rPr lang="en-US" smtClean="0"/>
-              <a:t>22/02/14</a:t>
+              <a:t>20/03/14</a:t>
             </a:fld>
             <a:endParaRPr lang="en-US"/>
           </a:p>
@@ -3111,2723 +3100,6 @@
       </p:grpSpPr>
       <p:grpSp>
         <p:nvGrpSpPr>
-          <p:cNvPr id="51" name="Group 50"/>
-          <p:cNvGrpSpPr/>
-          <p:nvPr/>
-        </p:nvGrpSpPr>
-        <p:grpSpPr>
-          <a:xfrm>
-            <a:off x="2374437" y="1270668"/>
-            <a:ext cx="4321471" cy="4501200"/>
-            <a:chOff x="2374437" y="1270668"/>
-            <a:chExt cx="4321471" cy="4501200"/>
-          </a:xfrm>
-        </p:grpSpPr>
-        <p:sp>
-          <p:nvSpPr>
-            <p:cNvPr id="4" name="Oval 3"/>
-            <p:cNvSpPr/>
-            <p:nvPr/>
-          </p:nvSpPr>
-          <p:spPr>
-            <a:xfrm>
-              <a:off x="2374437" y="1270668"/>
-              <a:ext cx="1007755" cy="911179"/>
-            </a:xfrm>
-            <a:prstGeom prst="ellipse">
-              <a:avLst/>
-            </a:prstGeom>
-            <a:noFill/>
-            <a:ln w="19050" cmpd="sng">
-              <a:solidFill>
-                <a:schemeClr val="tx1"/>
-              </a:solidFill>
-            </a:ln>
-            <a:effectLst/>
-          </p:spPr>
-          <p:style>
-            <a:lnRef idx="1">
-              <a:schemeClr val="accent1"/>
-            </a:lnRef>
-            <a:fillRef idx="3">
-              <a:schemeClr val="accent1"/>
-            </a:fillRef>
-            <a:effectRef idx="2">
-              <a:schemeClr val="accent1"/>
-            </a:effectRef>
-            <a:fontRef idx="minor">
-              <a:schemeClr val="lt1"/>
-            </a:fontRef>
-          </p:style>
-          <p:txBody>
-            <a:bodyPr rtlCol="0" anchor="ctr"/>
-            <a:lstStyle/>
-            <a:p>
-              <a:pPr algn="ctr"/>
-              <a:r>
-                <a:rPr lang="en-US" dirty="0" smtClean="0">
-                  <a:solidFill>
-                    <a:schemeClr val="tx1"/>
-                  </a:solidFill>
-                </a:rPr>
-                <a:t>G</a:t>
-              </a:r>
-              <a:endParaRPr lang="en-US" dirty="0">
-                <a:solidFill>
-                  <a:schemeClr val="tx1"/>
-                </a:solidFill>
-              </a:endParaRPr>
-            </a:p>
-          </p:txBody>
-        </p:sp>
-        <p:sp>
-          <p:nvSpPr>
-            <p:cNvPr id="6" name="Oval 5"/>
-            <p:cNvSpPr/>
-            <p:nvPr/>
-          </p:nvSpPr>
-          <p:spPr>
-            <a:xfrm>
-              <a:off x="5688153" y="1270668"/>
-              <a:ext cx="1007755" cy="911179"/>
-            </a:xfrm>
-            <a:prstGeom prst="ellipse">
-              <a:avLst/>
-            </a:prstGeom>
-            <a:noFill/>
-            <a:ln w="19050" cmpd="sng">
-              <a:solidFill>
-                <a:schemeClr val="tx1"/>
-              </a:solidFill>
-            </a:ln>
-            <a:effectLst/>
-          </p:spPr>
-          <p:style>
-            <a:lnRef idx="1">
-              <a:schemeClr val="accent1"/>
-            </a:lnRef>
-            <a:fillRef idx="3">
-              <a:schemeClr val="accent1"/>
-            </a:fillRef>
-            <a:effectRef idx="2">
-              <a:schemeClr val="accent1"/>
-            </a:effectRef>
-            <a:fontRef idx="minor">
-              <a:schemeClr val="lt1"/>
-            </a:fontRef>
-          </p:style>
-          <p:txBody>
-            <a:bodyPr rtlCol="0" anchor="ctr"/>
-            <a:lstStyle/>
-            <a:p>
-              <a:pPr algn="ctr"/>
-              <a:r>
-                <a:rPr lang="en-US" dirty="0" smtClean="0">
-                  <a:solidFill>
-                    <a:schemeClr val="tx1"/>
-                  </a:solidFill>
-                </a:rPr>
-                <a:t>E</a:t>
-              </a:r>
-              <a:endParaRPr lang="en-US" dirty="0">
-                <a:solidFill>
-                  <a:schemeClr val="tx1"/>
-                </a:solidFill>
-              </a:endParaRPr>
-            </a:p>
-          </p:txBody>
-        </p:sp>
-        <p:sp>
-          <p:nvSpPr>
-            <p:cNvPr id="7" name="Oval 6"/>
-            <p:cNvSpPr/>
-            <p:nvPr/>
-          </p:nvSpPr>
-          <p:spPr>
-            <a:xfrm>
-              <a:off x="4031295" y="2181847"/>
-              <a:ext cx="1007755" cy="911179"/>
-            </a:xfrm>
-            <a:prstGeom prst="ellipse">
-              <a:avLst/>
-            </a:prstGeom>
-            <a:noFill/>
-            <a:ln w="19050" cmpd="sng">
-              <a:solidFill>
-                <a:schemeClr val="tx1"/>
-              </a:solidFill>
-            </a:ln>
-            <a:effectLst/>
-          </p:spPr>
-          <p:style>
-            <a:lnRef idx="1">
-              <a:schemeClr val="accent1"/>
-            </a:lnRef>
-            <a:fillRef idx="3">
-              <a:schemeClr val="accent1"/>
-            </a:fillRef>
-            <a:effectRef idx="2">
-              <a:schemeClr val="accent1"/>
-            </a:effectRef>
-            <a:fontRef idx="minor">
-              <a:schemeClr val="lt1"/>
-            </a:fontRef>
-          </p:style>
-          <p:txBody>
-            <a:bodyPr rtlCol="0" anchor="ctr"/>
-            <a:lstStyle/>
-            <a:p>
-              <a:pPr algn="ctr"/>
-              <a:r>
-                <a:rPr lang="en-US" dirty="0" smtClean="0">
-                  <a:solidFill>
-                    <a:schemeClr val="tx1"/>
-                  </a:solidFill>
-                </a:rPr>
-                <a:t>H</a:t>
-              </a:r>
-              <a:endParaRPr lang="en-US" dirty="0">
-                <a:solidFill>
-                  <a:schemeClr val="tx1"/>
-                </a:solidFill>
-              </a:endParaRPr>
-            </a:p>
-          </p:txBody>
-        </p:sp>
-        <p:sp>
-          <p:nvSpPr>
-            <p:cNvPr id="8" name="Oval 7"/>
-            <p:cNvSpPr/>
-            <p:nvPr/>
-          </p:nvSpPr>
-          <p:spPr>
-            <a:xfrm>
-              <a:off x="2374437" y="3520999"/>
-              <a:ext cx="1007755" cy="911179"/>
-            </a:xfrm>
-            <a:prstGeom prst="ellipse">
-              <a:avLst/>
-            </a:prstGeom>
-            <a:noFill/>
-            <a:ln w="19050" cmpd="sng">
-              <a:solidFill>
-                <a:schemeClr val="tx1"/>
-              </a:solidFill>
-            </a:ln>
-            <a:effectLst/>
-          </p:spPr>
-          <p:style>
-            <a:lnRef idx="1">
-              <a:schemeClr val="accent1"/>
-            </a:lnRef>
-            <a:fillRef idx="3">
-              <a:schemeClr val="accent1"/>
-            </a:fillRef>
-            <a:effectRef idx="2">
-              <a:schemeClr val="accent1"/>
-            </a:effectRef>
-            <a:fontRef idx="minor">
-              <a:schemeClr val="lt1"/>
-            </a:fontRef>
-          </p:style>
-          <p:txBody>
-            <a:bodyPr rtlCol="0" anchor="ctr"/>
-            <a:lstStyle/>
-            <a:p>
-              <a:pPr algn="ctr"/>
-              <a:r>
-                <a:rPr lang="en-US" dirty="0" smtClean="0">
-                  <a:solidFill>
-                    <a:schemeClr val="tx1"/>
-                  </a:solidFill>
-                </a:rPr>
-                <a:t>D</a:t>
-              </a:r>
-              <a:r>
-                <a:rPr lang="en-US" baseline="-25000" dirty="0" smtClean="0">
-                  <a:solidFill>
-                    <a:schemeClr val="tx1"/>
-                  </a:solidFill>
-                </a:rPr>
-                <a:t>1</a:t>
-              </a:r>
-              <a:endParaRPr lang="en-US" baseline="-25000" dirty="0">
-                <a:solidFill>
-                  <a:schemeClr val="tx1"/>
-                </a:solidFill>
-              </a:endParaRPr>
-            </a:p>
-          </p:txBody>
-        </p:sp>
-        <p:sp>
-          <p:nvSpPr>
-            <p:cNvPr id="9" name="Oval 8"/>
-            <p:cNvSpPr/>
-            <p:nvPr/>
-          </p:nvSpPr>
-          <p:spPr>
-            <a:xfrm>
-              <a:off x="4031295" y="3520999"/>
-              <a:ext cx="1007755" cy="911179"/>
-            </a:xfrm>
-            <a:prstGeom prst="ellipse">
-              <a:avLst/>
-            </a:prstGeom>
-            <a:noFill/>
-            <a:ln w="19050" cmpd="sng">
-              <a:solidFill>
-                <a:schemeClr val="tx1"/>
-              </a:solidFill>
-            </a:ln>
-            <a:effectLst/>
-          </p:spPr>
-          <p:style>
-            <a:lnRef idx="1">
-              <a:schemeClr val="accent1"/>
-            </a:lnRef>
-            <a:fillRef idx="3">
-              <a:schemeClr val="accent1"/>
-            </a:fillRef>
-            <a:effectRef idx="2">
-              <a:schemeClr val="accent1"/>
-            </a:effectRef>
-            <a:fontRef idx="minor">
-              <a:schemeClr val="lt1"/>
-            </a:fontRef>
-          </p:style>
-          <p:txBody>
-            <a:bodyPr rtlCol="0" anchor="ctr"/>
-            <a:lstStyle/>
-            <a:p>
-              <a:pPr algn="ctr"/>
-              <a:r>
-                <a:rPr lang="en-US" dirty="0" smtClean="0">
-                  <a:solidFill>
-                    <a:schemeClr val="tx1"/>
-                  </a:solidFill>
-                </a:rPr>
-                <a:t>D</a:t>
-              </a:r>
-              <a:r>
-                <a:rPr lang="en-US" baseline="-25000" dirty="0" smtClean="0">
-                  <a:solidFill>
-                    <a:schemeClr val="tx1"/>
-                  </a:solidFill>
-                </a:rPr>
-                <a:t>2</a:t>
-              </a:r>
-              <a:endParaRPr lang="en-US" baseline="-25000" dirty="0">
-                <a:solidFill>
-                  <a:schemeClr val="tx1"/>
-                </a:solidFill>
-              </a:endParaRPr>
-            </a:p>
-          </p:txBody>
-        </p:sp>
-        <p:sp>
-          <p:nvSpPr>
-            <p:cNvPr id="10" name="Oval 9"/>
-            <p:cNvSpPr/>
-            <p:nvPr/>
-          </p:nvSpPr>
-          <p:spPr>
-            <a:xfrm>
-              <a:off x="5688153" y="3520999"/>
-              <a:ext cx="1007755" cy="911179"/>
-            </a:xfrm>
-            <a:prstGeom prst="ellipse">
-              <a:avLst/>
-            </a:prstGeom>
-            <a:noFill/>
-            <a:ln w="19050" cmpd="sng">
-              <a:solidFill>
-                <a:schemeClr val="tx1"/>
-              </a:solidFill>
-            </a:ln>
-            <a:effectLst/>
-          </p:spPr>
-          <p:style>
-            <a:lnRef idx="1">
-              <a:schemeClr val="accent1"/>
-            </a:lnRef>
-            <a:fillRef idx="3">
-              <a:schemeClr val="accent1"/>
-            </a:fillRef>
-            <a:effectRef idx="2">
-              <a:schemeClr val="accent1"/>
-            </a:effectRef>
-            <a:fontRef idx="minor">
-              <a:schemeClr val="lt1"/>
-            </a:fontRef>
-          </p:style>
-          <p:txBody>
-            <a:bodyPr rtlCol="0" anchor="ctr"/>
-            <a:lstStyle/>
-            <a:p>
-              <a:pPr algn="ctr"/>
-              <a:r>
-                <a:rPr lang="en-US" dirty="0" smtClean="0">
-                  <a:solidFill>
-                    <a:schemeClr val="tx1"/>
-                  </a:solidFill>
-                </a:rPr>
-                <a:t>D</a:t>
-              </a:r>
-              <a:r>
-                <a:rPr lang="en-US" baseline="-25000" dirty="0" smtClean="0">
-                  <a:solidFill>
-                    <a:schemeClr val="tx1"/>
-                  </a:solidFill>
-                </a:rPr>
-                <a:t>3</a:t>
-              </a:r>
-              <a:endParaRPr lang="en-US" baseline="-25000" dirty="0">
-                <a:solidFill>
-                  <a:schemeClr val="tx1"/>
-                </a:solidFill>
-              </a:endParaRPr>
-            </a:p>
-          </p:txBody>
-        </p:sp>
-        <p:sp>
-          <p:nvSpPr>
-            <p:cNvPr id="11" name="Oval 10"/>
-            <p:cNvSpPr/>
-            <p:nvPr/>
-          </p:nvSpPr>
-          <p:spPr>
-            <a:xfrm>
-              <a:off x="5039050" y="4860689"/>
-              <a:ext cx="1007755" cy="911179"/>
-            </a:xfrm>
-            <a:prstGeom prst="ellipse">
-              <a:avLst/>
-            </a:prstGeom>
-            <a:noFill/>
-            <a:ln w="19050" cmpd="sng">
-              <a:solidFill>
-                <a:schemeClr val="tx1"/>
-              </a:solidFill>
-            </a:ln>
-            <a:effectLst/>
-          </p:spPr>
-          <p:style>
-            <a:lnRef idx="1">
-              <a:schemeClr val="accent1"/>
-            </a:lnRef>
-            <a:fillRef idx="3">
-              <a:schemeClr val="accent1"/>
-            </a:fillRef>
-            <a:effectRef idx="2">
-              <a:schemeClr val="accent1"/>
-            </a:effectRef>
-            <a:fontRef idx="minor">
-              <a:schemeClr val="lt1"/>
-            </a:fontRef>
-          </p:style>
-          <p:txBody>
-            <a:bodyPr rtlCol="0" anchor="ctr"/>
-            <a:lstStyle/>
-            <a:p>
-              <a:pPr algn="ctr"/>
-              <a:r>
-                <a:rPr lang="en-US" dirty="0" smtClean="0">
-                  <a:solidFill>
-                    <a:schemeClr val="tx1"/>
-                  </a:solidFill>
-                </a:rPr>
-                <a:t>S</a:t>
-              </a:r>
-              <a:r>
-                <a:rPr lang="en-US" baseline="-25000" dirty="0" smtClean="0">
-                  <a:solidFill>
-                    <a:schemeClr val="tx1"/>
-                  </a:solidFill>
-                </a:rPr>
-                <a:t>2</a:t>
-              </a:r>
-              <a:endParaRPr lang="en-US" baseline="-25000" dirty="0">
-                <a:solidFill>
-                  <a:schemeClr val="tx1"/>
-                </a:solidFill>
-              </a:endParaRPr>
-            </a:p>
-          </p:txBody>
-        </p:sp>
-        <p:sp>
-          <p:nvSpPr>
-            <p:cNvPr id="12" name="Oval 11"/>
-            <p:cNvSpPr/>
-            <p:nvPr/>
-          </p:nvSpPr>
-          <p:spPr>
-            <a:xfrm>
-              <a:off x="3023540" y="4860689"/>
-              <a:ext cx="1007755" cy="911179"/>
-            </a:xfrm>
-            <a:prstGeom prst="ellipse">
-              <a:avLst/>
-            </a:prstGeom>
-            <a:noFill/>
-            <a:ln w="19050" cmpd="sng">
-              <a:solidFill>
-                <a:schemeClr val="tx1"/>
-              </a:solidFill>
-            </a:ln>
-            <a:effectLst/>
-          </p:spPr>
-          <p:style>
-            <a:lnRef idx="1">
-              <a:schemeClr val="accent1"/>
-            </a:lnRef>
-            <a:fillRef idx="3">
-              <a:schemeClr val="accent1"/>
-            </a:fillRef>
-            <a:effectRef idx="2">
-              <a:schemeClr val="accent1"/>
-            </a:effectRef>
-            <a:fontRef idx="minor">
-              <a:schemeClr val="lt1"/>
-            </a:fontRef>
-          </p:style>
-          <p:txBody>
-            <a:bodyPr rtlCol="0" anchor="ctr"/>
-            <a:lstStyle/>
-            <a:p>
-              <a:pPr algn="ctr"/>
-              <a:r>
-                <a:rPr lang="en-US" dirty="0" smtClean="0">
-                  <a:solidFill>
-                    <a:schemeClr val="tx1"/>
-                  </a:solidFill>
-                </a:rPr>
-                <a:t>S</a:t>
-              </a:r>
-              <a:r>
-                <a:rPr lang="en-US" baseline="-25000" dirty="0" smtClean="0">
-                  <a:solidFill>
-                    <a:schemeClr val="tx1"/>
-                  </a:solidFill>
-                </a:rPr>
-                <a:t>1</a:t>
-              </a:r>
-              <a:endParaRPr lang="en-US" baseline="-25000" dirty="0">
-                <a:solidFill>
-                  <a:schemeClr val="tx1"/>
-                </a:solidFill>
-              </a:endParaRPr>
-            </a:p>
-          </p:txBody>
-        </p:sp>
-        <p:cxnSp>
-          <p:nvCxnSpPr>
-            <p:cNvPr id="14" name="Straight Arrow Connector 13"/>
-            <p:cNvCxnSpPr>
-              <a:stCxn id="4" idx="5"/>
-              <a:endCxn id="7" idx="1"/>
-            </p:cNvCxnSpPr>
-            <p:nvPr/>
-          </p:nvCxnSpPr>
-          <p:spPr>
-            <a:xfrm>
-              <a:off x="3234610" y="2048408"/>
-              <a:ext cx="944267" cy="266878"/>
-            </a:xfrm>
-            <a:prstGeom prst="straightConnector1">
-              <a:avLst/>
-            </a:prstGeom>
-            <a:ln>
-              <a:tailEnd type="none"/>
-            </a:ln>
-            <a:effectLst/>
-          </p:spPr>
-          <p:style>
-            <a:lnRef idx="2">
-              <a:schemeClr val="dk1"/>
-            </a:lnRef>
-            <a:fillRef idx="0">
-              <a:schemeClr val="dk1"/>
-            </a:fillRef>
-            <a:effectRef idx="1">
-              <a:schemeClr val="dk1"/>
-            </a:effectRef>
-            <a:fontRef idx="minor">
-              <a:schemeClr val="tx1"/>
-            </a:fontRef>
-          </p:style>
-        </p:cxnSp>
-        <p:cxnSp>
-          <p:nvCxnSpPr>
-            <p:cNvPr id="15" name="Straight Arrow Connector 14"/>
-            <p:cNvCxnSpPr>
-              <a:stCxn id="6" idx="3"/>
-              <a:endCxn id="7" idx="7"/>
-            </p:cNvCxnSpPr>
-            <p:nvPr/>
-          </p:nvCxnSpPr>
-          <p:spPr>
-            <a:xfrm flipH="1">
-              <a:off x="4891468" y="2048408"/>
-              <a:ext cx="944267" cy="266878"/>
-            </a:xfrm>
-            <a:prstGeom prst="straightConnector1">
-              <a:avLst/>
-            </a:prstGeom>
-            <a:ln>
-              <a:tailEnd type="none"/>
-            </a:ln>
-            <a:effectLst/>
-          </p:spPr>
-          <p:style>
-            <a:lnRef idx="2">
-              <a:schemeClr val="dk1"/>
-            </a:lnRef>
-            <a:fillRef idx="0">
-              <a:schemeClr val="dk1"/>
-            </a:fillRef>
-            <a:effectRef idx="1">
-              <a:schemeClr val="dk1"/>
-            </a:effectRef>
-            <a:fontRef idx="minor">
-              <a:schemeClr val="tx1"/>
-            </a:fontRef>
-          </p:style>
-        </p:cxnSp>
-        <p:cxnSp>
-          <p:nvCxnSpPr>
-            <p:cNvPr id="18" name="Straight Arrow Connector 17"/>
-            <p:cNvCxnSpPr>
-              <a:stCxn id="7" idx="3"/>
-              <a:endCxn id="8" idx="7"/>
-            </p:cNvCxnSpPr>
-            <p:nvPr/>
-          </p:nvCxnSpPr>
-          <p:spPr>
-            <a:xfrm flipH="1">
-              <a:off x="3234610" y="2959587"/>
-              <a:ext cx="944267" cy="694851"/>
-            </a:xfrm>
-            <a:prstGeom prst="straightConnector1">
-              <a:avLst/>
-            </a:prstGeom>
-            <a:ln>
-              <a:tailEnd type="none"/>
-            </a:ln>
-            <a:effectLst/>
-          </p:spPr>
-          <p:style>
-            <a:lnRef idx="2">
-              <a:schemeClr val="dk1"/>
-            </a:lnRef>
-            <a:fillRef idx="0">
-              <a:schemeClr val="dk1"/>
-            </a:fillRef>
-            <a:effectRef idx="1">
-              <a:schemeClr val="dk1"/>
-            </a:effectRef>
-            <a:fontRef idx="minor">
-              <a:schemeClr val="tx1"/>
-            </a:fontRef>
-          </p:style>
-        </p:cxnSp>
-        <p:cxnSp>
-          <p:nvCxnSpPr>
-            <p:cNvPr id="21" name="Straight Arrow Connector 20"/>
-            <p:cNvCxnSpPr>
-              <a:stCxn id="7" idx="5"/>
-              <a:endCxn id="10" idx="1"/>
-            </p:cNvCxnSpPr>
-            <p:nvPr/>
-          </p:nvCxnSpPr>
-          <p:spPr>
-            <a:xfrm>
-              <a:off x="4891468" y="2959587"/>
-              <a:ext cx="944267" cy="694851"/>
-            </a:xfrm>
-            <a:prstGeom prst="straightConnector1">
-              <a:avLst/>
-            </a:prstGeom>
-            <a:ln>
-              <a:tailEnd type="none"/>
-            </a:ln>
-            <a:effectLst/>
-          </p:spPr>
-          <p:style>
-            <a:lnRef idx="2">
-              <a:schemeClr val="dk1"/>
-            </a:lnRef>
-            <a:fillRef idx="0">
-              <a:schemeClr val="dk1"/>
-            </a:fillRef>
-            <a:effectRef idx="1">
-              <a:schemeClr val="dk1"/>
-            </a:effectRef>
-            <a:fontRef idx="minor">
-              <a:schemeClr val="tx1"/>
-            </a:fontRef>
-          </p:style>
-        </p:cxnSp>
-        <p:cxnSp>
-          <p:nvCxnSpPr>
-            <p:cNvPr id="25" name="Straight Arrow Connector 24"/>
-            <p:cNvCxnSpPr>
-              <a:stCxn id="7" idx="4"/>
-              <a:endCxn id="9" idx="0"/>
-            </p:cNvCxnSpPr>
-            <p:nvPr/>
-          </p:nvCxnSpPr>
-          <p:spPr>
-            <a:xfrm>
-              <a:off x="4535173" y="3093026"/>
-              <a:ext cx="0" cy="427973"/>
-            </a:xfrm>
-            <a:prstGeom prst="straightConnector1">
-              <a:avLst/>
-            </a:prstGeom>
-            <a:ln>
-              <a:tailEnd type="none"/>
-            </a:ln>
-            <a:effectLst/>
-          </p:spPr>
-          <p:style>
-            <a:lnRef idx="2">
-              <a:schemeClr val="dk1"/>
-            </a:lnRef>
-            <a:fillRef idx="0">
-              <a:schemeClr val="dk1"/>
-            </a:fillRef>
-            <a:effectRef idx="1">
-              <a:schemeClr val="dk1"/>
-            </a:effectRef>
-            <a:fontRef idx="minor">
-              <a:schemeClr val="tx1"/>
-            </a:fontRef>
-          </p:style>
-        </p:cxnSp>
-        <p:cxnSp>
-          <p:nvCxnSpPr>
-            <p:cNvPr id="28" name="Straight Arrow Connector 27"/>
-            <p:cNvCxnSpPr>
-              <a:stCxn id="9" idx="3"/>
-              <a:endCxn id="12" idx="7"/>
-            </p:cNvCxnSpPr>
-            <p:nvPr/>
-          </p:nvCxnSpPr>
-          <p:spPr>
-            <a:xfrm flipH="1">
-              <a:off x="3883713" y="4298739"/>
-              <a:ext cx="295164" cy="695389"/>
-            </a:xfrm>
-            <a:prstGeom prst="straightConnector1">
-              <a:avLst/>
-            </a:prstGeom>
-            <a:ln>
-              <a:tailEnd type="none"/>
-            </a:ln>
-            <a:effectLst/>
-          </p:spPr>
-          <p:style>
-            <a:lnRef idx="2">
-              <a:schemeClr val="dk1"/>
-            </a:lnRef>
-            <a:fillRef idx="0">
-              <a:schemeClr val="dk1"/>
-            </a:fillRef>
-            <a:effectRef idx="1">
-              <a:schemeClr val="dk1"/>
-            </a:effectRef>
-            <a:fontRef idx="minor">
-              <a:schemeClr val="tx1"/>
-            </a:fontRef>
-          </p:style>
-        </p:cxnSp>
-        <p:cxnSp>
-          <p:nvCxnSpPr>
-            <p:cNvPr id="31" name="Straight Arrow Connector 30"/>
-            <p:cNvCxnSpPr>
-              <a:stCxn id="9" idx="5"/>
-              <a:endCxn id="11" idx="1"/>
-            </p:cNvCxnSpPr>
-            <p:nvPr/>
-          </p:nvCxnSpPr>
-          <p:spPr>
-            <a:xfrm>
-              <a:off x="4891468" y="4298739"/>
-              <a:ext cx="295164" cy="695389"/>
-            </a:xfrm>
-            <a:prstGeom prst="straightConnector1">
-              <a:avLst/>
-            </a:prstGeom>
-            <a:ln>
-              <a:tailEnd type="none"/>
-            </a:ln>
-            <a:effectLst/>
-          </p:spPr>
-          <p:style>
-            <a:lnRef idx="2">
-              <a:schemeClr val="dk1"/>
-            </a:lnRef>
-            <a:fillRef idx="0">
-              <a:schemeClr val="dk1"/>
-            </a:fillRef>
-            <a:effectRef idx="1">
-              <a:schemeClr val="dk1"/>
-            </a:effectRef>
-            <a:fontRef idx="minor">
-              <a:schemeClr val="tx1"/>
-            </a:fontRef>
-          </p:style>
-        </p:cxnSp>
-        <p:cxnSp>
-          <p:nvCxnSpPr>
-            <p:cNvPr id="35" name="Straight Arrow Connector 34"/>
-            <p:cNvCxnSpPr>
-              <a:stCxn id="10" idx="4"/>
-              <a:endCxn id="11" idx="7"/>
-            </p:cNvCxnSpPr>
-            <p:nvPr/>
-          </p:nvCxnSpPr>
-          <p:spPr>
-            <a:xfrm flipH="1">
-              <a:off x="5899223" y="4432178"/>
-              <a:ext cx="292808" cy="561950"/>
-            </a:xfrm>
-            <a:prstGeom prst="straightConnector1">
-              <a:avLst/>
-            </a:prstGeom>
-            <a:ln>
-              <a:tailEnd type="none"/>
-            </a:ln>
-            <a:effectLst/>
-          </p:spPr>
-          <p:style>
-            <a:lnRef idx="2">
-              <a:schemeClr val="dk1"/>
-            </a:lnRef>
-            <a:fillRef idx="0">
-              <a:schemeClr val="dk1"/>
-            </a:fillRef>
-            <a:effectRef idx="1">
-              <a:schemeClr val="dk1"/>
-            </a:effectRef>
-            <a:fontRef idx="minor">
-              <a:schemeClr val="tx1"/>
-            </a:fontRef>
-          </p:style>
-        </p:cxnSp>
-        <p:cxnSp>
-          <p:nvCxnSpPr>
-            <p:cNvPr id="38" name="Straight Arrow Connector 37"/>
-            <p:cNvCxnSpPr>
-              <a:stCxn id="8" idx="4"/>
-              <a:endCxn id="12" idx="1"/>
-            </p:cNvCxnSpPr>
-            <p:nvPr/>
-          </p:nvCxnSpPr>
-          <p:spPr>
-            <a:xfrm>
-              <a:off x="2878315" y="4432178"/>
-              <a:ext cx="292807" cy="561950"/>
-            </a:xfrm>
-            <a:prstGeom prst="straightConnector1">
-              <a:avLst/>
-            </a:prstGeom>
-            <a:ln>
-              <a:tailEnd type="none"/>
-            </a:ln>
-            <a:effectLst/>
-          </p:spPr>
-          <p:style>
-            <a:lnRef idx="2">
-              <a:schemeClr val="dk1"/>
-            </a:lnRef>
-            <a:fillRef idx="0">
-              <a:schemeClr val="dk1"/>
-            </a:fillRef>
-            <a:effectRef idx="1">
-              <a:schemeClr val="dk1"/>
-            </a:effectRef>
-            <a:fontRef idx="minor">
-              <a:schemeClr val="tx1"/>
-            </a:fontRef>
-          </p:style>
-        </p:cxnSp>
-        <p:cxnSp>
-          <p:nvCxnSpPr>
-            <p:cNvPr id="42" name="Straight Arrow Connector 41"/>
-            <p:cNvCxnSpPr>
-              <a:stCxn id="9" idx="6"/>
-              <a:endCxn id="10" idx="2"/>
-            </p:cNvCxnSpPr>
-            <p:nvPr/>
-          </p:nvCxnSpPr>
-          <p:spPr>
-            <a:xfrm>
-              <a:off x="5039050" y="3976589"/>
-              <a:ext cx="649103" cy="0"/>
-            </a:xfrm>
-            <a:prstGeom prst="straightConnector1">
-              <a:avLst/>
-            </a:prstGeom>
-            <a:ln>
-              <a:tailEnd type="none"/>
-            </a:ln>
-            <a:effectLst/>
-          </p:spPr>
-          <p:style>
-            <a:lnRef idx="2">
-              <a:schemeClr val="dk1"/>
-            </a:lnRef>
-            <a:fillRef idx="0">
-              <a:schemeClr val="dk1"/>
-            </a:fillRef>
-            <a:effectRef idx="1">
-              <a:schemeClr val="dk1"/>
-            </a:effectRef>
-            <a:fontRef idx="minor">
-              <a:schemeClr val="tx1"/>
-            </a:fontRef>
-          </p:style>
-        </p:cxnSp>
-        <p:cxnSp>
-          <p:nvCxnSpPr>
-            <p:cNvPr id="45" name="Straight Arrow Connector 44"/>
-            <p:cNvCxnSpPr>
-              <a:stCxn id="8" idx="6"/>
-              <a:endCxn id="9" idx="2"/>
-            </p:cNvCxnSpPr>
-            <p:nvPr/>
-          </p:nvCxnSpPr>
-          <p:spPr>
-            <a:xfrm>
-              <a:off x="3382192" y="3976589"/>
-              <a:ext cx="649103" cy="0"/>
-            </a:xfrm>
-            <a:prstGeom prst="straightConnector1">
-              <a:avLst/>
-            </a:prstGeom>
-            <a:ln>
-              <a:tailEnd type="none"/>
-            </a:ln>
-            <a:effectLst/>
-          </p:spPr>
-          <p:style>
-            <a:lnRef idx="2">
-              <a:schemeClr val="dk1"/>
-            </a:lnRef>
-            <a:fillRef idx="0">
-              <a:schemeClr val="dk1"/>
-            </a:fillRef>
-            <a:effectRef idx="1">
-              <a:schemeClr val="dk1"/>
-            </a:effectRef>
-            <a:fontRef idx="minor">
-              <a:schemeClr val="tx1"/>
-            </a:fontRef>
-          </p:style>
-        </p:cxnSp>
-        <p:cxnSp>
-          <p:nvCxnSpPr>
-            <p:cNvPr id="48" name="Straight Arrow Connector 47"/>
-            <p:cNvCxnSpPr>
-              <a:stCxn id="4" idx="6"/>
-              <a:endCxn id="6" idx="2"/>
-            </p:cNvCxnSpPr>
-            <p:nvPr/>
-          </p:nvCxnSpPr>
-          <p:spPr>
-            <a:xfrm>
-              <a:off x="3382192" y="1726258"/>
-              <a:ext cx="2305961" cy="0"/>
-            </a:xfrm>
-            <a:prstGeom prst="straightConnector1">
-              <a:avLst/>
-            </a:prstGeom>
-            <a:ln>
-              <a:tailEnd type="none"/>
-            </a:ln>
-            <a:effectLst/>
-          </p:spPr>
-          <p:style>
-            <a:lnRef idx="2">
-              <a:schemeClr val="dk1"/>
-            </a:lnRef>
-            <a:fillRef idx="0">
-              <a:schemeClr val="dk1"/>
-            </a:fillRef>
-            <a:effectRef idx="1">
-              <a:schemeClr val="dk1"/>
-            </a:effectRef>
-            <a:fontRef idx="minor">
-              <a:schemeClr val="tx1"/>
-            </a:fontRef>
-          </p:style>
-        </p:cxnSp>
-      </p:grpSp>
-    </p:spTree>
-    <p:extLst>
-      <p:ext uri="{BB962C8B-B14F-4D97-AF65-F5344CB8AC3E}">
-        <p14:creationId xmlns:p14="http://schemas.microsoft.com/office/powerpoint/2010/main" val="3439532769"/>
-      </p:ext>
-    </p:extLst>
-  </p:cSld>
-  <p:clrMapOvr>
-    <a:masterClrMapping/>
-  </p:clrMapOvr>
-</p:sld>
-</file>
-
-<file path=ppt/slides/slide10.xml><?xml version="1.0" encoding="utf-8"?>
-<p:sld xmlns:a="http://schemas.openxmlformats.org/drawingml/2006/main" xmlns:r="http://schemas.openxmlformats.org/officeDocument/2006/relationships" xmlns:p="http://schemas.openxmlformats.org/presentationml/2006/main">
-  <p:cSld>
-    <p:spTree>
-      <p:nvGrpSpPr>
-        <p:cNvPr id="1" name=""/>
-        <p:cNvGrpSpPr/>
-        <p:nvPr/>
-      </p:nvGrpSpPr>
-      <p:grpSpPr>
-        <a:xfrm>
-          <a:off x="0" y="0"/>
-          <a:ext cx="0" cy="0"/>
-          <a:chOff x="0" y="0"/>
-          <a:chExt cx="0" cy="0"/>
-        </a:xfrm>
-      </p:grpSpPr>
-      <p:grpSp>
-        <p:nvGrpSpPr>
-          <p:cNvPr id="84" name="Group 83"/>
-          <p:cNvGrpSpPr/>
-          <p:nvPr/>
-        </p:nvGrpSpPr>
-        <p:grpSpPr>
-          <a:xfrm>
-            <a:off x="1057362" y="1408722"/>
-            <a:ext cx="6764386" cy="4395953"/>
-            <a:chOff x="314060" y="1408722"/>
-            <a:chExt cx="6764386" cy="4395953"/>
-          </a:xfrm>
-        </p:grpSpPr>
-        <p:sp>
-          <p:nvSpPr>
-            <p:cNvPr id="7" name="Oval 6"/>
-            <p:cNvSpPr/>
-            <p:nvPr/>
-          </p:nvSpPr>
-          <p:spPr>
-            <a:xfrm>
-              <a:off x="2981852" y="2794852"/>
-              <a:ext cx="1707805" cy="1623693"/>
-            </a:xfrm>
-            <a:prstGeom prst="ellipse">
-              <a:avLst/>
-            </a:prstGeom>
-            <a:noFill/>
-            <a:ln w="19050" cmpd="sng">
-              <a:solidFill>
-                <a:schemeClr val="tx1"/>
-              </a:solidFill>
-            </a:ln>
-            <a:effectLst/>
-          </p:spPr>
-          <p:style>
-            <a:lnRef idx="1">
-              <a:schemeClr val="accent1"/>
-            </a:lnRef>
-            <a:fillRef idx="3">
-              <a:schemeClr val="accent1"/>
-            </a:fillRef>
-            <a:effectRef idx="2">
-              <a:schemeClr val="accent1"/>
-            </a:effectRef>
-            <a:fontRef idx="minor">
-              <a:schemeClr val="lt1"/>
-            </a:fontRef>
-          </p:style>
-          <p:txBody>
-            <a:bodyPr rtlCol="0" anchor="ctr"/>
-            <a:lstStyle/>
-            <a:p>
-              <a:pPr algn="ctr"/>
-              <a:r>
-                <a:rPr lang="en-US" dirty="0" smtClean="0">
-                  <a:solidFill>
-                    <a:schemeClr val="tx1"/>
-                  </a:solidFill>
-                </a:rPr>
-                <a:t>H,</a:t>
-              </a:r>
-              <a:r>
-                <a:rPr lang="en-US" dirty="0" smtClean="0">
-                  <a:solidFill>
-                    <a:schemeClr val="tx1"/>
-                  </a:solidFill>
-                </a:rPr>
-                <a:t>D</a:t>
-              </a:r>
-              <a:r>
-                <a:rPr lang="en-US" baseline="-25000" dirty="0" smtClean="0">
-                  <a:solidFill>
-                    <a:schemeClr val="tx1"/>
-                  </a:solidFill>
-                </a:rPr>
-                <a:t>1</a:t>
-              </a:r>
-              <a:r>
-                <a:rPr lang="en-US" dirty="0" smtClean="0">
-                  <a:solidFill>
-                    <a:schemeClr val="tx1"/>
-                  </a:solidFill>
-                </a:rPr>
-                <a:t>,</a:t>
-              </a:r>
-              <a:r>
-                <a:rPr lang="en-US" dirty="0" smtClean="0">
-                  <a:solidFill>
-                    <a:schemeClr val="tx1"/>
-                  </a:solidFill>
-                </a:rPr>
-                <a:t>D</a:t>
-              </a:r>
-              <a:r>
-                <a:rPr lang="en-US" baseline="-25000" dirty="0" smtClean="0">
-                  <a:solidFill>
-                    <a:schemeClr val="tx1"/>
-                  </a:solidFill>
-                </a:rPr>
-                <a:t>2</a:t>
-              </a:r>
-              <a:r>
-                <a:rPr lang="en-US" dirty="0" smtClean="0">
-                  <a:solidFill>
-                    <a:schemeClr val="tx1"/>
-                  </a:solidFill>
-                </a:rPr>
-                <a:t>,</a:t>
-              </a:r>
-              <a:r>
-                <a:rPr lang="en-US" dirty="0" smtClean="0">
-                  <a:solidFill>
-                    <a:schemeClr val="tx1"/>
-                  </a:solidFill>
-                </a:rPr>
-                <a:t>D</a:t>
-              </a:r>
-              <a:r>
-                <a:rPr lang="en-US" baseline="-25000" dirty="0" smtClean="0">
-                  <a:solidFill>
-                    <a:schemeClr val="tx1"/>
-                  </a:solidFill>
-                </a:rPr>
-                <a:t>3</a:t>
-              </a:r>
-            </a:p>
-          </p:txBody>
-        </p:sp>
-        <p:cxnSp>
-          <p:nvCxnSpPr>
-            <p:cNvPr id="14" name="Straight Arrow Connector 13"/>
-            <p:cNvCxnSpPr>
-              <a:stCxn id="70" idx="6"/>
-              <a:endCxn id="7" idx="2"/>
-            </p:cNvCxnSpPr>
-            <p:nvPr/>
-          </p:nvCxnSpPr>
-          <p:spPr>
-            <a:xfrm>
-              <a:off x="2021865" y="3606699"/>
-              <a:ext cx="959987" cy="0"/>
-            </a:xfrm>
-            <a:prstGeom prst="straightConnector1">
-              <a:avLst/>
-            </a:prstGeom>
-            <a:ln>
-              <a:tailEnd type="none"/>
-            </a:ln>
-            <a:effectLst/>
-          </p:spPr>
-          <p:style>
-            <a:lnRef idx="2">
-              <a:schemeClr val="dk1"/>
-            </a:lnRef>
-            <a:fillRef idx="0">
-              <a:schemeClr val="dk1"/>
-            </a:fillRef>
-            <a:effectRef idx="1">
-              <a:schemeClr val="dk1"/>
-            </a:effectRef>
-            <a:fontRef idx="minor">
-              <a:schemeClr val="tx1"/>
-            </a:fontRef>
-          </p:style>
-        </p:cxnSp>
-        <p:sp>
-          <p:nvSpPr>
-            <p:cNvPr id="70" name="Oval 69"/>
-            <p:cNvSpPr/>
-            <p:nvPr/>
-          </p:nvSpPr>
-          <p:spPr>
-            <a:xfrm>
-              <a:off x="314060" y="2794852"/>
-              <a:ext cx="1707805" cy="1623693"/>
-            </a:xfrm>
-            <a:prstGeom prst="ellipse">
-              <a:avLst/>
-            </a:prstGeom>
-            <a:noFill/>
-            <a:ln w="19050" cmpd="sng">
-              <a:solidFill>
-                <a:schemeClr val="tx1"/>
-              </a:solidFill>
-            </a:ln>
-            <a:effectLst/>
-          </p:spPr>
-          <p:style>
-            <a:lnRef idx="1">
-              <a:schemeClr val="accent1"/>
-            </a:lnRef>
-            <a:fillRef idx="3">
-              <a:schemeClr val="accent1"/>
-            </a:fillRef>
-            <a:effectRef idx="2">
-              <a:schemeClr val="accent1"/>
-            </a:effectRef>
-            <a:fontRef idx="minor">
-              <a:schemeClr val="lt1"/>
-            </a:fontRef>
-          </p:style>
-          <p:txBody>
-            <a:bodyPr rtlCol="0" anchor="ctr"/>
-            <a:lstStyle/>
-            <a:p>
-              <a:pPr algn="ctr"/>
-              <a:r>
-                <a:rPr lang="en-US" dirty="0" smtClean="0">
-                  <a:solidFill>
-                    <a:schemeClr val="tx1"/>
-                  </a:solidFill>
-                </a:rPr>
-                <a:t>G,H,</a:t>
-              </a:r>
-              <a:r>
-                <a:rPr lang="en-US" dirty="0" smtClean="0">
-                  <a:solidFill>
-                    <a:schemeClr val="tx1"/>
-                  </a:solidFill>
-                </a:rPr>
-                <a:t>E</a:t>
-              </a:r>
-              <a:endParaRPr lang="en-US" baseline="-25000" dirty="0" smtClean="0">
-                <a:solidFill>
-                  <a:schemeClr val="tx1"/>
-                </a:solidFill>
-              </a:endParaRPr>
-            </a:p>
-          </p:txBody>
-        </p:sp>
-        <p:sp>
-          <p:nvSpPr>
-            <p:cNvPr id="73" name="Oval 72"/>
-            <p:cNvSpPr/>
-            <p:nvPr/>
-          </p:nvSpPr>
-          <p:spPr>
-            <a:xfrm>
-              <a:off x="5370641" y="1408722"/>
-              <a:ext cx="1707805" cy="1623693"/>
-            </a:xfrm>
-            <a:prstGeom prst="ellipse">
-              <a:avLst/>
-            </a:prstGeom>
-            <a:noFill/>
-            <a:ln w="19050" cmpd="sng">
-              <a:solidFill>
-                <a:schemeClr val="tx1"/>
-              </a:solidFill>
-            </a:ln>
-            <a:effectLst/>
-          </p:spPr>
-          <p:style>
-            <a:lnRef idx="1">
-              <a:schemeClr val="accent1"/>
-            </a:lnRef>
-            <a:fillRef idx="3">
-              <a:schemeClr val="accent1"/>
-            </a:fillRef>
-            <a:effectRef idx="2">
-              <a:schemeClr val="accent1"/>
-            </a:effectRef>
-            <a:fontRef idx="minor">
-              <a:schemeClr val="lt1"/>
-            </a:fontRef>
-          </p:style>
-          <p:txBody>
-            <a:bodyPr rtlCol="0" anchor="ctr"/>
-            <a:lstStyle/>
-            <a:p>
-              <a:pPr algn="ctr"/>
-              <a:r>
-                <a:rPr lang="en-US" dirty="0" smtClean="0">
-                  <a:solidFill>
-                    <a:schemeClr val="tx1"/>
-                  </a:solidFill>
-                </a:rPr>
-                <a:t>D</a:t>
-              </a:r>
-              <a:r>
-                <a:rPr lang="en-US" baseline="-25000" dirty="0" smtClean="0">
-                  <a:solidFill>
-                    <a:schemeClr val="tx1"/>
-                  </a:solidFill>
-                </a:rPr>
-                <a:t>1</a:t>
-              </a:r>
-              <a:r>
-                <a:rPr lang="en-US" dirty="0" smtClean="0">
-                  <a:solidFill>
-                    <a:schemeClr val="tx1"/>
-                  </a:solidFill>
-                </a:rPr>
-                <a:t>,</a:t>
-              </a:r>
-              <a:r>
-                <a:rPr lang="en-US" dirty="0" smtClean="0">
-                  <a:solidFill>
-                    <a:schemeClr val="tx1"/>
-                  </a:solidFill>
-                </a:rPr>
-                <a:t>D</a:t>
-              </a:r>
-              <a:r>
-                <a:rPr lang="en-US" baseline="-25000" dirty="0" smtClean="0">
-                  <a:solidFill>
-                    <a:schemeClr val="tx1"/>
-                  </a:solidFill>
-                </a:rPr>
-                <a:t>2</a:t>
-              </a:r>
-              <a:r>
-                <a:rPr lang="en-US" dirty="0" smtClean="0">
-                  <a:solidFill>
-                    <a:schemeClr val="tx1"/>
-                  </a:solidFill>
-                </a:rPr>
-                <a:t>,</a:t>
-              </a:r>
-              <a:r>
-                <a:rPr lang="en-US" dirty="0" smtClean="0">
-                  <a:solidFill>
-                    <a:schemeClr val="tx1"/>
-                  </a:solidFill>
-                </a:rPr>
-                <a:t>S</a:t>
-              </a:r>
-              <a:r>
-                <a:rPr lang="en-US" baseline="-25000" dirty="0" smtClean="0">
-                  <a:solidFill>
-                    <a:schemeClr val="tx1"/>
-                  </a:solidFill>
-                </a:rPr>
-                <a:t>1</a:t>
-              </a:r>
-            </a:p>
-          </p:txBody>
-        </p:sp>
-        <p:sp>
-          <p:nvSpPr>
-            <p:cNvPr id="74" name="Oval 73"/>
-            <p:cNvSpPr/>
-            <p:nvPr/>
-          </p:nvSpPr>
-          <p:spPr>
-            <a:xfrm>
-              <a:off x="5370641" y="4180982"/>
-              <a:ext cx="1707805" cy="1623693"/>
-            </a:xfrm>
-            <a:prstGeom prst="ellipse">
-              <a:avLst/>
-            </a:prstGeom>
-            <a:noFill/>
-            <a:ln w="19050" cmpd="sng">
-              <a:solidFill>
-                <a:schemeClr val="tx1"/>
-              </a:solidFill>
-            </a:ln>
-            <a:effectLst/>
-          </p:spPr>
-          <p:style>
-            <a:lnRef idx="1">
-              <a:schemeClr val="accent1"/>
-            </a:lnRef>
-            <a:fillRef idx="3">
-              <a:schemeClr val="accent1"/>
-            </a:fillRef>
-            <a:effectRef idx="2">
-              <a:schemeClr val="accent1"/>
-            </a:effectRef>
-            <a:fontRef idx="minor">
-              <a:schemeClr val="lt1"/>
-            </a:fontRef>
-          </p:style>
-          <p:txBody>
-            <a:bodyPr rtlCol="0" anchor="ctr"/>
-            <a:lstStyle/>
-            <a:p>
-              <a:pPr algn="ctr"/>
-              <a:r>
-                <a:rPr lang="en-US" dirty="0" smtClean="0">
-                  <a:solidFill>
-                    <a:schemeClr val="tx1"/>
-                  </a:solidFill>
-                </a:rPr>
-                <a:t>D</a:t>
-              </a:r>
-              <a:r>
-                <a:rPr lang="en-US" baseline="-25000" dirty="0" smtClean="0">
-                  <a:solidFill>
-                    <a:schemeClr val="tx1"/>
-                  </a:solidFill>
-                </a:rPr>
-                <a:t>2</a:t>
-              </a:r>
-              <a:r>
-                <a:rPr lang="en-US" dirty="0" smtClean="0">
-                  <a:solidFill>
-                    <a:schemeClr val="tx1"/>
-                  </a:solidFill>
-                </a:rPr>
-                <a:t>,</a:t>
-              </a:r>
-              <a:r>
-                <a:rPr lang="en-US" dirty="0" smtClean="0">
-                  <a:solidFill>
-                    <a:schemeClr val="tx1"/>
-                  </a:solidFill>
-                </a:rPr>
-                <a:t>D</a:t>
-              </a:r>
-              <a:r>
-                <a:rPr lang="en-US" baseline="-25000" dirty="0" smtClean="0">
-                  <a:solidFill>
-                    <a:schemeClr val="tx1"/>
-                  </a:solidFill>
-                </a:rPr>
-                <a:t>3</a:t>
-              </a:r>
-              <a:r>
-                <a:rPr lang="en-US" dirty="0" smtClean="0">
-                  <a:solidFill>
-                    <a:schemeClr val="tx1"/>
-                  </a:solidFill>
-                </a:rPr>
-                <a:t>,</a:t>
-              </a:r>
-              <a:r>
-                <a:rPr lang="en-US" dirty="0" smtClean="0">
-                  <a:solidFill>
-                    <a:schemeClr val="tx1"/>
-                  </a:solidFill>
-                </a:rPr>
-                <a:t>S</a:t>
-              </a:r>
-              <a:r>
-                <a:rPr lang="en-US" baseline="-25000" dirty="0" smtClean="0">
-                  <a:solidFill>
-                    <a:schemeClr val="tx1"/>
-                  </a:solidFill>
-                </a:rPr>
-                <a:t>2</a:t>
-              </a:r>
-            </a:p>
-          </p:txBody>
-        </p:sp>
-        <p:cxnSp>
-          <p:nvCxnSpPr>
-            <p:cNvPr id="75" name="Straight Arrow Connector 74"/>
-            <p:cNvCxnSpPr>
-              <a:stCxn id="7" idx="7"/>
-              <a:endCxn id="73" idx="2"/>
-            </p:cNvCxnSpPr>
-            <p:nvPr/>
-          </p:nvCxnSpPr>
-          <p:spPr>
-            <a:xfrm flipV="1">
-              <a:off x="4439555" y="2220569"/>
-              <a:ext cx="931086" cy="812067"/>
-            </a:xfrm>
-            <a:prstGeom prst="straightConnector1">
-              <a:avLst/>
-            </a:prstGeom>
-            <a:ln>
-              <a:tailEnd type="none"/>
-            </a:ln>
-            <a:effectLst/>
-          </p:spPr>
-          <p:style>
-            <a:lnRef idx="2">
-              <a:schemeClr val="dk1"/>
-            </a:lnRef>
-            <a:fillRef idx="0">
-              <a:schemeClr val="dk1"/>
-            </a:fillRef>
-            <a:effectRef idx="1">
-              <a:schemeClr val="dk1"/>
-            </a:effectRef>
-            <a:fontRef idx="minor">
-              <a:schemeClr val="tx1"/>
-            </a:fontRef>
-          </p:style>
-        </p:cxnSp>
-        <p:cxnSp>
-          <p:nvCxnSpPr>
-            <p:cNvPr id="79" name="Straight Arrow Connector 78"/>
-            <p:cNvCxnSpPr>
-              <a:stCxn id="7" idx="5"/>
-              <a:endCxn id="74" idx="2"/>
-            </p:cNvCxnSpPr>
-            <p:nvPr/>
-          </p:nvCxnSpPr>
-          <p:spPr>
-            <a:xfrm>
-              <a:off x="4439555" y="4180761"/>
-              <a:ext cx="931086" cy="812068"/>
-            </a:xfrm>
-            <a:prstGeom prst="straightConnector1">
-              <a:avLst/>
-            </a:prstGeom>
-            <a:ln>
-              <a:tailEnd type="none"/>
-            </a:ln>
-            <a:effectLst/>
-          </p:spPr>
-          <p:style>
-            <a:lnRef idx="2">
-              <a:schemeClr val="dk1"/>
-            </a:lnRef>
-            <a:fillRef idx="0">
-              <a:schemeClr val="dk1"/>
-            </a:fillRef>
-            <a:effectRef idx="1">
-              <a:schemeClr val="dk1"/>
-            </a:effectRef>
-            <a:fontRef idx="minor">
-              <a:schemeClr val="tx1"/>
-            </a:fontRef>
-          </p:style>
-        </p:cxnSp>
-      </p:grpSp>
-    </p:spTree>
-    <p:extLst>
-      <p:ext uri="{BB962C8B-B14F-4D97-AF65-F5344CB8AC3E}">
-        <p14:creationId xmlns:p14="http://schemas.microsoft.com/office/powerpoint/2010/main" val="146052202"/>
-      </p:ext>
-    </p:extLst>
-  </p:cSld>
-  <p:clrMapOvr>
-    <a:masterClrMapping/>
-  </p:clrMapOvr>
-</p:sld>
-</file>
-
-<file path=ppt/slides/slide11.xml><?xml version="1.0" encoding="utf-8"?>
-<p:sld xmlns:a="http://schemas.openxmlformats.org/drawingml/2006/main" xmlns:r="http://schemas.openxmlformats.org/officeDocument/2006/relationships" xmlns:p="http://schemas.openxmlformats.org/presentationml/2006/main">
-  <p:cSld>
-    <p:spTree>
-      <p:nvGrpSpPr>
-        <p:cNvPr id="1" name=""/>
-        <p:cNvGrpSpPr/>
-        <p:nvPr/>
-      </p:nvGrpSpPr>
-      <p:grpSpPr>
-        <a:xfrm>
-          <a:off x="0" y="0"/>
-          <a:ext cx="0" cy="0"/>
-          <a:chOff x="0" y="0"/>
-          <a:chExt cx="0" cy="0"/>
-        </a:xfrm>
-      </p:grpSpPr>
-      <p:sp>
-        <p:nvSpPr>
-          <p:cNvPr id="7" name="Oval 6"/>
-          <p:cNvSpPr/>
-          <p:nvPr/>
-        </p:nvSpPr>
-        <p:spPr>
-          <a:xfrm>
-            <a:off x="3725154" y="2794852"/>
-            <a:ext cx="1707805" cy="1623693"/>
-          </a:xfrm>
-          <a:prstGeom prst="ellipse">
-            <a:avLst/>
-          </a:prstGeom>
-          <a:noFill/>
-          <a:ln w="19050" cmpd="sng">
-            <a:solidFill>
-              <a:schemeClr val="tx1"/>
-            </a:solidFill>
-          </a:ln>
-          <a:effectLst/>
-        </p:spPr>
-        <p:style>
-          <a:lnRef idx="1">
-            <a:schemeClr val="accent1"/>
-          </a:lnRef>
-          <a:fillRef idx="3">
-            <a:schemeClr val="accent1"/>
-          </a:fillRef>
-          <a:effectRef idx="2">
-            <a:schemeClr val="accent1"/>
-          </a:effectRef>
-          <a:fontRef idx="minor">
-            <a:schemeClr val="lt1"/>
-          </a:fontRef>
-        </p:style>
-        <p:txBody>
-          <a:bodyPr rtlCol="0" anchor="ctr"/>
-          <a:lstStyle/>
-          <a:p>
-            <a:pPr algn="ctr"/>
-            <a:r>
-              <a:rPr lang="en-US" dirty="0" smtClean="0">
-                <a:solidFill>
-                  <a:schemeClr val="tx1"/>
-                </a:solidFill>
-              </a:rPr>
-              <a:t>G,</a:t>
-            </a:r>
-            <a:r>
-              <a:rPr lang="en-US" dirty="0" smtClean="0">
-                <a:solidFill>
-                  <a:schemeClr val="tx1"/>
-                </a:solidFill>
-              </a:rPr>
-              <a:t>D</a:t>
-            </a:r>
-            <a:r>
-              <a:rPr lang="en-US" baseline="-25000" dirty="0" smtClean="0">
-                <a:solidFill>
-                  <a:schemeClr val="tx1"/>
-                </a:solidFill>
-              </a:rPr>
-              <a:t>1</a:t>
-            </a:r>
-            <a:r>
-              <a:rPr lang="en-US" dirty="0" smtClean="0">
-                <a:solidFill>
-                  <a:schemeClr val="tx1"/>
-                </a:solidFill>
-              </a:rPr>
-              <a:t>,</a:t>
-            </a:r>
-            <a:r>
-              <a:rPr lang="en-US" dirty="0" smtClean="0">
-                <a:solidFill>
-                  <a:schemeClr val="tx1"/>
-                </a:solidFill>
-              </a:rPr>
-              <a:t>D</a:t>
-            </a:r>
-            <a:r>
-              <a:rPr lang="en-US" baseline="-25000" dirty="0" smtClean="0">
-                <a:solidFill>
-                  <a:schemeClr val="tx1"/>
-                </a:solidFill>
-              </a:rPr>
-              <a:t>2</a:t>
-            </a:r>
-            <a:r>
-              <a:rPr lang="en-US" dirty="0" smtClean="0">
-                <a:solidFill>
-                  <a:schemeClr val="tx1"/>
-                </a:solidFill>
-              </a:rPr>
-              <a:t>,</a:t>
-            </a:r>
-            <a:r>
-              <a:rPr lang="en-US" dirty="0" smtClean="0">
-                <a:solidFill>
-                  <a:schemeClr val="tx1"/>
-                </a:solidFill>
-              </a:rPr>
-              <a:t>D</a:t>
-            </a:r>
-            <a:r>
-              <a:rPr lang="en-US" baseline="-25000" dirty="0" smtClean="0">
-                <a:solidFill>
-                  <a:schemeClr val="tx1"/>
-                </a:solidFill>
-              </a:rPr>
-              <a:t>3</a:t>
-            </a:r>
-            <a:r>
-              <a:rPr lang="en-US" dirty="0" smtClean="0">
-                <a:solidFill>
-                  <a:schemeClr val="tx1"/>
-                </a:solidFill>
-              </a:rPr>
-              <a:t>, H,E,S</a:t>
-            </a:r>
-            <a:r>
-              <a:rPr lang="en-US" baseline="-25000" dirty="0" smtClean="0">
-                <a:solidFill>
-                  <a:schemeClr val="tx1"/>
-                </a:solidFill>
-              </a:rPr>
-              <a:t>1</a:t>
-            </a:r>
-            <a:r>
-              <a:rPr lang="en-US" dirty="0" smtClean="0">
-                <a:solidFill>
-                  <a:schemeClr val="tx1"/>
-                </a:solidFill>
-              </a:rPr>
-              <a:t>,S</a:t>
-            </a:r>
-            <a:r>
-              <a:rPr lang="en-US" baseline="-25000" dirty="0" smtClean="0">
-                <a:solidFill>
-                  <a:schemeClr val="tx1"/>
-                </a:solidFill>
-              </a:rPr>
-              <a:t>2</a:t>
-            </a:r>
-          </a:p>
-        </p:txBody>
-      </p:sp>
-    </p:spTree>
-    <p:extLst>
-      <p:ext uri="{BB962C8B-B14F-4D97-AF65-F5344CB8AC3E}">
-        <p14:creationId xmlns:p14="http://schemas.microsoft.com/office/powerpoint/2010/main" val="1887915092"/>
-      </p:ext>
-    </p:extLst>
-  </p:cSld>
-  <p:clrMapOvr>
-    <a:masterClrMapping/>
-  </p:clrMapOvr>
-</p:sld>
-</file>
-
-<file path=ppt/slides/slide12.xml><?xml version="1.0" encoding="utf-8"?>
-<p:sld xmlns:a="http://schemas.openxmlformats.org/drawingml/2006/main" xmlns:r="http://schemas.openxmlformats.org/officeDocument/2006/relationships" xmlns:p="http://schemas.openxmlformats.org/presentationml/2006/main">
-  <p:cSld>
-    <p:spTree>
-      <p:nvGrpSpPr>
-        <p:cNvPr id="1" name=""/>
-        <p:cNvGrpSpPr/>
-        <p:nvPr/>
-      </p:nvGrpSpPr>
-      <p:grpSpPr>
-        <a:xfrm>
-          <a:off x="0" y="0"/>
-          <a:ext cx="0" cy="0"/>
-          <a:chOff x="0" y="0"/>
-          <a:chExt cx="0" cy="0"/>
-        </a:xfrm>
-      </p:grpSpPr>
-      <p:grpSp>
-        <p:nvGrpSpPr>
-          <p:cNvPr id="20" name="Group 19"/>
-          <p:cNvGrpSpPr/>
-          <p:nvPr/>
-        </p:nvGrpSpPr>
-        <p:grpSpPr>
-          <a:xfrm>
-            <a:off x="960728" y="917272"/>
-            <a:ext cx="6283795" cy="3998817"/>
-            <a:chOff x="960728" y="917272"/>
-            <a:chExt cx="6283795" cy="3998817"/>
-          </a:xfrm>
-        </p:grpSpPr>
-        <p:sp>
-          <p:nvSpPr>
-            <p:cNvPr id="7" name="Oval 6"/>
-            <p:cNvSpPr/>
-            <p:nvPr/>
-          </p:nvSpPr>
-          <p:spPr>
-            <a:xfrm>
-              <a:off x="5536718" y="917272"/>
-              <a:ext cx="1707805" cy="1623693"/>
-            </a:xfrm>
-            <a:prstGeom prst="ellipse">
-              <a:avLst/>
-            </a:prstGeom>
-            <a:noFill/>
-            <a:ln w="19050" cmpd="sng">
-              <a:solidFill>
-                <a:schemeClr val="tx1"/>
-              </a:solidFill>
-            </a:ln>
-            <a:effectLst/>
-          </p:spPr>
-          <p:style>
-            <a:lnRef idx="1">
-              <a:schemeClr val="accent1"/>
-            </a:lnRef>
-            <a:fillRef idx="3">
-              <a:schemeClr val="accent1"/>
-            </a:fillRef>
-            <a:effectRef idx="2">
-              <a:schemeClr val="accent1"/>
-            </a:effectRef>
-            <a:fontRef idx="minor">
-              <a:schemeClr val="lt1"/>
-            </a:fontRef>
-          </p:style>
-          <p:txBody>
-            <a:bodyPr rtlCol="0" anchor="ctr"/>
-            <a:lstStyle/>
-            <a:p>
-              <a:pPr algn="ctr"/>
-              <a:r>
-                <a:rPr lang="en-US" dirty="0" smtClean="0">
-                  <a:solidFill>
-                    <a:schemeClr val="tx1"/>
-                  </a:solidFill>
-                </a:rPr>
-                <a:t>H,</a:t>
-              </a:r>
-              <a:r>
-                <a:rPr lang="en-US" dirty="0" smtClean="0">
-                  <a:solidFill>
-                    <a:schemeClr val="tx1"/>
-                  </a:solidFill>
-                </a:rPr>
-                <a:t>D</a:t>
-              </a:r>
-              <a:r>
-                <a:rPr lang="en-US" baseline="-25000" dirty="0" smtClean="0">
-                  <a:solidFill>
-                    <a:schemeClr val="tx1"/>
-                  </a:solidFill>
-                </a:rPr>
-                <a:t>2</a:t>
-              </a:r>
-              <a:r>
-                <a:rPr lang="en-US" dirty="0" smtClean="0">
-                  <a:solidFill>
-                    <a:schemeClr val="tx1"/>
-                  </a:solidFill>
-                </a:rPr>
-                <a:t>,</a:t>
-              </a:r>
-              <a:r>
-                <a:rPr lang="en-US" dirty="0" smtClean="0">
-                  <a:solidFill>
-                    <a:schemeClr val="tx1"/>
-                  </a:solidFill>
-                </a:rPr>
-                <a:t>D</a:t>
-              </a:r>
-              <a:r>
-                <a:rPr lang="en-US" baseline="-25000" dirty="0" smtClean="0">
-                  <a:solidFill>
-                    <a:schemeClr val="tx1"/>
-                  </a:solidFill>
-                </a:rPr>
-                <a:t>3</a:t>
-              </a:r>
-            </a:p>
-          </p:txBody>
-        </p:sp>
-        <p:sp>
-          <p:nvSpPr>
-            <p:cNvPr id="70" name="Oval 69"/>
-            <p:cNvSpPr/>
-            <p:nvPr/>
-          </p:nvSpPr>
-          <p:spPr>
-            <a:xfrm>
-              <a:off x="960728" y="917272"/>
-              <a:ext cx="1707805" cy="1623693"/>
-            </a:xfrm>
-            <a:prstGeom prst="ellipse">
-              <a:avLst/>
-            </a:prstGeom>
-            <a:noFill/>
-            <a:ln w="19050" cmpd="sng">
-              <a:solidFill>
-                <a:schemeClr val="tx1"/>
-              </a:solidFill>
-            </a:ln>
-            <a:effectLst/>
-          </p:spPr>
-          <p:style>
-            <a:lnRef idx="1">
-              <a:schemeClr val="accent1"/>
-            </a:lnRef>
-            <a:fillRef idx="3">
-              <a:schemeClr val="accent1"/>
-            </a:fillRef>
-            <a:effectRef idx="2">
-              <a:schemeClr val="accent1"/>
-            </a:effectRef>
-            <a:fontRef idx="minor">
-              <a:schemeClr val="lt1"/>
-            </a:fontRef>
-          </p:style>
-          <p:txBody>
-            <a:bodyPr rtlCol="0" anchor="ctr"/>
-            <a:lstStyle/>
-            <a:p>
-              <a:pPr algn="ctr"/>
-              <a:r>
-                <a:rPr lang="en-US" dirty="0" smtClean="0">
-                  <a:solidFill>
-                    <a:schemeClr val="tx1"/>
-                  </a:solidFill>
-                </a:rPr>
-                <a:t>G,H,</a:t>
-              </a:r>
-              <a:r>
-                <a:rPr lang="en-US" dirty="0" smtClean="0">
-                  <a:solidFill>
-                    <a:schemeClr val="tx1"/>
-                  </a:solidFill>
-                </a:rPr>
-                <a:t>E</a:t>
-              </a:r>
-              <a:endParaRPr lang="en-US" baseline="-25000" dirty="0" smtClean="0">
-                <a:solidFill>
-                  <a:schemeClr val="tx1"/>
-                </a:solidFill>
-              </a:endParaRPr>
-            </a:p>
-          </p:txBody>
-        </p:sp>
-        <p:cxnSp>
-          <p:nvCxnSpPr>
-            <p:cNvPr id="75" name="Straight Arrow Connector 74"/>
-            <p:cNvCxnSpPr>
-              <a:stCxn id="11" idx="2"/>
-              <a:endCxn id="70" idx="6"/>
-            </p:cNvCxnSpPr>
-            <p:nvPr/>
-          </p:nvCxnSpPr>
-          <p:spPr>
-            <a:xfrm flipH="1">
-              <a:off x="2668533" y="1729119"/>
-              <a:ext cx="508100" cy="0"/>
-            </a:xfrm>
-            <a:prstGeom prst="straightConnector1">
-              <a:avLst/>
-            </a:prstGeom>
-            <a:ln>
-              <a:tailEnd type="none"/>
-            </a:ln>
-            <a:effectLst/>
-          </p:spPr>
-          <p:style>
-            <a:lnRef idx="2">
-              <a:schemeClr val="dk1"/>
-            </a:lnRef>
-            <a:fillRef idx="0">
-              <a:schemeClr val="dk1"/>
-            </a:fillRef>
-            <a:effectRef idx="1">
-              <a:schemeClr val="dk1"/>
-            </a:effectRef>
-            <a:fontRef idx="minor">
-              <a:schemeClr val="tx1"/>
-            </a:fontRef>
-          </p:style>
-        </p:cxnSp>
-        <p:sp>
-          <p:nvSpPr>
-            <p:cNvPr id="11" name="Oval 10"/>
-            <p:cNvSpPr/>
-            <p:nvPr/>
-          </p:nvSpPr>
-          <p:spPr>
-            <a:xfrm>
-              <a:off x="3176633" y="917272"/>
-              <a:ext cx="1707805" cy="1623693"/>
-            </a:xfrm>
-            <a:prstGeom prst="ellipse">
-              <a:avLst/>
-            </a:prstGeom>
-            <a:noFill/>
-            <a:ln w="19050" cmpd="sng">
-              <a:solidFill>
-                <a:schemeClr val="tx1"/>
-              </a:solidFill>
-            </a:ln>
-            <a:effectLst/>
-          </p:spPr>
-          <p:style>
-            <a:lnRef idx="1">
-              <a:schemeClr val="accent1"/>
-            </a:lnRef>
-            <a:fillRef idx="3">
-              <a:schemeClr val="accent1"/>
-            </a:fillRef>
-            <a:effectRef idx="2">
-              <a:schemeClr val="accent1"/>
-            </a:effectRef>
-            <a:fontRef idx="minor">
-              <a:schemeClr val="lt1"/>
-            </a:fontRef>
-          </p:style>
-          <p:txBody>
-            <a:bodyPr rtlCol="0" anchor="ctr"/>
-            <a:lstStyle/>
-            <a:p>
-              <a:pPr algn="ctr"/>
-              <a:r>
-                <a:rPr lang="en-US" dirty="0" smtClean="0">
-                  <a:solidFill>
-                    <a:schemeClr val="tx1"/>
-                  </a:solidFill>
-                </a:rPr>
-                <a:t>D</a:t>
-              </a:r>
-              <a:r>
-                <a:rPr lang="en-US" baseline="-25000" dirty="0" smtClean="0">
-                  <a:solidFill>
-                    <a:schemeClr val="tx1"/>
-                  </a:solidFill>
-                </a:rPr>
-                <a:t>2</a:t>
-              </a:r>
-              <a:r>
-                <a:rPr lang="en-US" dirty="0" smtClean="0">
-                  <a:solidFill>
-                    <a:schemeClr val="tx1"/>
-                  </a:solidFill>
-                </a:rPr>
-                <a:t>,</a:t>
-              </a:r>
-              <a:r>
-                <a:rPr lang="en-US" dirty="0" smtClean="0">
-                  <a:solidFill>
-                    <a:schemeClr val="tx1"/>
-                  </a:solidFill>
-                </a:rPr>
-                <a:t>D</a:t>
-              </a:r>
-              <a:r>
-                <a:rPr lang="en-US" baseline="-25000" dirty="0" smtClean="0">
-                  <a:solidFill>
-                    <a:schemeClr val="tx1"/>
-                  </a:solidFill>
-                </a:rPr>
-                <a:t>3</a:t>
-              </a:r>
-              <a:r>
-                <a:rPr lang="en-US" dirty="0" smtClean="0">
-                  <a:solidFill>
-                    <a:schemeClr val="tx1"/>
-                  </a:solidFill>
-                </a:rPr>
-                <a:t>,</a:t>
-              </a:r>
-              <a:r>
-                <a:rPr lang="en-US" dirty="0" smtClean="0">
-                  <a:solidFill>
-                    <a:schemeClr val="tx1"/>
-                  </a:solidFill>
-                </a:rPr>
-                <a:t>S</a:t>
-              </a:r>
-              <a:r>
-                <a:rPr lang="en-US" baseline="-25000" dirty="0" smtClean="0">
-                  <a:solidFill>
-                    <a:schemeClr val="tx1"/>
-                  </a:solidFill>
-                </a:rPr>
-                <a:t>2</a:t>
-              </a:r>
-            </a:p>
-          </p:txBody>
-        </p:sp>
-        <p:sp>
-          <p:nvSpPr>
-            <p:cNvPr id="12" name="Oval 11"/>
-            <p:cNvSpPr/>
-            <p:nvPr/>
-          </p:nvSpPr>
-          <p:spPr>
-            <a:xfrm>
-              <a:off x="5536718" y="3292396"/>
-              <a:ext cx="1707805" cy="1623693"/>
-            </a:xfrm>
-            <a:prstGeom prst="ellipse">
-              <a:avLst/>
-            </a:prstGeom>
-            <a:noFill/>
-            <a:ln w="19050" cmpd="sng">
-              <a:solidFill>
-                <a:schemeClr val="tx1"/>
-              </a:solidFill>
-            </a:ln>
-            <a:effectLst/>
-          </p:spPr>
-          <p:style>
-            <a:lnRef idx="1">
-              <a:schemeClr val="accent1"/>
-            </a:lnRef>
-            <a:fillRef idx="3">
-              <a:schemeClr val="accent1"/>
-            </a:fillRef>
-            <a:effectRef idx="2">
-              <a:schemeClr val="accent1"/>
-            </a:effectRef>
-            <a:fontRef idx="minor">
-              <a:schemeClr val="lt1"/>
-            </a:fontRef>
-          </p:style>
-          <p:txBody>
-            <a:bodyPr rtlCol="0" anchor="ctr"/>
-            <a:lstStyle/>
-            <a:p>
-              <a:pPr algn="ctr"/>
-              <a:r>
-                <a:rPr lang="en-US" dirty="0" smtClean="0">
-                  <a:solidFill>
-                    <a:schemeClr val="tx1"/>
-                  </a:solidFill>
-                </a:rPr>
-                <a:t>H,</a:t>
-              </a:r>
-              <a:r>
-                <a:rPr lang="en-US" dirty="0" smtClean="0">
-                  <a:solidFill>
-                    <a:schemeClr val="tx1"/>
-                  </a:solidFill>
-                </a:rPr>
-                <a:t>D</a:t>
-              </a:r>
-              <a:r>
-                <a:rPr lang="en-US" baseline="-25000" dirty="0" smtClean="0">
-                  <a:solidFill>
-                    <a:schemeClr val="tx1"/>
-                  </a:solidFill>
-                </a:rPr>
-                <a:t>1</a:t>
-              </a:r>
-              <a:r>
-                <a:rPr lang="en-US" dirty="0" smtClean="0">
-                  <a:solidFill>
-                    <a:schemeClr val="tx1"/>
-                  </a:solidFill>
-                </a:rPr>
-                <a:t>,</a:t>
-              </a:r>
-              <a:r>
-                <a:rPr lang="en-US" dirty="0" smtClean="0">
-                  <a:solidFill>
-                    <a:schemeClr val="tx1"/>
-                  </a:solidFill>
-                </a:rPr>
-                <a:t>D</a:t>
-              </a:r>
-              <a:r>
-                <a:rPr lang="en-US" baseline="-25000" dirty="0" smtClean="0">
-                  <a:solidFill>
-                    <a:schemeClr val="tx1"/>
-                  </a:solidFill>
-                </a:rPr>
-                <a:t>2</a:t>
-              </a:r>
-              <a:endParaRPr lang="en-US" baseline="-25000" dirty="0" smtClean="0">
-                <a:solidFill>
-                  <a:schemeClr val="tx1"/>
-                </a:solidFill>
-              </a:endParaRPr>
-            </a:p>
-          </p:txBody>
-        </p:sp>
-        <p:sp>
-          <p:nvSpPr>
-            <p:cNvPr id="13" name="Oval 12"/>
-            <p:cNvSpPr/>
-            <p:nvPr/>
-          </p:nvSpPr>
-          <p:spPr>
-            <a:xfrm>
-              <a:off x="3176633" y="3292396"/>
-              <a:ext cx="1707805" cy="1623693"/>
-            </a:xfrm>
-            <a:prstGeom prst="ellipse">
-              <a:avLst/>
-            </a:prstGeom>
-            <a:noFill/>
-            <a:ln w="19050" cmpd="sng">
-              <a:solidFill>
-                <a:schemeClr val="tx1"/>
-              </a:solidFill>
-            </a:ln>
-            <a:effectLst/>
-          </p:spPr>
-          <p:style>
-            <a:lnRef idx="1">
-              <a:schemeClr val="accent1"/>
-            </a:lnRef>
-            <a:fillRef idx="3">
-              <a:schemeClr val="accent1"/>
-            </a:fillRef>
-            <a:effectRef idx="2">
-              <a:schemeClr val="accent1"/>
-            </a:effectRef>
-            <a:fontRef idx="minor">
-              <a:schemeClr val="lt1"/>
-            </a:fontRef>
-          </p:style>
-          <p:txBody>
-            <a:bodyPr rtlCol="0" anchor="ctr"/>
-            <a:lstStyle/>
-            <a:p>
-              <a:pPr algn="ctr"/>
-              <a:r>
-                <a:rPr lang="en-US" dirty="0" smtClean="0">
-                  <a:solidFill>
-                    <a:schemeClr val="tx1"/>
-                  </a:solidFill>
-                </a:rPr>
-                <a:t>D</a:t>
-              </a:r>
-              <a:r>
-                <a:rPr lang="en-US" baseline="-25000" dirty="0" smtClean="0">
-                  <a:solidFill>
-                    <a:schemeClr val="tx1"/>
-                  </a:solidFill>
-                </a:rPr>
-                <a:t>1</a:t>
-              </a:r>
-              <a:r>
-                <a:rPr lang="en-US" dirty="0" smtClean="0">
-                  <a:solidFill>
-                    <a:schemeClr val="tx1"/>
-                  </a:solidFill>
-                </a:rPr>
-                <a:t>,</a:t>
-              </a:r>
-              <a:r>
-                <a:rPr lang="en-US" dirty="0" smtClean="0">
-                  <a:solidFill>
-                    <a:schemeClr val="tx1"/>
-                  </a:solidFill>
-                </a:rPr>
-                <a:t>D</a:t>
-              </a:r>
-              <a:r>
-                <a:rPr lang="en-US" baseline="-25000" dirty="0" smtClean="0">
-                  <a:solidFill>
-                    <a:schemeClr val="tx1"/>
-                  </a:solidFill>
-                </a:rPr>
-                <a:t>2</a:t>
-              </a:r>
-              <a:r>
-                <a:rPr lang="en-US" dirty="0" smtClean="0">
-                  <a:solidFill>
-                    <a:schemeClr val="tx1"/>
-                  </a:solidFill>
-                </a:rPr>
-                <a:t>,S</a:t>
-              </a:r>
-              <a:endParaRPr lang="en-US" baseline="-25000" dirty="0" smtClean="0">
-                <a:solidFill>
-                  <a:schemeClr val="tx1"/>
-                </a:solidFill>
-              </a:endParaRPr>
-            </a:p>
-          </p:txBody>
-        </p:sp>
-        <p:cxnSp>
-          <p:nvCxnSpPr>
-            <p:cNvPr id="18" name="Straight Arrow Connector 17"/>
-            <p:cNvCxnSpPr>
-              <a:stCxn id="7" idx="2"/>
-              <a:endCxn id="11" idx="6"/>
-            </p:cNvCxnSpPr>
-            <p:nvPr/>
-          </p:nvCxnSpPr>
-          <p:spPr>
-            <a:xfrm flipH="1">
-              <a:off x="4884438" y="1729119"/>
-              <a:ext cx="652280" cy="0"/>
-            </a:xfrm>
-            <a:prstGeom prst="straightConnector1">
-              <a:avLst/>
-            </a:prstGeom>
-            <a:ln>
-              <a:tailEnd type="none"/>
-            </a:ln>
-            <a:effectLst/>
-          </p:spPr>
-          <p:style>
-            <a:lnRef idx="2">
-              <a:schemeClr val="dk1"/>
-            </a:lnRef>
-            <a:fillRef idx="0">
-              <a:schemeClr val="dk1"/>
-            </a:fillRef>
-            <a:effectRef idx="1">
-              <a:schemeClr val="dk1"/>
-            </a:effectRef>
-            <a:fontRef idx="minor">
-              <a:schemeClr val="tx1"/>
-            </a:fontRef>
-          </p:style>
-        </p:cxnSp>
-        <p:cxnSp>
-          <p:nvCxnSpPr>
-            <p:cNvPr id="21" name="Straight Arrow Connector 20"/>
-            <p:cNvCxnSpPr>
-              <a:stCxn id="12" idx="2"/>
-              <a:endCxn id="13" idx="6"/>
-            </p:cNvCxnSpPr>
-            <p:nvPr/>
-          </p:nvCxnSpPr>
-          <p:spPr>
-            <a:xfrm flipH="1">
-              <a:off x="4884438" y="4104243"/>
-              <a:ext cx="652280" cy="0"/>
-            </a:xfrm>
-            <a:prstGeom prst="straightConnector1">
-              <a:avLst/>
-            </a:prstGeom>
-            <a:ln>
-              <a:tailEnd type="none"/>
-            </a:ln>
-            <a:effectLst/>
-          </p:spPr>
-          <p:style>
-            <a:lnRef idx="2">
-              <a:schemeClr val="dk1"/>
-            </a:lnRef>
-            <a:fillRef idx="0">
-              <a:schemeClr val="dk1"/>
-            </a:fillRef>
-            <a:effectRef idx="1">
-              <a:schemeClr val="dk1"/>
-            </a:effectRef>
-            <a:fontRef idx="minor">
-              <a:schemeClr val="tx1"/>
-            </a:fontRef>
-          </p:style>
-        </p:cxnSp>
-        <p:cxnSp>
-          <p:nvCxnSpPr>
-            <p:cNvPr id="22" name="Straight Arrow Connector 21"/>
-            <p:cNvCxnSpPr>
-              <a:stCxn id="7" idx="4"/>
-              <a:endCxn id="12" idx="0"/>
-            </p:cNvCxnSpPr>
-            <p:nvPr/>
-          </p:nvCxnSpPr>
-          <p:spPr>
-            <a:xfrm>
-              <a:off x="6390621" y="2540965"/>
-              <a:ext cx="0" cy="751431"/>
-            </a:xfrm>
-            <a:prstGeom prst="straightConnector1">
-              <a:avLst/>
-            </a:prstGeom>
-            <a:ln>
-              <a:tailEnd type="none"/>
-            </a:ln>
-            <a:effectLst/>
-          </p:spPr>
-          <p:style>
-            <a:lnRef idx="2">
-              <a:schemeClr val="dk1"/>
-            </a:lnRef>
-            <a:fillRef idx="0">
-              <a:schemeClr val="dk1"/>
-            </a:fillRef>
-            <a:effectRef idx="1">
-              <a:schemeClr val="dk1"/>
-            </a:effectRef>
-            <a:fontRef idx="minor">
-              <a:schemeClr val="tx1"/>
-            </a:fontRef>
-          </p:style>
-        </p:cxnSp>
-      </p:grpSp>
-    </p:spTree>
-    <p:extLst>
-      <p:ext uri="{BB962C8B-B14F-4D97-AF65-F5344CB8AC3E}">
-        <p14:creationId xmlns:p14="http://schemas.microsoft.com/office/powerpoint/2010/main" val="2472005715"/>
-      </p:ext>
-    </p:extLst>
-  </p:cSld>
-  <p:clrMapOvr>
-    <a:masterClrMapping/>
-  </p:clrMapOvr>
-</p:sld>
-</file>
-
-<file path=ppt/slides/slide13.xml><?xml version="1.0" encoding="utf-8"?>
-<p:sld xmlns:a="http://schemas.openxmlformats.org/drawingml/2006/main" xmlns:r="http://schemas.openxmlformats.org/officeDocument/2006/relationships" xmlns:p="http://schemas.openxmlformats.org/presentationml/2006/main">
-  <p:cSld>
-    <p:spTree>
-      <p:nvGrpSpPr>
-        <p:cNvPr id="1" name=""/>
-        <p:cNvGrpSpPr/>
-        <p:nvPr/>
-      </p:nvGrpSpPr>
-      <p:grpSpPr>
-        <a:xfrm>
-          <a:off x="0" y="0"/>
-          <a:ext cx="0" cy="0"/>
-          <a:chOff x="0" y="0"/>
-          <a:chExt cx="0" cy="0"/>
-        </a:xfrm>
-      </p:grpSpPr>
-      <p:grpSp>
-        <p:nvGrpSpPr>
-          <p:cNvPr id="6" name="Group 5"/>
-          <p:cNvGrpSpPr/>
-          <p:nvPr/>
-        </p:nvGrpSpPr>
-        <p:grpSpPr>
-          <a:xfrm>
-            <a:off x="1185604" y="2947252"/>
-            <a:ext cx="4123111" cy="1623693"/>
-            <a:chOff x="1185604" y="2947252"/>
-            <a:chExt cx="4123111" cy="1623693"/>
-          </a:xfrm>
-        </p:grpSpPr>
-        <p:sp>
-          <p:nvSpPr>
-            <p:cNvPr id="7" name="Oval 6"/>
-            <p:cNvSpPr/>
-            <p:nvPr/>
-          </p:nvSpPr>
-          <p:spPr>
-            <a:xfrm>
-              <a:off x="3600910" y="2947252"/>
-              <a:ext cx="1707805" cy="1623693"/>
-            </a:xfrm>
-            <a:prstGeom prst="ellipse">
-              <a:avLst/>
-            </a:prstGeom>
-            <a:noFill/>
-            <a:ln w="19050" cmpd="sng">
-              <a:solidFill>
-                <a:schemeClr val="tx1"/>
-              </a:solidFill>
-            </a:ln>
-            <a:effectLst/>
-          </p:spPr>
-          <p:style>
-            <a:lnRef idx="1">
-              <a:schemeClr val="accent1"/>
-            </a:lnRef>
-            <a:fillRef idx="3">
-              <a:schemeClr val="accent1"/>
-            </a:fillRef>
-            <a:effectRef idx="2">
-              <a:schemeClr val="accent1"/>
-            </a:effectRef>
-            <a:fontRef idx="minor">
-              <a:schemeClr val="lt1"/>
-            </a:fontRef>
-          </p:style>
-          <p:txBody>
-            <a:bodyPr rtlCol="0" anchor="ctr"/>
-            <a:lstStyle/>
-            <a:p>
-              <a:pPr algn="ctr"/>
-              <a:r>
-                <a:rPr lang="en-US" dirty="0" smtClean="0">
-                  <a:solidFill>
-                    <a:schemeClr val="tx1"/>
-                  </a:solidFill>
-                </a:rPr>
-                <a:t>G,E,</a:t>
-              </a:r>
-              <a:r>
-                <a:rPr lang="en-US" dirty="0" smtClean="0">
-                  <a:solidFill>
-                    <a:schemeClr val="tx1"/>
-                  </a:solidFill>
-                </a:rPr>
-                <a:t>D</a:t>
-              </a:r>
-              <a:r>
-                <a:rPr lang="en-US" baseline="-25000" dirty="0" smtClean="0">
-                  <a:solidFill>
-                    <a:schemeClr val="tx1"/>
-                  </a:solidFill>
-                </a:rPr>
-                <a:t>1</a:t>
-              </a:r>
-              <a:r>
-                <a:rPr lang="en-US" dirty="0" smtClean="0">
-                  <a:solidFill>
-                    <a:schemeClr val="tx1"/>
-                  </a:solidFill>
-                </a:rPr>
-                <a:t>,</a:t>
-              </a:r>
-              <a:r>
-                <a:rPr lang="en-US" dirty="0" smtClean="0">
-                  <a:solidFill>
-                    <a:schemeClr val="tx1"/>
-                  </a:solidFill>
-                </a:rPr>
-                <a:t>D</a:t>
-              </a:r>
-              <a:r>
-                <a:rPr lang="en-US" baseline="-25000" dirty="0" smtClean="0">
-                  <a:solidFill>
-                    <a:schemeClr val="tx1"/>
-                  </a:solidFill>
-                </a:rPr>
-                <a:t>2</a:t>
-              </a:r>
-              <a:r>
-                <a:rPr lang="en-US" dirty="0" smtClean="0">
-                  <a:solidFill>
-                    <a:schemeClr val="tx1"/>
-                  </a:solidFill>
-                </a:rPr>
-                <a:t>,</a:t>
-              </a:r>
-              <a:r>
-                <a:rPr lang="en-US" dirty="0" smtClean="0">
-                  <a:solidFill>
-                    <a:schemeClr val="tx1"/>
-                  </a:solidFill>
-                </a:rPr>
-                <a:t>D</a:t>
-              </a:r>
-              <a:r>
-                <a:rPr lang="en-US" baseline="-25000" dirty="0" smtClean="0">
-                  <a:solidFill>
-                    <a:schemeClr val="tx1"/>
-                  </a:solidFill>
-                </a:rPr>
-                <a:t>3</a:t>
-              </a:r>
-              <a:r>
-                <a:rPr lang="en-US" dirty="0" smtClean="0">
-                  <a:solidFill>
-                    <a:schemeClr val="tx1"/>
-                  </a:solidFill>
-                </a:rPr>
-                <a:t>,S</a:t>
-              </a:r>
-              <a:r>
-                <a:rPr lang="en-US" baseline="-25000" dirty="0" smtClean="0">
-                  <a:solidFill>
-                    <a:schemeClr val="tx1"/>
-                  </a:solidFill>
-                </a:rPr>
-                <a:t>1</a:t>
-              </a:r>
-              <a:r>
-                <a:rPr lang="en-US" dirty="0" smtClean="0">
-                  <a:solidFill>
-                    <a:schemeClr val="tx1"/>
-                  </a:solidFill>
-                </a:rPr>
-                <a:t>,S</a:t>
-              </a:r>
-              <a:r>
-                <a:rPr lang="en-US" baseline="-25000" dirty="0" smtClean="0">
-                  <a:solidFill>
-                    <a:schemeClr val="tx1"/>
-                  </a:solidFill>
-                </a:rPr>
-                <a:t>2</a:t>
-              </a:r>
-            </a:p>
-          </p:txBody>
-        </p:sp>
-        <p:sp>
-          <p:nvSpPr>
-            <p:cNvPr id="3" name="Oval 2"/>
-            <p:cNvSpPr/>
-            <p:nvPr/>
-          </p:nvSpPr>
-          <p:spPr>
-            <a:xfrm>
-              <a:off x="1185604" y="2947252"/>
-              <a:ext cx="1707805" cy="1623693"/>
-            </a:xfrm>
-            <a:prstGeom prst="ellipse">
-              <a:avLst/>
-            </a:prstGeom>
-            <a:noFill/>
-            <a:ln w="19050" cmpd="sng">
-              <a:solidFill>
-                <a:schemeClr val="tx1"/>
-              </a:solidFill>
-            </a:ln>
-            <a:effectLst/>
-          </p:spPr>
-          <p:style>
-            <a:lnRef idx="1">
-              <a:schemeClr val="accent1"/>
-            </a:lnRef>
-            <a:fillRef idx="3">
-              <a:schemeClr val="accent1"/>
-            </a:fillRef>
-            <a:effectRef idx="2">
-              <a:schemeClr val="accent1"/>
-            </a:effectRef>
-            <a:fontRef idx="minor">
-              <a:schemeClr val="lt1"/>
-            </a:fontRef>
-          </p:style>
-          <p:txBody>
-            <a:bodyPr rtlCol="0" anchor="ctr"/>
-            <a:lstStyle/>
-            <a:p>
-              <a:pPr algn="ctr"/>
-              <a:r>
-                <a:rPr lang="en-US" dirty="0" smtClean="0">
-                  <a:solidFill>
-                    <a:schemeClr val="tx1"/>
-                  </a:solidFill>
-                </a:rPr>
-                <a:t>G,E,H,</a:t>
-              </a:r>
-            </a:p>
-            <a:p>
-              <a:pPr algn="ctr"/>
-              <a:r>
-                <a:rPr lang="en-US" dirty="0" smtClean="0">
-                  <a:solidFill>
-                    <a:schemeClr val="tx1"/>
-                  </a:solidFill>
-                </a:rPr>
-                <a:t>D</a:t>
-              </a:r>
-              <a:r>
-                <a:rPr lang="en-US" baseline="-25000" dirty="0" smtClean="0">
-                  <a:solidFill>
-                    <a:schemeClr val="tx1"/>
-                  </a:solidFill>
-                </a:rPr>
-                <a:t>1</a:t>
-              </a:r>
-              <a:r>
-                <a:rPr lang="en-US" dirty="0" smtClean="0">
-                  <a:solidFill>
-                    <a:schemeClr val="tx1"/>
-                  </a:solidFill>
-                </a:rPr>
-                <a:t>,</a:t>
-              </a:r>
-              <a:r>
-                <a:rPr lang="en-US" dirty="0">
-                  <a:solidFill>
-                    <a:schemeClr val="tx1"/>
-                  </a:solidFill>
-                </a:rPr>
-                <a:t>D</a:t>
-              </a:r>
-              <a:r>
-                <a:rPr lang="en-US" baseline="-25000" dirty="0" smtClean="0">
-                  <a:solidFill>
-                    <a:schemeClr val="tx1"/>
-                  </a:solidFill>
-                </a:rPr>
-                <a:t>2</a:t>
-              </a:r>
-              <a:r>
-                <a:rPr lang="en-US" dirty="0" smtClean="0">
-                  <a:solidFill>
-                    <a:schemeClr val="tx1"/>
-                  </a:solidFill>
-                </a:rPr>
-                <a:t>,</a:t>
-              </a:r>
-              <a:r>
-                <a:rPr lang="en-US" dirty="0" smtClean="0">
-                  <a:solidFill>
-                    <a:schemeClr val="tx1"/>
-                  </a:solidFill>
-                </a:rPr>
-                <a:t>D</a:t>
-              </a:r>
-              <a:r>
-                <a:rPr lang="en-US" baseline="-25000" dirty="0" smtClean="0">
-                  <a:solidFill>
-                    <a:schemeClr val="tx1"/>
-                  </a:solidFill>
-                </a:rPr>
-                <a:t>3</a:t>
-              </a:r>
-            </a:p>
-          </p:txBody>
-        </p:sp>
-        <p:cxnSp>
-          <p:nvCxnSpPr>
-            <p:cNvPr id="4" name="Straight Arrow Connector 3"/>
-            <p:cNvCxnSpPr>
-              <a:stCxn id="7" idx="2"/>
-              <a:endCxn id="3" idx="6"/>
-            </p:cNvCxnSpPr>
-            <p:nvPr/>
-          </p:nvCxnSpPr>
-          <p:spPr>
-            <a:xfrm flipH="1">
-              <a:off x="2893409" y="3759099"/>
-              <a:ext cx="707501" cy="0"/>
-            </a:xfrm>
-            <a:prstGeom prst="straightConnector1">
-              <a:avLst/>
-            </a:prstGeom>
-            <a:ln>
-              <a:tailEnd type="none"/>
-            </a:ln>
-            <a:effectLst/>
-          </p:spPr>
-          <p:style>
-            <a:lnRef idx="2">
-              <a:schemeClr val="dk1"/>
-            </a:lnRef>
-            <a:fillRef idx="0">
-              <a:schemeClr val="dk1"/>
-            </a:fillRef>
-            <a:effectRef idx="1">
-              <a:schemeClr val="dk1"/>
-            </a:effectRef>
-            <a:fontRef idx="minor">
-              <a:schemeClr val="tx1"/>
-            </a:fontRef>
-          </p:style>
-        </p:cxnSp>
-      </p:grpSp>
-    </p:spTree>
-    <p:extLst>
-      <p:ext uri="{BB962C8B-B14F-4D97-AF65-F5344CB8AC3E}">
-        <p14:creationId xmlns:p14="http://schemas.microsoft.com/office/powerpoint/2010/main" val="512546986"/>
-      </p:ext>
-    </p:extLst>
-  </p:cSld>
-  <p:clrMapOvr>
-    <a:masterClrMapping/>
-  </p:clrMapOvr>
-</p:sld>
-</file>
-
-<file path=ppt/slides/slide14.xml><?xml version="1.0" encoding="utf-8"?>
-<p:sld xmlns:a="http://schemas.openxmlformats.org/drawingml/2006/main" xmlns:r="http://schemas.openxmlformats.org/officeDocument/2006/relationships" xmlns:p="http://schemas.openxmlformats.org/presentationml/2006/main">
-  <p:cSld>
-    <p:spTree>
-      <p:nvGrpSpPr>
-        <p:cNvPr id="1" name=""/>
-        <p:cNvGrpSpPr/>
-        <p:nvPr/>
-      </p:nvGrpSpPr>
-      <p:grpSpPr>
-        <a:xfrm>
-          <a:off x="0" y="0"/>
-          <a:ext cx="0" cy="0"/>
-          <a:chOff x="0" y="0"/>
-          <a:chExt cx="0" cy="0"/>
-        </a:xfrm>
-      </p:grpSpPr>
-      <p:grpSp>
-        <p:nvGrpSpPr>
           <p:cNvPr id="58" name="Group 57"/>
           <p:cNvGrpSpPr/>
           <p:nvPr/>
@@ -7244,7 +4516,7 @@
 </p:sld>
 </file>
 
-<file path=ppt/slides/slide15.xml><?xml version="1.0" encoding="utf-8"?>
+<file path=ppt/slides/slide2.xml><?xml version="1.0" encoding="utf-8"?>
 <p:sld xmlns:a="http://schemas.openxmlformats.org/drawingml/2006/main" xmlns:r="http://schemas.openxmlformats.org/officeDocument/2006/relationships" xmlns:p="http://schemas.openxmlformats.org/presentationml/2006/main">
   <p:cSld>
     <p:spTree>
@@ -8679,7 +5951,7 @@
 </p:sld>
 </file>
 
-<file path=ppt/slides/slide2.xml><?xml version="1.0" encoding="utf-8"?>
+<file path=ppt/slides/slide3.xml><?xml version="1.0" encoding="utf-8"?>
 <p:sld xmlns:a="http://schemas.openxmlformats.org/drawingml/2006/main" xmlns:r="http://schemas.openxmlformats.org/officeDocument/2006/relationships" xmlns:p="http://schemas.openxmlformats.org/presentationml/2006/main">
   <p:cSld>
     <p:spTree>
@@ -8698,28 +5970,28 @@
       </p:grpSpPr>
       <p:grpSp>
         <p:nvGrpSpPr>
-          <p:cNvPr id="2" name="Group 1"/>
+          <p:cNvPr id="21" name="Group 20"/>
           <p:cNvGrpSpPr/>
           <p:nvPr/>
         </p:nvGrpSpPr>
         <p:grpSpPr>
           <a:xfrm>
-            <a:off x="2374437" y="1270668"/>
-            <a:ext cx="4321471" cy="4501200"/>
-            <a:chOff x="2374437" y="1270668"/>
-            <a:chExt cx="4321471" cy="4501200"/>
+            <a:off x="1007744" y="1753532"/>
+            <a:ext cx="5811854" cy="1974420"/>
+            <a:chOff x="1007744" y="1753532"/>
+            <a:chExt cx="5811854" cy="1974420"/>
           </a:xfrm>
         </p:grpSpPr>
         <p:sp>
           <p:nvSpPr>
-            <p:cNvPr id="4" name="Oval 3"/>
+            <p:cNvPr id="3" name="Oval 2"/>
             <p:cNvSpPr/>
             <p:nvPr/>
           </p:nvSpPr>
           <p:spPr>
             <a:xfrm>
-              <a:off x="2374437" y="1270668"/>
-              <a:ext cx="1007755" cy="911179"/>
+              <a:off x="1058554" y="1808958"/>
+              <a:ext cx="579805" cy="606912"/>
             </a:xfrm>
             <a:prstGeom prst="ellipse">
               <a:avLst/>
@@ -8757,178 +6029,7 @@
                     <a:schemeClr val="tx1"/>
                   </a:solidFill>
                 </a:rPr>
-                <a:t>G</a:t>
-              </a:r>
-              <a:endParaRPr lang="en-US" dirty="0">
-                <a:solidFill>
-                  <a:schemeClr val="tx1"/>
-                </a:solidFill>
-              </a:endParaRPr>
-            </a:p>
-          </p:txBody>
-        </p:sp>
-        <p:sp>
-          <p:nvSpPr>
-            <p:cNvPr id="6" name="Oval 5"/>
-            <p:cNvSpPr/>
-            <p:nvPr/>
-          </p:nvSpPr>
-          <p:spPr>
-            <a:xfrm>
-              <a:off x="5688153" y="1270668"/>
-              <a:ext cx="1007755" cy="911179"/>
-            </a:xfrm>
-            <a:prstGeom prst="ellipse">
-              <a:avLst/>
-            </a:prstGeom>
-            <a:noFill/>
-            <a:ln w="19050" cmpd="sng">
-              <a:solidFill>
-                <a:schemeClr val="tx1"/>
-              </a:solidFill>
-            </a:ln>
-            <a:effectLst/>
-          </p:spPr>
-          <p:style>
-            <a:lnRef idx="1">
-              <a:schemeClr val="accent1"/>
-            </a:lnRef>
-            <a:fillRef idx="3">
-              <a:schemeClr val="accent1"/>
-            </a:fillRef>
-            <a:effectRef idx="2">
-              <a:schemeClr val="accent1"/>
-            </a:effectRef>
-            <a:fontRef idx="minor">
-              <a:schemeClr val="lt1"/>
-            </a:fontRef>
-          </p:style>
-          <p:txBody>
-            <a:bodyPr rtlCol="0" anchor="ctr"/>
-            <a:lstStyle/>
-            <a:p>
-              <a:pPr algn="ctr"/>
-              <a:r>
-                <a:rPr lang="en-US" dirty="0" smtClean="0">
-                  <a:solidFill>
-                    <a:schemeClr val="tx1"/>
-                  </a:solidFill>
-                </a:rPr>
-                <a:t>E</a:t>
-              </a:r>
-              <a:endParaRPr lang="en-US" dirty="0">
-                <a:solidFill>
-                  <a:schemeClr val="tx1"/>
-                </a:solidFill>
-              </a:endParaRPr>
-            </a:p>
-          </p:txBody>
-        </p:sp>
-        <p:sp>
-          <p:nvSpPr>
-            <p:cNvPr id="7" name="Oval 6"/>
-            <p:cNvSpPr/>
-            <p:nvPr/>
-          </p:nvSpPr>
-          <p:spPr>
-            <a:xfrm>
-              <a:off x="4031295" y="2181847"/>
-              <a:ext cx="1007755" cy="911179"/>
-            </a:xfrm>
-            <a:prstGeom prst="ellipse">
-              <a:avLst/>
-            </a:prstGeom>
-            <a:noFill/>
-            <a:ln w="19050" cmpd="sng">
-              <a:solidFill>
-                <a:schemeClr val="tx1"/>
-              </a:solidFill>
-            </a:ln>
-            <a:effectLst/>
-          </p:spPr>
-          <p:style>
-            <a:lnRef idx="1">
-              <a:schemeClr val="accent1"/>
-            </a:lnRef>
-            <a:fillRef idx="3">
-              <a:schemeClr val="accent1"/>
-            </a:fillRef>
-            <a:effectRef idx="2">
-              <a:schemeClr val="accent1"/>
-            </a:effectRef>
-            <a:fontRef idx="minor">
-              <a:schemeClr val="lt1"/>
-            </a:fontRef>
-          </p:style>
-          <p:txBody>
-            <a:bodyPr rtlCol="0" anchor="ctr"/>
-            <a:lstStyle/>
-            <a:p>
-              <a:pPr algn="ctr"/>
-              <a:r>
-                <a:rPr lang="en-US" dirty="0" smtClean="0">
-                  <a:solidFill>
-                    <a:schemeClr val="tx1"/>
-                  </a:solidFill>
-                </a:rPr>
-                <a:t>H</a:t>
-              </a:r>
-              <a:endParaRPr lang="en-US" dirty="0">
-                <a:solidFill>
-                  <a:schemeClr val="tx1"/>
-                </a:solidFill>
-              </a:endParaRPr>
-            </a:p>
-          </p:txBody>
-        </p:sp>
-        <p:sp>
-          <p:nvSpPr>
-            <p:cNvPr id="8" name="Oval 7"/>
-            <p:cNvSpPr/>
-            <p:nvPr/>
-          </p:nvSpPr>
-          <p:spPr>
-            <a:xfrm>
-              <a:off x="2374437" y="3520999"/>
-              <a:ext cx="1007755" cy="911179"/>
-            </a:xfrm>
-            <a:prstGeom prst="ellipse">
-              <a:avLst/>
-            </a:prstGeom>
-            <a:noFill/>
-            <a:ln w="19050" cmpd="sng">
-              <a:solidFill>
-                <a:schemeClr val="tx1"/>
-              </a:solidFill>
-            </a:ln>
-            <a:effectLst/>
-          </p:spPr>
-          <p:style>
-            <a:lnRef idx="1">
-              <a:schemeClr val="accent1"/>
-            </a:lnRef>
-            <a:fillRef idx="3">
-              <a:schemeClr val="accent1"/>
-            </a:fillRef>
-            <a:effectRef idx="2">
-              <a:schemeClr val="accent1"/>
-            </a:effectRef>
-            <a:fontRef idx="minor">
-              <a:schemeClr val="lt1"/>
-            </a:fontRef>
-          </p:style>
-          <p:txBody>
-            <a:bodyPr rtlCol="0" anchor="ctr"/>
-            <a:lstStyle/>
-            <a:p>
-              <a:pPr algn="ctr"/>
-              <a:r>
-                <a:rPr lang="en-US" dirty="0" smtClean="0">
-                  <a:solidFill>
-                    <a:schemeClr val="tx1"/>
-                  </a:solidFill>
-                </a:rPr>
-                <a:t>D</a:t>
+                <a:t>Y</a:t>
               </a:r>
               <a:r>
                 <a:rPr lang="en-US" baseline="-25000" dirty="0" smtClean="0">
@@ -8948,14 +6049,14 @@
         </p:sp>
         <p:sp>
           <p:nvSpPr>
-            <p:cNvPr id="9" name="Oval 8"/>
+            <p:cNvPr id="4" name="Oval 3"/>
             <p:cNvSpPr/>
             <p:nvPr/>
           </p:nvSpPr>
           <p:spPr>
             <a:xfrm>
-              <a:off x="4031295" y="3520999"/>
-              <a:ext cx="1007755" cy="911179"/>
+              <a:off x="2706299" y="1808958"/>
+              <a:ext cx="579805" cy="606912"/>
             </a:xfrm>
             <a:prstGeom prst="ellipse">
               <a:avLst/>
@@ -8993,7 +6094,7 @@
                     <a:schemeClr val="tx1"/>
                   </a:solidFill>
                 </a:rPr>
-                <a:t>D</a:t>
+                <a:t>Y</a:t>
               </a:r>
               <a:r>
                 <a:rPr lang="en-US" baseline="-25000" dirty="0" smtClean="0">
@@ -9013,14 +6114,14 @@
         </p:sp>
         <p:sp>
           <p:nvSpPr>
-            <p:cNvPr id="10" name="Oval 9"/>
+            <p:cNvPr id="5" name="Oval 4"/>
             <p:cNvSpPr/>
             <p:nvPr/>
           </p:nvSpPr>
           <p:spPr>
             <a:xfrm>
-              <a:off x="5688153" y="3520999"/>
-              <a:ext cx="1007755" cy="911179"/>
+              <a:off x="4492077" y="1753532"/>
+              <a:ext cx="728890" cy="717764"/>
             </a:xfrm>
             <a:prstGeom prst="ellipse">
               <a:avLst/>
@@ -9058,7 +6159,7 @@
                     <a:schemeClr val="tx1"/>
                   </a:solidFill>
                 </a:rPr>
-                <a:t>D</a:t>
+                <a:t>Y</a:t>
               </a:r>
               <a:r>
                 <a:rPr lang="en-US" baseline="-25000" dirty="0" smtClean="0">
@@ -9066,715 +6167,7 @@
                     <a:schemeClr val="tx1"/>
                   </a:solidFill>
                 </a:rPr>
-                <a:t>3</a:t>
-              </a:r>
-              <a:endParaRPr lang="en-US" baseline="-25000" dirty="0">
-                <a:solidFill>
-                  <a:schemeClr val="tx1"/>
-                </a:solidFill>
-              </a:endParaRPr>
-            </a:p>
-          </p:txBody>
-        </p:sp>
-        <p:sp>
-          <p:nvSpPr>
-            <p:cNvPr id="12" name="Oval 11"/>
-            <p:cNvSpPr/>
-            <p:nvPr/>
-          </p:nvSpPr>
-          <p:spPr>
-            <a:xfrm>
-              <a:off x="3023540" y="4860689"/>
-              <a:ext cx="1007755" cy="911179"/>
-            </a:xfrm>
-            <a:prstGeom prst="ellipse">
-              <a:avLst/>
-            </a:prstGeom>
-            <a:noFill/>
-            <a:ln w="19050" cmpd="sng">
-              <a:solidFill>
-                <a:schemeClr val="tx1"/>
-              </a:solidFill>
-            </a:ln>
-            <a:effectLst/>
-          </p:spPr>
-          <p:style>
-            <a:lnRef idx="1">
-              <a:schemeClr val="accent1"/>
-            </a:lnRef>
-            <a:fillRef idx="3">
-              <a:schemeClr val="accent1"/>
-            </a:fillRef>
-            <a:effectRef idx="2">
-              <a:schemeClr val="accent1"/>
-            </a:effectRef>
-            <a:fontRef idx="minor">
-              <a:schemeClr val="lt1"/>
-            </a:fontRef>
-          </p:style>
-          <p:txBody>
-            <a:bodyPr rtlCol="0" anchor="ctr"/>
-            <a:lstStyle/>
-            <a:p>
-              <a:pPr algn="ctr"/>
-              <a:r>
-                <a:rPr lang="en-US" dirty="0" smtClean="0">
-                  <a:solidFill>
-                    <a:schemeClr val="tx1"/>
-                  </a:solidFill>
-                </a:rPr>
-                <a:t>S</a:t>
-              </a:r>
-              <a:r>
-                <a:rPr lang="en-US" baseline="-25000" dirty="0" smtClean="0">
-                  <a:solidFill>
-                    <a:schemeClr val="tx1"/>
-                  </a:solidFill>
-                </a:rPr>
-                <a:t>1</a:t>
-              </a:r>
-              <a:endParaRPr lang="en-US" baseline="-25000" dirty="0">
-                <a:solidFill>
-                  <a:schemeClr val="tx1"/>
-                </a:solidFill>
-              </a:endParaRPr>
-            </a:p>
-          </p:txBody>
-        </p:sp>
-        <p:cxnSp>
-          <p:nvCxnSpPr>
-            <p:cNvPr id="14" name="Straight Arrow Connector 13"/>
-            <p:cNvCxnSpPr>
-              <a:stCxn id="4" idx="5"/>
-              <a:endCxn id="7" idx="1"/>
-            </p:cNvCxnSpPr>
-            <p:nvPr/>
-          </p:nvCxnSpPr>
-          <p:spPr>
-            <a:xfrm>
-              <a:off x="3234610" y="2048408"/>
-              <a:ext cx="944267" cy="266878"/>
-            </a:xfrm>
-            <a:prstGeom prst="straightConnector1">
-              <a:avLst/>
-            </a:prstGeom>
-            <a:ln>
-              <a:tailEnd type="none"/>
-            </a:ln>
-            <a:effectLst/>
-          </p:spPr>
-          <p:style>
-            <a:lnRef idx="2">
-              <a:schemeClr val="dk1"/>
-            </a:lnRef>
-            <a:fillRef idx="0">
-              <a:schemeClr val="dk1"/>
-            </a:fillRef>
-            <a:effectRef idx="1">
-              <a:schemeClr val="dk1"/>
-            </a:effectRef>
-            <a:fontRef idx="minor">
-              <a:schemeClr val="tx1"/>
-            </a:fontRef>
-          </p:style>
-        </p:cxnSp>
-        <p:cxnSp>
-          <p:nvCxnSpPr>
-            <p:cNvPr id="15" name="Straight Arrow Connector 14"/>
-            <p:cNvCxnSpPr>
-              <a:stCxn id="6" idx="3"/>
-              <a:endCxn id="7" idx="7"/>
-            </p:cNvCxnSpPr>
-            <p:nvPr/>
-          </p:nvCxnSpPr>
-          <p:spPr>
-            <a:xfrm flipH="1">
-              <a:off x="4891468" y="2048408"/>
-              <a:ext cx="944267" cy="266878"/>
-            </a:xfrm>
-            <a:prstGeom prst="straightConnector1">
-              <a:avLst/>
-            </a:prstGeom>
-            <a:ln>
-              <a:tailEnd type="none"/>
-            </a:ln>
-            <a:effectLst/>
-          </p:spPr>
-          <p:style>
-            <a:lnRef idx="2">
-              <a:schemeClr val="dk1"/>
-            </a:lnRef>
-            <a:fillRef idx="0">
-              <a:schemeClr val="dk1"/>
-            </a:fillRef>
-            <a:effectRef idx="1">
-              <a:schemeClr val="dk1"/>
-            </a:effectRef>
-            <a:fontRef idx="minor">
-              <a:schemeClr val="tx1"/>
-            </a:fontRef>
-          </p:style>
-        </p:cxnSp>
-        <p:cxnSp>
-          <p:nvCxnSpPr>
-            <p:cNvPr id="18" name="Straight Arrow Connector 17"/>
-            <p:cNvCxnSpPr>
-              <a:stCxn id="7" idx="3"/>
-              <a:endCxn id="8" idx="7"/>
-            </p:cNvCxnSpPr>
-            <p:nvPr/>
-          </p:nvCxnSpPr>
-          <p:spPr>
-            <a:xfrm flipH="1">
-              <a:off x="3234610" y="2959587"/>
-              <a:ext cx="944267" cy="694851"/>
-            </a:xfrm>
-            <a:prstGeom prst="straightConnector1">
-              <a:avLst/>
-            </a:prstGeom>
-            <a:ln>
-              <a:tailEnd type="none"/>
-            </a:ln>
-            <a:effectLst/>
-          </p:spPr>
-          <p:style>
-            <a:lnRef idx="2">
-              <a:schemeClr val="dk1"/>
-            </a:lnRef>
-            <a:fillRef idx="0">
-              <a:schemeClr val="dk1"/>
-            </a:fillRef>
-            <a:effectRef idx="1">
-              <a:schemeClr val="dk1"/>
-            </a:effectRef>
-            <a:fontRef idx="minor">
-              <a:schemeClr val="tx1"/>
-            </a:fontRef>
-          </p:style>
-        </p:cxnSp>
-        <p:cxnSp>
-          <p:nvCxnSpPr>
-            <p:cNvPr id="21" name="Straight Arrow Connector 20"/>
-            <p:cNvCxnSpPr>
-              <a:stCxn id="7" idx="5"/>
-              <a:endCxn id="10" idx="1"/>
-            </p:cNvCxnSpPr>
-            <p:nvPr/>
-          </p:nvCxnSpPr>
-          <p:spPr>
-            <a:xfrm>
-              <a:off x="4891468" y="2959587"/>
-              <a:ext cx="944267" cy="694851"/>
-            </a:xfrm>
-            <a:prstGeom prst="straightConnector1">
-              <a:avLst/>
-            </a:prstGeom>
-            <a:ln>
-              <a:tailEnd type="none"/>
-            </a:ln>
-            <a:effectLst/>
-          </p:spPr>
-          <p:style>
-            <a:lnRef idx="2">
-              <a:schemeClr val="dk1"/>
-            </a:lnRef>
-            <a:fillRef idx="0">
-              <a:schemeClr val="dk1"/>
-            </a:fillRef>
-            <a:effectRef idx="1">
-              <a:schemeClr val="dk1"/>
-            </a:effectRef>
-            <a:fontRef idx="minor">
-              <a:schemeClr val="tx1"/>
-            </a:fontRef>
-          </p:style>
-        </p:cxnSp>
-        <p:cxnSp>
-          <p:nvCxnSpPr>
-            <p:cNvPr id="25" name="Straight Arrow Connector 24"/>
-            <p:cNvCxnSpPr>
-              <a:stCxn id="7" idx="4"/>
-              <a:endCxn id="9" idx="0"/>
-            </p:cNvCxnSpPr>
-            <p:nvPr/>
-          </p:nvCxnSpPr>
-          <p:spPr>
-            <a:xfrm>
-              <a:off x="4535173" y="3093026"/>
-              <a:ext cx="0" cy="427973"/>
-            </a:xfrm>
-            <a:prstGeom prst="straightConnector1">
-              <a:avLst/>
-            </a:prstGeom>
-            <a:ln>
-              <a:tailEnd type="none"/>
-            </a:ln>
-            <a:effectLst/>
-          </p:spPr>
-          <p:style>
-            <a:lnRef idx="2">
-              <a:schemeClr val="dk1"/>
-            </a:lnRef>
-            <a:fillRef idx="0">
-              <a:schemeClr val="dk1"/>
-            </a:fillRef>
-            <a:effectRef idx="1">
-              <a:schemeClr val="dk1"/>
-            </a:effectRef>
-            <a:fontRef idx="minor">
-              <a:schemeClr val="tx1"/>
-            </a:fontRef>
-          </p:style>
-        </p:cxnSp>
-        <p:cxnSp>
-          <p:nvCxnSpPr>
-            <p:cNvPr id="28" name="Straight Arrow Connector 27"/>
-            <p:cNvCxnSpPr>
-              <a:stCxn id="9" idx="3"/>
-              <a:endCxn id="12" idx="7"/>
-            </p:cNvCxnSpPr>
-            <p:nvPr/>
-          </p:nvCxnSpPr>
-          <p:spPr>
-            <a:xfrm flipH="1">
-              <a:off x="3883713" y="4298739"/>
-              <a:ext cx="295164" cy="695389"/>
-            </a:xfrm>
-            <a:prstGeom prst="straightConnector1">
-              <a:avLst/>
-            </a:prstGeom>
-            <a:ln>
-              <a:tailEnd type="none"/>
-            </a:ln>
-            <a:effectLst/>
-          </p:spPr>
-          <p:style>
-            <a:lnRef idx="2">
-              <a:schemeClr val="dk1"/>
-            </a:lnRef>
-            <a:fillRef idx="0">
-              <a:schemeClr val="dk1"/>
-            </a:fillRef>
-            <a:effectRef idx="1">
-              <a:schemeClr val="dk1"/>
-            </a:effectRef>
-            <a:fontRef idx="minor">
-              <a:schemeClr val="tx1"/>
-            </a:fontRef>
-          </p:style>
-        </p:cxnSp>
-        <p:cxnSp>
-          <p:nvCxnSpPr>
-            <p:cNvPr id="38" name="Straight Arrow Connector 37"/>
-            <p:cNvCxnSpPr>
-              <a:stCxn id="8" idx="4"/>
-              <a:endCxn id="12" idx="1"/>
-            </p:cNvCxnSpPr>
-            <p:nvPr/>
-          </p:nvCxnSpPr>
-          <p:spPr>
-            <a:xfrm>
-              <a:off x="2878315" y="4432178"/>
-              <a:ext cx="292807" cy="561950"/>
-            </a:xfrm>
-            <a:prstGeom prst="straightConnector1">
-              <a:avLst/>
-            </a:prstGeom>
-            <a:ln>
-              <a:tailEnd type="none"/>
-            </a:ln>
-            <a:effectLst/>
-          </p:spPr>
-          <p:style>
-            <a:lnRef idx="2">
-              <a:schemeClr val="dk1"/>
-            </a:lnRef>
-            <a:fillRef idx="0">
-              <a:schemeClr val="dk1"/>
-            </a:fillRef>
-            <a:effectRef idx="1">
-              <a:schemeClr val="dk1"/>
-            </a:effectRef>
-            <a:fontRef idx="minor">
-              <a:schemeClr val="tx1"/>
-            </a:fontRef>
-          </p:style>
-        </p:cxnSp>
-        <p:cxnSp>
-          <p:nvCxnSpPr>
-            <p:cNvPr id="42" name="Straight Arrow Connector 41"/>
-            <p:cNvCxnSpPr>
-              <a:stCxn id="9" idx="6"/>
-              <a:endCxn id="10" idx="2"/>
-            </p:cNvCxnSpPr>
-            <p:nvPr/>
-          </p:nvCxnSpPr>
-          <p:spPr>
-            <a:xfrm>
-              <a:off x="5039050" y="3976589"/>
-              <a:ext cx="649103" cy="0"/>
-            </a:xfrm>
-            <a:prstGeom prst="straightConnector1">
-              <a:avLst/>
-            </a:prstGeom>
-            <a:ln>
-              <a:tailEnd type="none"/>
-            </a:ln>
-            <a:effectLst/>
-          </p:spPr>
-          <p:style>
-            <a:lnRef idx="2">
-              <a:schemeClr val="dk1"/>
-            </a:lnRef>
-            <a:fillRef idx="0">
-              <a:schemeClr val="dk1"/>
-            </a:fillRef>
-            <a:effectRef idx="1">
-              <a:schemeClr val="dk1"/>
-            </a:effectRef>
-            <a:fontRef idx="minor">
-              <a:schemeClr val="tx1"/>
-            </a:fontRef>
-          </p:style>
-        </p:cxnSp>
-        <p:cxnSp>
-          <p:nvCxnSpPr>
-            <p:cNvPr id="45" name="Straight Arrow Connector 44"/>
-            <p:cNvCxnSpPr>
-              <a:stCxn id="8" idx="6"/>
-              <a:endCxn id="9" idx="2"/>
-            </p:cNvCxnSpPr>
-            <p:nvPr/>
-          </p:nvCxnSpPr>
-          <p:spPr>
-            <a:xfrm>
-              <a:off x="3382192" y="3976589"/>
-              <a:ext cx="649103" cy="0"/>
-            </a:xfrm>
-            <a:prstGeom prst="straightConnector1">
-              <a:avLst/>
-            </a:prstGeom>
-            <a:ln>
-              <a:tailEnd type="none"/>
-            </a:ln>
-            <a:effectLst/>
-          </p:spPr>
-          <p:style>
-            <a:lnRef idx="2">
-              <a:schemeClr val="dk1"/>
-            </a:lnRef>
-            <a:fillRef idx="0">
-              <a:schemeClr val="dk1"/>
-            </a:fillRef>
-            <a:effectRef idx="1">
-              <a:schemeClr val="dk1"/>
-            </a:effectRef>
-            <a:fontRef idx="minor">
-              <a:schemeClr val="tx1"/>
-            </a:fontRef>
-          </p:style>
-        </p:cxnSp>
-        <p:cxnSp>
-          <p:nvCxnSpPr>
-            <p:cNvPr id="48" name="Straight Arrow Connector 47"/>
-            <p:cNvCxnSpPr>
-              <a:stCxn id="4" idx="6"/>
-              <a:endCxn id="6" idx="2"/>
-            </p:cNvCxnSpPr>
-            <p:nvPr/>
-          </p:nvCxnSpPr>
-          <p:spPr>
-            <a:xfrm>
-              <a:off x="3382192" y="1726258"/>
-              <a:ext cx="2305961" cy="0"/>
-            </a:xfrm>
-            <a:prstGeom prst="straightConnector1">
-              <a:avLst/>
-            </a:prstGeom>
-            <a:ln>
-              <a:tailEnd type="none"/>
-            </a:ln>
-            <a:effectLst/>
-          </p:spPr>
-          <p:style>
-            <a:lnRef idx="2">
-              <a:schemeClr val="dk1"/>
-            </a:lnRef>
-            <a:fillRef idx="0">
-              <a:schemeClr val="dk1"/>
-            </a:fillRef>
-            <a:effectRef idx="1">
-              <a:schemeClr val="dk1"/>
-            </a:effectRef>
-            <a:fontRef idx="minor">
-              <a:schemeClr val="tx1"/>
-            </a:fontRef>
-          </p:style>
-        </p:cxnSp>
-      </p:grpSp>
-    </p:spTree>
-    <p:extLst>
-      <p:ext uri="{BB962C8B-B14F-4D97-AF65-F5344CB8AC3E}">
-        <p14:creationId xmlns:p14="http://schemas.microsoft.com/office/powerpoint/2010/main" val="2535356288"/>
-      </p:ext>
-    </p:extLst>
-  </p:cSld>
-  <p:clrMapOvr>
-    <a:masterClrMapping/>
-  </p:clrMapOvr>
-</p:sld>
-</file>
-
-<file path=ppt/slides/slide3.xml><?xml version="1.0" encoding="utf-8"?>
-<p:sld xmlns:a="http://schemas.openxmlformats.org/drawingml/2006/main" xmlns:r="http://schemas.openxmlformats.org/officeDocument/2006/relationships" xmlns:p="http://schemas.openxmlformats.org/presentationml/2006/main">
-  <p:cSld>
-    <p:spTree>
-      <p:nvGrpSpPr>
-        <p:cNvPr id="1" name=""/>
-        <p:cNvGrpSpPr/>
-        <p:nvPr/>
-      </p:nvGrpSpPr>
-      <p:grpSpPr>
-        <a:xfrm>
-          <a:off x="0" y="0"/>
-          <a:ext cx="0" cy="0"/>
-          <a:chOff x="0" y="0"/>
-          <a:chExt cx="0" cy="0"/>
-        </a:xfrm>
-      </p:grpSpPr>
-      <p:grpSp>
-        <p:nvGrpSpPr>
-          <p:cNvPr id="2" name="Group 1"/>
-          <p:cNvGrpSpPr/>
-          <p:nvPr/>
-        </p:nvGrpSpPr>
-        <p:grpSpPr>
-          <a:xfrm>
-            <a:off x="2374437" y="1270668"/>
-            <a:ext cx="4321471" cy="4501200"/>
-            <a:chOff x="2374437" y="1270668"/>
-            <a:chExt cx="4321471" cy="4501200"/>
-          </a:xfrm>
-        </p:grpSpPr>
-        <p:sp>
-          <p:nvSpPr>
-            <p:cNvPr id="4" name="Oval 3"/>
-            <p:cNvSpPr/>
-            <p:nvPr/>
-          </p:nvSpPr>
-          <p:spPr>
-            <a:xfrm>
-              <a:off x="2374437" y="1270668"/>
-              <a:ext cx="1007755" cy="911179"/>
-            </a:xfrm>
-            <a:prstGeom prst="ellipse">
-              <a:avLst/>
-            </a:prstGeom>
-            <a:noFill/>
-            <a:ln w="19050" cmpd="sng">
-              <a:solidFill>
-                <a:schemeClr val="tx1"/>
-              </a:solidFill>
-            </a:ln>
-            <a:effectLst/>
-          </p:spPr>
-          <p:style>
-            <a:lnRef idx="1">
-              <a:schemeClr val="accent1"/>
-            </a:lnRef>
-            <a:fillRef idx="3">
-              <a:schemeClr val="accent1"/>
-            </a:fillRef>
-            <a:effectRef idx="2">
-              <a:schemeClr val="accent1"/>
-            </a:effectRef>
-            <a:fontRef idx="minor">
-              <a:schemeClr val="lt1"/>
-            </a:fontRef>
-          </p:style>
-          <p:txBody>
-            <a:bodyPr rtlCol="0" anchor="ctr"/>
-            <a:lstStyle/>
-            <a:p>
-              <a:pPr algn="ctr"/>
-              <a:r>
-                <a:rPr lang="en-US" dirty="0" smtClean="0">
-                  <a:solidFill>
-                    <a:schemeClr val="tx1"/>
-                  </a:solidFill>
-                </a:rPr>
-                <a:t>G</a:t>
-              </a:r>
-              <a:endParaRPr lang="en-US" dirty="0">
-                <a:solidFill>
-                  <a:schemeClr val="tx1"/>
-                </a:solidFill>
-              </a:endParaRPr>
-            </a:p>
-          </p:txBody>
-        </p:sp>
-        <p:sp>
-          <p:nvSpPr>
-            <p:cNvPr id="6" name="Oval 5"/>
-            <p:cNvSpPr/>
-            <p:nvPr/>
-          </p:nvSpPr>
-          <p:spPr>
-            <a:xfrm>
-              <a:off x="5688153" y="1270668"/>
-              <a:ext cx="1007755" cy="911179"/>
-            </a:xfrm>
-            <a:prstGeom prst="ellipse">
-              <a:avLst/>
-            </a:prstGeom>
-            <a:noFill/>
-            <a:ln w="19050" cmpd="sng">
-              <a:solidFill>
-                <a:schemeClr val="tx1"/>
-              </a:solidFill>
-            </a:ln>
-            <a:effectLst/>
-          </p:spPr>
-          <p:style>
-            <a:lnRef idx="1">
-              <a:schemeClr val="accent1"/>
-            </a:lnRef>
-            <a:fillRef idx="3">
-              <a:schemeClr val="accent1"/>
-            </a:fillRef>
-            <a:effectRef idx="2">
-              <a:schemeClr val="accent1"/>
-            </a:effectRef>
-            <a:fontRef idx="minor">
-              <a:schemeClr val="lt1"/>
-            </a:fontRef>
-          </p:style>
-          <p:txBody>
-            <a:bodyPr rtlCol="0" anchor="ctr"/>
-            <a:lstStyle/>
-            <a:p>
-              <a:pPr algn="ctr"/>
-              <a:r>
-                <a:rPr lang="en-US" dirty="0" smtClean="0">
-                  <a:solidFill>
-                    <a:schemeClr val="tx1"/>
-                  </a:solidFill>
-                </a:rPr>
-                <a:t>E</a:t>
-              </a:r>
-              <a:endParaRPr lang="en-US" dirty="0">
-                <a:solidFill>
-                  <a:schemeClr val="tx1"/>
-                </a:solidFill>
-              </a:endParaRPr>
-            </a:p>
-          </p:txBody>
-        </p:sp>
-        <p:sp>
-          <p:nvSpPr>
-            <p:cNvPr id="7" name="Oval 6"/>
-            <p:cNvSpPr/>
-            <p:nvPr/>
-          </p:nvSpPr>
-          <p:spPr>
-            <a:xfrm>
-              <a:off x="4031295" y="2181847"/>
-              <a:ext cx="1007755" cy="911179"/>
-            </a:xfrm>
-            <a:prstGeom prst="ellipse">
-              <a:avLst/>
-            </a:prstGeom>
-            <a:noFill/>
-            <a:ln w="19050" cmpd="sng">
-              <a:solidFill>
-                <a:schemeClr val="tx1"/>
-              </a:solidFill>
-            </a:ln>
-            <a:effectLst/>
-          </p:spPr>
-          <p:style>
-            <a:lnRef idx="1">
-              <a:schemeClr val="accent1"/>
-            </a:lnRef>
-            <a:fillRef idx="3">
-              <a:schemeClr val="accent1"/>
-            </a:fillRef>
-            <a:effectRef idx="2">
-              <a:schemeClr val="accent1"/>
-            </a:effectRef>
-            <a:fontRef idx="minor">
-              <a:schemeClr val="lt1"/>
-            </a:fontRef>
-          </p:style>
-          <p:txBody>
-            <a:bodyPr rtlCol="0" anchor="ctr"/>
-            <a:lstStyle/>
-            <a:p>
-              <a:pPr algn="ctr"/>
-              <a:r>
-                <a:rPr lang="en-US" dirty="0" smtClean="0">
-                  <a:solidFill>
-                    <a:schemeClr val="tx1"/>
-                  </a:solidFill>
-                </a:rPr>
-                <a:t>H</a:t>
-              </a:r>
-              <a:endParaRPr lang="en-US" dirty="0">
-                <a:solidFill>
-                  <a:schemeClr val="tx1"/>
-                </a:solidFill>
-              </a:endParaRPr>
-            </a:p>
-          </p:txBody>
-        </p:sp>
-        <p:sp>
-          <p:nvSpPr>
-            <p:cNvPr id="8" name="Oval 7"/>
-            <p:cNvSpPr/>
-            <p:nvPr/>
-          </p:nvSpPr>
-          <p:spPr>
-            <a:xfrm>
-              <a:off x="2374437" y="3520999"/>
-              <a:ext cx="1007755" cy="911179"/>
-            </a:xfrm>
-            <a:prstGeom prst="ellipse">
-              <a:avLst/>
-            </a:prstGeom>
-            <a:noFill/>
-            <a:ln w="19050" cmpd="sng">
-              <a:solidFill>
-                <a:schemeClr val="tx1"/>
-              </a:solidFill>
-            </a:ln>
-            <a:effectLst/>
-          </p:spPr>
-          <p:style>
-            <a:lnRef idx="1">
-              <a:schemeClr val="accent1"/>
-            </a:lnRef>
-            <a:fillRef idx="3">
-              <a:schemeClr val="accent1"/>
-            </a:fillRef>
-            <a:effectRef idx="2">
-              <a:schemeClr val="accent1"/>
-            </a:effectRef>
-            <a:fontRef idx="minor">
-              <a:schemeClr val="lt1"/>
-            </a:fontRef>
-          </p:style>
-          <p:txBody>
-            <a:bodyPr rtlCol="0" anchor="ctr"/>
-            <a:lstStyle/>
-            <a:p>
-              <a:pPr algn="ctr"/>
-              <a:r>
-                <a:rPr lang="en-US" dirty="0" smtClean="0">
-                  <a:solidFill>
-                    <a:schemeClr val="tx1"/>
-                  </a:solidFill>
-                </a:rPr>
-                <a:t>D</a:t>
+                <a:t>n-</a:t>
               </a:r>
               <a:r>
                 <a:rPr lang="en-US" baseline="-25000" dirty="0" smtClean="0">
@@ -9794,19 +6187,88 @@
         </p:sp>
         <p:sp>
           <p:nvSpPr>
-            <p:cNvPr id="9" name="Oval 8"/>
+            <p:cNvPr id="6" name="Oval 5"/>
             <p:cNvSpPr/>
             <p:nvPr/>
           </p:nvSpPr>
           <p:spPr>
             <a:xfrm>
-              <a:off x="4031295" y="3520999"/>
-              <a:ext cx="1007755" cy="911179"/>
+              <a:off x="6124945" y="1781245"/>
+              <a:ext cx="694653" cy="662338"/>
             </a:xfrm>
             <a:prstGeom prst="ellipse">
               <a:avLst/>
             </a:prstGeom>
             <a:noFill/>
+            <a:ln w="19050" cmpd="sng">
+              <a:solidFill>
+                <a:schemeClr val="tx1"/>
+              </a:solidFill>
+            </a:ln>
+            <a:effectLst/>
+          </p:spPr>
+          <p:style>
+            <a:lnRef idx="1">
+              <a:schemeClr val="accent1"/>
+            </a:lnRef>
+            <a:fillRef idx="3">
+              <a:schemeClr val="accent1"/>
+            </a:fillRef>
+            <a:effectRef idx="2">
+              <a:schemeClr val="accent1"/>
+            </a:effectRef>
+            <a:fontRef idx="minor">
+              <a:schemeClr val="lt1"/>
+            </a:fontRef>
+          </p:style>
+          <p:txBody>
+            <a:bodyPr rtlCol="0" anchor="ctr"/>
+            <a:lstStyle/>
+            <a:p>
+              <a:pPr algn="ctr"/>
+              <a:r>
+                <a:rPr lang="en-US" dirty="0" err="1" smtClean="0">
+                  <a:solidFill>
+                    <a:schemeClr val="tx1"/>
+                  </a:solidFill>
+                </a:rPr>
+                <a:t>Y</a:t>
+              </a:r>
+              <a:r>
+                <a:rPr lang="en-US" baseline="-25000" dirty="0" err="1" smtClean="0">
+                  <a:solidFill>
+                    <a:schemeClr val="tx1"/>
+                  </a:solidFill>
+                </a:rPr>
+                <a:t>n</a:t>
+              </a:r>
+              <a:endParaRPr lang="en-US" baseline="-25000" dirty="0">
+                <a:solidFill>
+                  <a:schemeClr val="tx1"/>
+                </a:solidFill>
+              </a:endParaRPr>
+            </a:p>
+          </p:txBody>
+        </p:sp>
+        <p:sp>
+          <p:nvSpPr>
+            <p:cNvPr id="16" name="Oval 15"/>
+            <p:cNvSpPr/>
+            <p:nvPr/>
+          </p:nvSpPr>
+          <p:spPr>
+            <a:xfrm>
+              <a:off x="1007744" y="3023456"/>
+              <a:ext cx="685835" cy="704496"/>
+            </a:xfrm>
+            <a:prstGeom prst="ellipse">
+              <a:avLst/>
+            </a:prstGeom>
+            <a:solidFill>
+              <a:schemeClr val="bg1">
+                <a:lumMod val="75000"/>
+              </a:schemeClr>
+            </a:solidFill>
             <a:ln w="19050" cmpd="sng">
               <a:solidFill>
                 <a:schemeClr val="tx1"/>
@@ -9839,7 +6301,76 @@
                     <a:schemeClr val="tx1"/>
                   </a:solidFill>
                 </a:rPr>
-                <a:t>D</a:t>
+                <a:t>X</a:t>
+              </a:r>
+              <a:r>
+                <a:rPr lang="en-US" baseline="-25000" dirty="0" smtClean="0">
+                  <a:solidFill>
+                    <a:schemeClr val="tx1"/>
+                  </a:solidFill>
+                </a:rPr>
+                <a:t>1</a:t>
+              </a:r>
+              <a:endParaRPr lang="en-US" baseline="-25000" dirty="0">
+                <a:solidFill>
+                  <a:schemeClr val="tx1"/>
+                </a:solidFill>
+              </a:endParaRPr>
+            </a:p>
+          </p:txBody>
+        </p:sp>
+        <p:sp>
+          <p:nvSpPr>
+            <p:cNvPr id="17" name="Oval 16"/>
+            <p:cNvSpPr/>
+            <p:nvPr/>
+          </p:nvSpPr>
+          <p:spPr>
+            <a:xfrm>
+              <a:off x="2655489" y="3023456"/>
+              <a:ext cx="685835" cy="704496"/>
+            </a:xfrm>
+            <a:prstGeom prst="ellipse">
+              <a:avLst/>
+            </a:prstGeom>
+            <a:solidFill>
+              <a:schemeClr val="bg1">
+                <a:lumMod val="75000"/>
+              </a:schemeClr>
+            </a:solidFill>
+            <a:ln w="19050" cmpd="sng">
+              <a:solidFill>
+                <a:schemeClr val="tx1"/>
+              </a:solidFill>
+            </a:ln>
+            <a:effectLst/>
+          </p:spPr>
+          <p:style>
+            <a:lnRef idx="1">
+              <a:schemeClr val="accent1"/>
+            </a:lnRef>
+            <a:fillRef idx="3">
+              <a:schemeClr val="accent1"/>
+            </a:fillRef>
+            <a:effectRef idx="2">
+              <a:schemeClr val="accent1"/>
+            </a:effectRef>
+            <a:fontRef idx="minor">
+              <a:schemeClr val="lt1"/>
+            </a:fontRef>
+          </p:style>
+          <p:txBody>
+            <a:bodyPr rtlCol="0" anchor="ctr"/>
+            <a:lstStyle/>
+            <a:p>
+              <a:pPr algn="ctr"/>
+              <a:r>
+                <a:rPr lang="en-US" dirty="0" smtClean="0">
+                  <a:solidFill>
+                    <a:schemeClr val="tx1"/>
+                  </a:solidFill>
+                </a:rPr>
+                <a:t>X</a:t>
               </a:r>
               <a:r>
                 <a:rPr lang="en-US" baseline="-25000" dirty="0" smtClean="0">
@@ -9859,19 +6390,23 @@
         </p:sp>
         <p:sp>
           <p:nvSpPr>
-            <p:cNvPr id="12" name="Oval 11"/>
+            <p:cNvPr id="18" name="Oval 17"/>
             <p:cNvSpPr/>
             <p:nvPr/>
           </p:nvSpPr>
           <p:spPr>
             <a:xfrm>
-              <a:off x="3023540" y="4860689"/>
-              <a:ext cx="1007755" cy="911179"/>
+              <a:off x="4508649" y="3023456"/>
+              <a:ext cx="685835" cy="704496"/>
             </a:xfrm>
             <a:prstGeom prst="ellipse">
               <a:avLst/>
             </a:prstGeom>
-            <a:noFill/>
+            <a:solidFill>
+              <a:schemeClr val="bg1">
+                <a:lumMod val="75000"/>
+              </a:schemeClr>
+            </a:solidFill>
             <a:ln w="19050" cmpd="sng">
               <a:solidFill>
                 <a:schemeClr val="tx1"/>
@@ -9899,20 +6434,97 @@
             <a:p>
               <a:pPr algn="ctr"/>
               <a:r>
-                <a:rPr lang="en-US" dirty="0" smtClean="0">
+                <a:rPr lang="en-US" sz="1700" dirty="0" smtClean="0">
                   <a:solidFill>
                     <a:schemeClr val="tx1"/>
                   </a:solidFill>
                 </a:rPr>
-                <a:t>S</a:t>
+                <a:t>X</a:t>
               </a:r>
               <a:r>
-                <a:rPr lang="en-US" baseline="-25000" dirty="0" smtClean="0">
+                <a:rPr lang="en-US" sz="1700" baseline="-25000" dirty="0" smtClean="0">
+                  <a:solidFill>
+                    <a:schemeClr val="tx1"/>
+                  </a:solidFill>
+                </a:rPr>
+                <a:t>n-</a:t>
+              </a:r>
+              <a:r>
+                <a:rPr lang="en-US" sz="1700" baseline="-25000" dirty="0" smtClean="0">
                   <a:solidFill>
                     <a:schemeClr val="tx1"/>
                   </a:solidFill>
                 </a:rPr>
                 <a:t>1</a:t>
+              </a:r>
+              <a:endParaRPr lang="en-US" sz="1700" baseline="-25000" dirty="0">
+                <a:solidFill>
+                  <a:schemeClr val="tx1"/>
+                </a:solidFill>
+              </a:endParaRPr>
+            </a:p>
+          </p:txBody>
+        </p:sp>
+        <p:sp>
+          <p:nvSpPr>
+            <p:cNvPr id="19" name="Oval 18"/>
+            <p:cNvSpPr/>
+            <p:nvPr/>
+          </p:nvSpPr>
+          <p:spPr>
+            <a:xfrm>
+              <a:off x="6133763" y="3023456"/>
+              <a:ext cx="685835" cy="704496"/>
+            </a:xfrm>
+            <a:prstGeom prst="ellipse">
+              <a:avLst/>
+            </a:prstGeom>
+            <a:solidFill>
+              <a:schemeClr val="bg1">
+                <a:lumMod val="75000"/>
+              </a:schemeClr>
+            </a:solidFill>
+            <a:ln w="19050" cmpd="sng">
+              <a:solidFill>
+                <a:schemeClr val="tx1"/>
+              </a:solidFill>
+            </a:ln>
+            <a:effectLst/>
+          </p:spPr>
+          <p:style>
+            <a:lnRef idx="1">
+              <a:schemeClr val="accent1"/>
+            </a:lnRef>
+            <a:fillRef idx="3">
+              <a:schemeClr val="accent1"/>
+            </a:fillRef>
+            <a:effectRef idx="2">
+              <a:schemeClr val="accent1"/>
+            </a:effectRef>
+            <a:fontRef idx="minor">
+              <a:schemeClr val="lt1"/>
+            </a:fontRef>
+          </p:style>
+          <p:txBody>
+            <a:bodyPr rtlCol="0" anchor="ctr"/>
+            <a:lstStyle/>
+            <a:p>
+              <a:pPr algn="ctr"/>
+              <a:r>
+                <a:rPr lang="en-US" dirty="0" err="1" smtClean="0">
+                  <a:solidFill>
+                    <a:schemeClr val="tx1"/>
+                  </a:solidFill>
+                </a:rPr>
+                <a:t>X</a:t>
+              </a:r>
+              <a:r>
+                <a:rPr lang="en-US" baseline="-25000" dirty="0" err="1" smtClean="0">
+                  <a:solidFill>
+                    <a:schemeClr val="tx1"/>
+                  </a:solidFill>
+                </a:rPr>
+                <a:t>n</a:t>
               </a:r>
               <a:endParaRPr lang="en-US" baseline="-25000" dirty="0">
                 <a:solidFill>
@@ -9924,17 +6536,17 @@
         </p:sp>
         <p:cxnSp>
           <p:nvCxnSpPr>
-            <p:cNvPr id="14" name="Straight Arrow Connector 13"/>
+            <p:cNvPr id="20" name="Straight Arrow Connector 19"/>
             <p:cNvCxnSpPr>
-              <a:stCxn id="4" idx="5"/>
-              <a:endCxn id="7" idx="1"/>
+              <a:stCxn id="3" idx="6"/>
+              <a:endCxn id="4" idx="2"/>
             </p:cNvCxnSpPr>
             <p:nvPr/>
           </p:nvCxnSpPr>
           <p:spPr>
             <a:xfrm>
-              <a:off x="3234610" y="2048408"/>
-              <a:ext cx="944267" cy="266878"/>
+              <a:off x="1638359" y="2112414"/>
+              <a:ext cx="1067940" cy="0"/>
             </a:xfrm>
             <a:prstGeom prst="straightConnector1">
               <a:avLst/>
@@ -9961,17 +6573,17 @@
         </p:cxnSp>
         <p:cxnSp>
           <p:nvCxnSpPr>
-            <p:cNvPr id="15" name="Straight Arrow Connector 14"/>
+            <p:cNvPr id="26" name="Straight Arrow Connector 25"/>
             <p:cNvCxnSpPr>
-              <a:stCxn id="6" idx="3"/>
-              <a:endCxn id="7" idx="7"/>
+              <a:stCxn id="3" idx="4"/>
+              <a:endCxn id="16" idx="0"/>
             </p:cNvCxnSpPr>
             <p:nvPr/>
           </p:nvCxnSpPr>
           <p:spPr>
-            <a:xfrm flipH="1">
-              <a:off x="4891468" y="2048408"/>
-              <a:ext cx="944267" cy="266878"/>
+            <a:xfrm>
+              <a:off x="1348457" y="2415870"/>
+              <a:ext cx="2205" cy="607586"/>
             </a:xfrm>
             <a:prstGeom prst="straightConnector1">
               <a:avLst/>
@@ -9998,17 +6610,17 @@
         </p:cxnSp>
         <p:cxnSp>
           <p:nvCxnSpPr>
-            <p:cNvPr id="18" name="Straight Arrow Connector 17"/>
+            <p:cNvPr id="29" name="Straight Arrow Connector 28"/>
             <p:cNvCxnSpPr>
-              <a:stCxn id="7" idx="3"/>
-              <a:endCxn id="8" idx="7"/>
+              <a:stCxn id="4" idx="4"/>
+              <a:endCxn id="17" idx="0"/>
             </p:cNvCxnSpPr>
             <p:nvPr/>
           </p:nvCxnSpPr>
           <p:spPr>
-            <a:xfrm flipH="1">
-              <a:off x="3234610" y="2959587"/>
-              <a:ext cx="944267" cy="694851"/>
+            <a:xfrm>
+              <a:off x="2996202" y="2415870"/>
+              <a:ext cx="2205" cy="607586"/>
             </a:xfrm>
             <a:prstGeom prst="straightConnector1">
               <a:avLst/>
@@ -10035,17 +6647,16 @@
         </p:cxnSp>
         <p:cxnSp>
           <p:nvCxnSpPr>
-            <p:cNvPr id="25" name="Straight Arrow Connector 24"/>
+            <p:cNvPr id="32" name="Straight Arrow Connector 31"/>
             <p:cNvCxnSpPr>
-              <a:stCxn id="7" idx="4"/>
-              <a:endCxn id="9" idx="0"/>
+              <a:stCxn id="4" idx="6"/>
             </p:cNvCxnSpPr>
             <p:nvPr/>
           </p:nvCxnSpPr>
           <p:spPr>
-            <a:xfrm>
-              <a:off x="4535173" y="3093026"/>
-              <a:ext cx="0" cy="427973"/>
+            <a:xfrm flipV="1">
+              <a:off x="3286104" y="2099282"/>
+              <a:ext cx="299287" cy="13132"/>
             </a:xfrm>
             <a:prstGeom prst="straightConnector1">
               <a:avLst/>
@@ -10072,17 +6683,16 @@
         </p:cxnSp>
         <p:cxnSp>
           <p:nvCxnSpPr>
-            <p:cNvPr id="28" name="Straight Arrow Connector 27"/>
+            <p:cNvPr id="37" name="Straight Arrow Connector 36"/>
             <p:cNvCxnSpPr>
-              <a:stCxn id="9" idx="3"/>
-              <a:endCxn id="12" idx="7"/>
+              <a:endCxn id="5" idx="2"/>
             </p:cNvCxnSpPr>
             <p:nvPr/>
           </p:nvCxnSpPr>
           <p:spPr>
-            <a:xfrm flipH="1">
-              <a:off x="3883713" y="4298739"/>
-              <a:ext cx="295164" cy="695389"/>
+            <a:xfrm flipV="1">
+              <a:off x="4238634" y="2112414"/>
+              <a:ext cx="253443" cy="1"/>
             </a:xfrm>
             <a:prstGeom prst="straightConnector1">
               <a:avLst/>
@@ -10109,17 +6719,17 @@
         </p:cxnSp>
         <p:cxnSp>
           <p:nvCxnSpPr>
-            <p:cNvPr id="38" name="Straight Arrow Connector 37"/>
+            <p:cNvPr id="43" name="Straight Arrow Connector 42"/>
             <p:cNvCxnSpPr>
-              <a:stCxn id="8" idx="4"/>
-              <a:endCxn id="12" idx="1"/>
+              <a:stCxn id="5" idx="6"/>
+              <a:endCxn id="6" idx="2"/>
             </p:cNvCxnSpPr>
             <p:nvPr/>
           </p:nvCxnSpPr>
           <p:spPr>
             <a:xfrm>
-              <a:off x="2878315" y="4432178"/>
-              <a:ext cx="292807" cy="561950"/>
+              <a:off x="5220967" y="2112414"/>
+              <a:ext cx="903978" cy="0"/>
             </a:xfrm>
             <a:prstGeom prst="straightConnector1">
               <a:avLst/>
@@ -10146,17 +6756,17 @@
         </p:cxnSp>
         <p:cxnSp>
           <p:nvCxnSpPr>
-            <p:cNvPr id="45" name="Straight Arrow Connector 44"/>
+            <p:cNvPr id="51" name="Straight Arrow Connector 50"/>
             <p:cNvCxnSpPr>
-              <a:stCxn id="8" idx="6"/>
-              <a:endCxn id="9" idx="2"/>
+              <a:stCxn id="6" idx="4"/>
+              <a:endCxn id="19" idx="0"/>
             </p:cNvCxnSpPr>
             <p:nvPr/>
           </p:nvCxnSpPr>
           <p:spPr>
             <a:xfrm>
-              <a:off x="3382192" y="3976589"/>
-              <a:ext cx="649103" cy="0"/>
+              <a:off x="6472272" y="2443583"/>
+              <a:ext cx="4409" cy="579873"/>
             </a:xfrm>
             <a:prstGeom prst="straightConnector1">
               <a:avLst/>
@@ -10183,17 +6793,17 @@
         </p:cxnSp>
         <p:cxnSp>
           <p:nvCxnSpPr>
-            <p:cNvPr id="48" name="Straight Arrow Connector 47"/>
+            <p:cNvPr id="54" name="Straight Arrow Connector 53"/>
             <p:cNvCxnSpPr>
-              <a:stCxn id="4" idx="6"/>
-              <a:endCxn id="6" idx="2"/>
+              <a:stCxn id="5" idx="4"/>
+              <a:endCxn id="18" idx="0"/>
             </p:cNvCxnSpPr>
             <p:nvPr/>
           </p:nvCxnSpPr>
           <p:spPr>
-            <a:xfrm>
-              <a:off x="3382192" y="1726258"/>
-              <a:ext cx="2305961" cy="0"/>
+            <a:xfrm flipH="1">
+              <a:off x="4851567" y="2471296"/>
+              <a:ext cx="4955" cy="552160"/>
             </a:xfrm>
             <a:prstGeom prst="straightConnector1">
               <a:avLst/>
@@ -10218,11 +6828,41 @@
             </a:fontRef>
           </p:style>
         </p:cxnSp>
+        <p:sp>
+          <p:nvSpPr>
+            <p:cNvPr id="57" name="TextBox 56"/>
+            <p:cNvSpPr txBox="1"/>
+            <p:nvPr/>
+          </p:nvSpPr>
+          <p:spPr>
+            <a:xfrm>
+              <a:off x="3723441" y="1837379"/>
+              <a:ext cx="348886" cy="369332"/>
+            </a:xfrm>
+            <a:prstGeom prst="rect">
+              <a:avLst/>
+            </a:prstGeom>
+            <a:noFill/>
+          </p:spPr>
+          <p:txBody>
+            <a:bodyPr wrap="none" rtlCol="0">
+              <a:spAutoFit/>
+            </a:bodyPr>
+            <a:lstStyle/>
+            <a:p>
+              <a:r>
+                <a:rPr lang="en-US" b="1" dirty="0" smtClean="0"/>
+                <a:t>…</a:t>
+              </a:r>
+              <a:endParaRPr lang="en-US" b="1" dirty="0"/>
+            </a:p>
+          </p:txBody>
+        </p:sp>
       </p:grpSp>
     </p:spTree>
     <p:extLst>
       <p:ext uri="{BB962C8B-B14F-4D97-AF65-F5344CB8AC3E}">
-        <p14:creationId xmlns:p14="http://schemas.microsoft.com/office/powerpoint/2010/main" val="2657608891"/>
+        <p14:creationId xmlns:p14="http://schemas.microsoft.com/office/powerpoint/2010/main" val="3793733672"/>
       </p:ext>
     </p:extLst>
   </p:cSld>
@@ -10251,34 +6891,34 @@
       </p:grpSpPr>
       <p:grpSp>
         <p:nvGrpSpPr>
-          <p:cNvPr id="10" name="Group 9"/>
+          <p:cNvPr id="24" name="Group 23"/>
           <p:cNvGrpSpPr/>
           <p:nvPr/>
         </p:nvGrpSpPr>
         <p:grpSpPr>
           <a:xfrm>
-            <a:off x="2374437" y="1270668"/>
-            <a:ext cx="4321471" cy="4501200"/>
-            <a:chOff x="2374437" y="1270668"/>
-            <a:chExt cx="4321471" cy="4501200"/>
+            <a:off x="566000" y="1449602"/>
+            <a:ext cx="6641370" cy="2830177"/>
+            <a:chOff x="566000" y="1449602"/>
+            <a:chExt cx="6641370" cy="2830177"/>
           </a:xfrm>
         </p:grpSpPr>
         <p:sp>
           <p:nvSpPr>
-            <p:cNvPr id="4" name="Oval 3"/>
+            <p:cNvPr id="22" name="Rectangle 21"/>
             <p:cNvSpPr/>
             <p:nvPr/>
           </p:nvSpPr>
           <p:spPr>
             <a:xfrm>
-              <a:off x="2374437" y="1270668"/>
-              <a:ext cx="1007755" cy="911179"/>
+              <a:off x="566000" y="1449602"/>
+              <a:ext cx="6612532" cy="2830177"/>
             </a:xfrm>
-            <a:prstGeom prst="ellipse">
+            <a:prstGeom prst="rect">
               <a:avLst/>
             </a:prstGeom>
             <a:noFill/>
-            <a:ln w="19050" cmpd="sng">
+            <a:ln>
               <a:solidFill>
                 <a:schemeClr val="tx1"/>
               </a:solidFill>
@@ -10304,2541 +6944,952 @@
             <a:lstStyle/>
             <a:p>
               <a:pPr algn="ctr"/>
-              <a:r>
-                <a:rPr lang="en-US" dirty="0" smtClean="0">
+              <a:endParaRPr lang="en-US"/>
+            </a:p>
+          </p:txBody>
+        </p:sp>
+        <p:grpSp>
+          <p:nvGrpSpPr>
+            <p:cNvPr id="15" name="Group 14"/>
+            <p:cNvGrpSpPr/>
+            <p:nvPr/>
+          </p:nvGrpSpPr>
+          <p:grpSpPr>
+            <a:xfrm>
+              <a:off x="952523" y="1781245"/>
+              <a:ext cx="5923006" cy="2034210"/>
+              <a:chOff x="952523" y="1781245"/>
+              <a:chExt cx="5923006" cy="2034210"/>
+            </a:xfrm>
+          </p:grpSpPr>
+          <p:sp>
+            <p:nvSpPr>
+              <p:cNvPr id="3" name="Oval 2"/>
+              <p:cNvSpPr/>
+              <p:nvPr/>
+            </p:nvSpPr>
+            <p:spPr>
+              <a:xfrm>
+                <a:off x="961918" y="1781245"/>
+                <a:ext cx="792000" cy="792000"/>
+              </a:xfrm>
+              <a:prstGeom prst="ellipse">
+                <a:avLst/>
+              </a:prstGeom>
+              <a:noFill/>
+              <a:ln w="19050" cmpd="sng">
+                <a:solidFill>
+                  <a:schemeClr val="tx1"/>
+                </a:solidFill>
+              </a:ln>
+              <a:effectLst/>
+            </p:spPr>
+            <p:style>
+              <a:lnRef idx="1">
+                <a:schemeClr val="accent1"/>
+              </a:lnRef>
+              <a:fillRef idx="3">
+                <a:schemeClr val="accent1"/>
+              </a:fillRef>
+              <a:effectRef idx="2">
+                <a:schemeClr val="accent1"/>
+              </a:effectRef>
+              <a:fontRef idx="minor">
+                <a:schemeClr val="lt1"/>
+              </a:fontRef>
+            </p:style>
+            <p:txBody>
+              <a:bodyPr rtlCol="0" anchor="ctr"/>
+              <a:lstStyle/>
+              <a:p>
+                <a:pPr algn="ctr"/>
+                <a:r>
+                  <a:rPr lang="en-US" sz="1400" dirty="0" smtClean="0">
+                    <a:solidFill>
+                      <a:schemeClr val="tx1"/>
+                    </a:solidFill>
+                  </a:rPr>
+                  <a:t>Y</a:t>
+                </a:r>
+                <a:r>
+                  <a:rPr lang="en-US" sz="1400" baseline="-25000" dirty="0" smtClean="0">
+                    <a:solidFill>
+                      <a:schemeClr val="tx1"/>
+                    </a:solidFill>
+                  </a:rPr>
+                  <a:t>ij,1</a:t>
+                </a:r>
+                <a:endParaRPr lang="en-US" sz="1400" baseline="-25000" dirty="0">
                   <a:solidFill>
                     <a:schemeClr val="tx1"/>
                   </a:solidFill>
-                </a:rPr>
-                <a:t>G</a:t>
-              </a:r>
-              <a:endParaRPr lang="en-US" dirty="0">
+                </a:endParaRPr>
+              </a:p>
+            </p:txBody>
+          </p:sp>
+          <p:sp>
+            <p:nvSpPr>
+              <p:cNvPr id="4" name="Oval 3"/>
+              <p:cNvSpPr/>
+              <p:nvPr/>
+            </p:nvSpPr>
+            <p:spPr>
+              <a:xfrm>
+                <a:off x="2651078" y="1781245"/>
+                <a:ext cx="792000" cy="792000"/>
+              </a:xfrm>
+              <a:prstGeom prst="ellipse">
+                <a:avLst/>
+              </a:prstGeom>
+              <a:noFill/>
+              <a:ln w="19050" cmpd="sng">
                 <a:solidFill>
                   <a:schemeClr val="tx1"/>
                 </a:solidFill>
-              </a:endParaRPr>
-            </a:p>
-          </p:txBody>
-        </p:sp>
+              </a:ln>
+              <a:effectLst/>
+            </p:spPr>
+            <p:style>
+              <a:lnRef idx="1">
+                <a:schemeClr val="accent1"/>
+              </a:lnRef>
+              <a:fillRef idx="3">
+                <a:schemeClr val="accent1"/>
+              </a:fillRef>
+              <a:effectRef idx="2">
+                <a:schemeClr val="accent1"/>
+              </a:effectRef>
+              <a:fontRef idx="minor">
+                <a:schemeClr val="lt1"/>
+              </a:fontRef>
+            </p:style>
+            <p:txBody>
+              <a:bodyPr rtlCol="0" anchor="ctr"/>
+              <a:lstStyle/>
+              <a:p>
+                <a:pPr algn="ctr"/>
+                <a:r>
+                  <a:rPr lang="en-US" sz="1400" dirty="0" smtClean="0">
+                    <a:solidFill>
+                      <a:schemeClr val="tx1"/>
+                    </a:solidFill>
+                  </a:rPr>
+                  <a:t>Y</a:t>
+                </a:r>
+                <a:r>
+                  <a:rPr lang="en-US" sz="1400" baseline="-25000" dirty="0" smtClean="0">
+                    <a:solidFill>
+                      <a:schemeClr val="tx1"/>
+                    </a:solidFill>
+                  </a:rPr>
+                  <a:t>ij,2</a:t>
+                </a:r>
+                <a:endParaRPr lang="en-US" sz="1400" baseline="-25000" dirty="0">
+                  <a:solidFill>
+                    <a:schemeClr val="tx1"/>
+                  </a:solidFill>
+                </a:endParaRPr>
+              </a:p>
+            </p:txBody>
+          </p:sp>
+          <p:sp>
+            <p:nvSpPr>
+              <p:cNvPr id="5" name="Oval 4"/>
+              <p:cNvSpPr/>
+              <p:nvPr/>
+            </p:nvSpPr>
+            <p:spPr>
+              <a:xfrm>
+                <a:off x="4505882" y="1781245"/>
+                <a:ext cx="792000" cy="792000"/>
+              </a:xfrm>
+              <a:prstGeom prst="ellipse">
+                <a:avLst/>
+              </a:prstGeom>
+              <a:noFill/>
+              <a:ln w="19050" cmpd="sng">
+                <a:solidFill>
+                  <a:schemeClr val="tx1"/>
+                </a:solidFill>
+              </a:ln>
+              <a:effectLst/>
+            </p:spPr>
+            <p:style>
+              <a:lnRef idx="1">
+                <a:schemeClr val="accent1"/>
+              </a:lnRef>
+              <a:fillRef idx="3">
+                <a:schemeClr val="accent1"/>
+              </a:fillRef>
+              <a:effectRef idx="2">
+                <a:schemeClr val="accent1"/>
+              </a:effectRef>
+              <a:fontRef idx="minor">
+                <a:schemeClr val="lt1"/>
+              </a:fontRef>
+            </p:style>
+            <p:txBody>
+              <a:bodyPr rtlCol="0" anchor="ctr"/>
+              <a:lstStyle/>
+              <a:p>
+                <a:pPr algn="ctr"/>
+                <a:r>
+                  <a:rPr lang="en-US" sz="1400" dirty="0" smtClean="0">
+                    <a:solidFill>
+                      <a:schemeClr val="tx1"/>
+                    </a:solidFill>
+                  </a:rPr>
+                  <a:t>Y</a:t>
+                </a:r>
+                <a:r>
+                  <a:rPr lang="en-US" sz="1400" baseline="-25000" dirty="0" smtClean="0">
+                    <a:solidFill>
+                      <a:schemeClr val="tx1"/>
+                    </a:solidFill>
+                  </a:rPr>
+                  <a:t>ij,t-1</a:t>
+                </a:r>
+                <a:endParaRPr lang="en-US" sz="1400" baseline="-25000" dirty="0">
+                  <a:solidFill>
+                    <a:schemeClr val="tx1"/>
+                  </a:solidFill>
+                </a:endParaRPr>
+              </a:p>
+            </p:txBody>
+          </p:sp>
+          <p:sp>
+            <p:nvSpPr>
+              <p:cNvPr id="6" name="Oval 5"/>
+              <p:cNvSpPr/>
+              <p:nvPr/>
+            </p:nvSpPr>
+            <p:spPr>
+              <a:xfrm>
+                <a:off x="6083529" y="1781245"/>
+                <a:ext cx="792000" cy="792000"/>
+              </a:xfrm>
+              <a:prstGeom prst="ellipse">
+                <a:avLst/>
+              </a:prstGeom>
+              <a:noFill/>
+              <a:ln w="19050" cmpd="sng">
+                <a:solidFill>
+                  <a:schemeClr val="tx1"/>
+                </a:solidFill>
+              </a:ln>
+              <a:effectLst/>
+            </p:spPr>
+            <p:style>
+              <a:lnRef idx="1">
+                <a:schemeClr val="accent1"/>
+              </a:lnRef>
+              <a:fillRef idx="3">
+                <a:schemeClr val="accent1"/>
+              </a:fillRef>
+              <a:effectRef idx="2">
+                <a:schemeClr val="accent1"/>
+              </a:effectRef>
+              <a:fontRef idx="minor">
+                <a:schemeClr val="lt1"/>
+              </a:fontRef>
+            </p:style>
+            <p:txBody>
+              <a:bodyPr rtlCol="0" anchor="ctr"/>
+              <a:lstStyle/>
+              <a:p>
+                <a:pPr algn="ctr"/>
+                <a:r>
+                  <a:rPr lang="en-US" sz="1400" dirty="0" err="1" smtClean="0">
+                    <a:solidFill>
+                      <a:schemeClr val="tx1"/>
+                    </a:solidFill>
+                  </a:rPr>
+                  <a:t>Y</a:t>
+                </a:r>
+                <a:r>
+                  <a:rPr lang="en-US" sz="1400" baseline="-25000" dirty="0" err="1" smtClean="0">
+                    <a:solidFill>
+                      <a:schemeClr val="tx1"/>
+                    </a:solidFill>
+                  </a:rPr>
+                  <a:t>ij,t</a:t>
+                </a:r>
+                <a:endParaRPr lang="en-US" sz="1400" baseline="-25000" dirty="0">
+                  <a:solidFill>
+                    <a:schemeClr val="tx1"/>
+                  </a:solidFill>
+                </a:endParaRPr>
+              </a:p>
+            </p:txBody>
+          </p:sp>
+          <p:sp>
+            <p:nvSpPr>
+              <p:cNvPr id="16" name="Oval 15"/>
+              <p:cNvSpPr>
+                <a:spLocks/>
+              </p:cNvSpPr>
+              <p:nvPr/>
+            </p:nvSpPr>
+            <p:spPr>
+              <a:xfrm>
+                <a:off x="952523" y="3023455"/>
+                <a:ext cx="792000" cy="792000"/>
+              </a:xfrm>
+              <a:prstGeom prst="ellipse">
+                <a:avLst/>
+              </a:prstGeom>
+              <a:solidFill>
+                <a:schemeClr val="bg1">
+                  <a:lumMod val="75000"/>
+                </a:schemeClr>
+              </a:solidFill>
+              <a:ln w="19050" cmpd="sng">
+                <a:solidFill>
+                  <a:schemeClr val="tx1"/>
+                </a:solidFill>
+              </a:ln>
+              <a:effectLst/>
+            </p:spPr>
+            <p:style>
+              <a:lnRef idx="1">
+                <a:schemeClr val="accent1"/>
+              </a:lnRef>
+              <a:fillRef idx="3">
+                <a:schemeClr val="accent1"/>
+              </a:fillRef>
+              <a:effectRef idx="2">
+                <a:schemeClr val="accent1"/>
+              </a:effectRef>
+              <a:fontRef idx="minor">
+                <a:schemeClr val="lt1"/>
+              </a:fontRef>
+            </p:style>
+            <p:txBody>
+              <a:bodyPr rtlCol="0" anchor="ctr"/>
+              <a:lstStyle/>
+              <a:p>
+                <a:pPr algn="ctr"/>
+                <a:r>
+                  <a:rPr lang="en-US" sz="1400" dirty="0" smtClean="0">
+                    <a:solidFill>
+                      <a:schemeClr val="tx1"/>
+                    </a:solidFill>
+                  </a:rPr>
+                  <a:t>X</a:t>
+                </a:r>
+                <a:r>
+                  <a:rPr lang="en-US" sz="1400" baseline="-25000" dirty="0">
+                    <a:solidFill>
+                      <a:schemeClr val="tx1"/>
+                    </a:solidFill>
+                  </a:rPr>
+                  <a:t>ij,1</a:t>
+                </a:r>
+                <a:endParaRPr lang="en-US" sz="1400" baseline="-25000" dirty="0">
+                  <a:solidFill>
+                    <a:schemeClr val="tx1"/>
+                  </a:solidFill>
+                </a:endParaRPr>
+              </a:p>
+            </p:txBody>
+          </p:sp>
+          <p:sp>
+            <p:nvSpPr>
+              <p:cNvPr id="17" name="Oval 16"/>
+              <p:cNvSpPr>
+                <a:spLocks/>
+              </p:cNvSpPr>
+              <p:nvPr/>
+            </p:nvSpPr>
+            <p:spPr>
+              <a:xfrm>
+                <a:off x="2655488" y="3023455"/>
+                <a:ext cx="792000" cy="792000"/>
+              </a:xfrm>
+              <a:prstGeom prst="ellipse">
+                <a:avLst/>
+              </a:prstGeom>
+              <a:solidFill>
+                <a:schemeClr val="bg1">
+                  <a:lumMod val="75000"/>
+                </a:schemeClr>
+              </a:solidFill>
+              <a:ln w="19050" cmpd="sng">
+                <a:solidFill>
+                  <a:schemeClr val="tx1"/>
+                </a:solidFill>
+              </a:ln>
+              <a:effectLst/>
+            </p:spPr>
+            <p:style>
+              <a:lnRef idx="1">
+                <a:schemeClr val="accent1"/>
+              </a:lnRef>
+              <a:fillRef idx="3">
+                <a:schemeClr val="accent1"/>
+              </a:fillRef>
+              <a:effectRef idx="2">
+                <a:schemeClr val="accent1"/>
+              </a:effectRef>
+              <a:fontRef idx="minor">
+                <a:schemeClr val="lt1"/>
+              </a:fontRef>
+            </p:style>
+            <p:txBody>
+              <a:bodyPr rtlCol="0" anchor="ctr"/>
+              <a:lstStyle/>
+              <a:p>
+                <a:pPr algn="ctr"/>
+                <a:r>
+                  <a:rPr lang="en-US" sz="1400" dirty="0" smtClean="0">
+                    <a:solidFill>
+                      <a:schemeClr val="tx1"/>
+                    </a:solidFill>
+                  </a:rPr>
+                  <a:t>X</a:t>
+                </a:r>
+                <a:r>
+                  <a:rPr lang="en-US" sz="1400" baseline="-25000" dirty="0">
+                    <a:solidFill>
+                      <a:schemeClr val="tx1"/>
+                    </a:solidFill>
+                  </a:rPr>
+                  <a:t>ij</a:t>
+                </a:r>
+                <a:r>
+                  <a:rPr lang="en-US" sz="1400" baseline="-25000" dirty="0" smtClean="0">
+                    <a:solidFill>
+                      <a:schemeClr val="tx1"/>
+                    </a:solidFill>
+                  </a:rPr>
+                  <a:t>,2</a:t>
+                </a:r>
+                <a:endParaRPr lang="en-US" sz="1400" baseline="-25000" dirty="0">
+                  <a:solidFill>
+                    <a:schemeClr val="tx1"/>
+                  </a:solidFill>
+                </a:endParaRPr>
+              </a:p>
+            </p:txBody>
+          </p:sp>
+          <p:sp>
+            <p:nvSpPr>
+              <p:cNvPr id="18" name="Oval 17"/>
+              <p:cNvSpPr>
+                <a:spLocks/>
+              </p:cNvSpPr>
+              <p:nvPr/>
+            </p:nvSpPr>
+            <p:spPr>
+              <a:xfrm>
+                <a:off x="4508648" y="3023455"/>
+                <a:ext cx="792000" cy="792000"/>
+              </a:xfrm>
+              <a:prstGeom prst="ellipse">
+                <a:avLst/>
+              </a:prstGeom>
+              <a:solidFill>
+                <a:schemeClr val="bg1">
+                  <a:lumMod val="75000"/>
+                </a:schemeClr>
+              </a:solidFill>
+              <a:ln w="19050" cmpd="sng">
+                <a:solidFill>
+                  <a:schemeClr val="tx1"/>
+                </a:solidFill>
+              </a:ln>
+              <a:effectLst/>
+            </p:spPr>
+            <p:style>
+              <a:lnRef idx="1">
+                <a:schemeClr val="accent1"/>
+              </a:lnRef>
+              <a:fillRef idx="3">
+                <a:schemeClr val="accent1"/>
+              </a:fillRef>
+              <a:effectRef idx="2">
+                <a:schemeClr val="accent1"/>
+              </a:effectRef>
+              <a:fontRef idx="minor">
+                <a:schemeClr val="lt1"/>
+              </a:fontRef>
+            </p:style>
+            <p:txBody>
+              <a:bodyPr rtlCol="0" anchor="ctr"/>
+              <a:lstStyle/>
+              <a:p>
+                <a:pPr algn="ctr"/>
+                <a:r>
+                  <a:rPr lang="en-US" sz="1400" dirty="0" smtClean="0">
+                    <a:solidFill>
+                      <a:schemeClr val="tx1"/>
+                    </a:solidFill>
+                  </a:rPr>
+                  <a:t>X</a:t>
+                </a:r>
+                <a:r>
+                  <a:rPr lang="en-US" sz="1400" baseline="-25000" dirty="0">
+                    <a:solidFill>
+                      <a:schemeClr val="tx1"/>
+                    </a:solidFill>
+                  </a:rPr>
+                  <a:t>ij</a:t>
+                </a:r>
+                <a:r>
+                  <a:rPr lang="en-US" sz="1400" baseline="-25000" dirty="0" smtClean="0">
+                    <a:solidFill>
+                      <a:schemeClr val="tx1"/>
+                    </a:solidFill>
+                  </a:rPr>
+                  <a:t>,t-1</a:t>
+                </a:r>
+                <a:endParaRPr lang="en-US" sz="1400" baseline="-25000" dirty="0">
+                  <a:solidFill>
+                    <a:schemeClr val="tx1"/>
+                  </a:solidFill>
+                </a:endParaRPr>
+              </a:p>
+            </p:txBody>
+          </p:sp>
+          <p:sp>
+            <p:nvSpPr>
+              <p:cNvPr id="19" name="Oval 18"/>
+              <p:cNvSpPr>
+                <a:spLocks/>
+              </p:cNvSpPr>
+              <p:nvPr/>
+            </p:nvSpPr>
+            <p:spPr>
+              <a:xfrm>
+                <a:off x="6078542" y="3023455"/>
+                <a:ext cx="792000" cy="792000"/>
+              </a:xfrm>
+              <a:prstGeom prst="ellipse">
+                <a:avLst/>
+              </a:prstGeom>
+              <a:solidFill>
+                <a:schemeClr val="bg1">
+                  <a:lumMod val="75000"/>
+                </a:schemeClr>
+              </a:solidFill>
+              <a:ln w="19050" cmpd="sng">
+                <a:solidFill>
+                  <a:schemeClr val="tx1"/>
+                </a:solidFill>
+              </a:ln>
+              <a:effectLst/>
+            </p:spPr>
+            <p:style>
+              <a:lnRef idx="1">
+                <a:schemeClr val="accent1"/>
+              </a:lnRef>
+              <a:fillRef idx="3">
+                <a:schemeClr val="accent1"/>
+              </a:fillRef>
+              <a:effectRef idx="2">
+                <a:schemeClr val="accent1"/>
+              </a:effectRef>
+              <a:fontRef idx="minor">
+                <a:schemeClr val="lt1"/>
+              </a:fontRef>
+            </p:style>
+            <p:txBody>
+              <a:bodyPr rtlCol="0" anchor="ctr"/>
+              <a:lstStyle/>
+              <a:p>
+                <a:pPr algn="ctr"/>
+                <a:r>
+                  <a:rPr lang="en-US" sz="1400" dirty="0" err="1" smtClean="0">
+                    <a:solidFill>
+                      <a:schemeClr val="tx1"/>
+                    </a:solidFill>
+                  </a:rPr>
+                  <a:t>X</a:t>
+                </a:r>
+                <a:r>
+                  <a:rPr lang="en-US" sz="1400" baseline="-25000" dirty="0" err="1">
+                    <a:solidFill>
+                      <a:schemeClr val="tx1"/>
+                    </a:solidFill>
+                  </a:rPr>
+                  <a:t>ij</a:t>
+                </a:r>
+                <a:r>
+                  <a:rPr lang="en-US" sz="1400" baseline="-25000" dirty="0" err="1" smtClean="0">
+                    <a:solidFill>
+                      <a:schemeClr val="tx1"/>
+                    </a:solidFill>
+                  </a:rPr>
+                  <a:t>,t</a:t>
+                </a:r>
+                <a:endParaRPr lang="en-US" sz="1400" baseline="-25000" dirty="0">
+                  <a:solidFill>
+                    <a:schemeClr val="tx1"/>
+                  </a:solidFill>
+                </a:endParaRPr>
+              </a:p>
+            </p:txBody>
+          </p:sp>
+          <p:cxnSp>
+            <p:nvCxnSpPr>
+              <p:cNvPr id="20" name="Straight Arrow Connector 19"/>
+              <p:cNvCxnSpPr/>
+              <p:nvPr/>
+            </p:nvCxnSpPr>
+            <p:spPr>
+              <a:xfrm>
+                <a:off x="1753918" y="2177245"/>
+                <a:ext cx="897160" cy="0"/>
+              </a:xfrm>
+              <a:prstGeom prst="straightConnector1">
+                <a:avLst/>
+              </a:prstGeom>
+              <a:ln>
+                <a:tailEnd type="none"/>
+              </a:ln>
+              <a:effectLst/>
+            </p:spPr>
+            <p:style>
+              <a:lnRef idx="2">
+                <a:schemeClr val="dk1"/>
+              </a:lnRef>
+              <a:fillRef idx="0">
+                <a:schemeClr val="dk1"/>
+              </a:fillRef>
+              <a:effectRef idx="1">
+                <a:schemeClr val="dk1"/>
+              </a:effectRef>
+              <a:fontRef idx="minor">
+                <a:schemeClr val="tx1"/>
+              </a:fontRef>
+            </p:style>
+          </p:cxnSp>
+          <p:cxnSp>
+            <p:nvCxnSpPr>
+              <p:cNvPr id="26" name="Straight Arrow Connector 25"/>
+              <p:cNvCxnSpPr>
+                <a:stCxn id="3" idx="4"/>
+                <a:endCxn id="16" idx="0"/>
+              </p:cNvCxnSpPr>
+              <p:nvPr/>
+            </p:nvCxnSpPr>
+            <p:spPr>
+              <a:xfrm flipH="1">
+                <a:off x="1348523" y="2573245"/>
+                <a:ext cx="9395" cy="450210"/>
+              </a:xfrm>
+              <a:prstGeom prst="straightConnector1">
+                <a:avLst/>
+              </a:prstGeom>
+              <a:ln>
+                <a:tailEnd type="none"/>
+              </a:ln>
+              <a:effectLst/>
+            </p:spPr>
+            <p:style>
+              <a:lnRef idx="2">
+                <a:schemeClr val="dk1"/>
+              </a:lnRef>
+              <a:fillRef idx="0">
+                <a:schemeClr val="dk1"/>
+              </a:fillRef>
+              <a:effectRef idx="1">
+                <a:schemeClr val="dk1"/>
+              </a:effectRef>
+              <a:fontRef idx="minor">
+                <a:schemeClr val="tx1"/>
+              </a:fontRef>
+            </p:style>
+          </p:cxnSp>
+          <p:cxnSp>
+            <p:nvCxnSpPr>
+              <p:cNvPr id="29" name="Straight Arrow Connector 28"/>
+              <p:cNvCxnSpPr>
+                <a:stCxn id="4" idx="4"/>
+                <a:endCxn id="17" idx="0"/>
+              </p:cNvCxnSpPr>
+              <p:nvPr/>
+            </p:nvCxnSpPr>
+            <p:spPr>
+              <a:xfrm>
+                <a:off x="3047078" y="2573245"/>
+                <a:ext cx="4410" cy="450210"/>
+              </a:xfrm>
+              <a:prstGeom prst="straightConnector1">
+                <a:avLst/>
+              </a:prstGeom>
+              <a:ln>
+                <a:tailEnd type="none"/>
+              </a:ln>
+              <a:effectLst/>
+            </p:spPr>
+            <p:style>
+              <a:lnRef idx="2">
+                <a:schemeClr val="dk1"/>
+              </a:lnRef>
+              <a:fillRef idx="0">
+                <a:schemeClr val="dk1"/>
+              </a:fillRef>
+              <a:effectRef idx="1">
+                <a:schemeClr val="dk1"/>
+              </a:effectRef>
+              <a:fontRef idx="minor">
+                <a:schemeClr val="tx1"/>
+              </a:fontRef>
+            </p:style>
+          </p:cxnSp>
+          <p:cxnSp>
+            <p:nvCxnSpPr>
+              <p:cNvPr id="32" name="Straight Arrow Connector 31"/>
+              <p:cNvCxnSpPr>
+                <a:stCxn id="4" idx="6"/>
+                <a:endCxn id="57" idx="1"/>
+              </p:cNvCxnSpPr>
+              <p:nvPr/>
+            </p:nvCxnSpPr>
+            <p:spPr>
+              <a:xfrm>
+                <a:off x="3443078" y="2177245"/>
+                <a:ext cx="349388" cy="0"/>
+              </a:xfrm>
+              <a:prstGeom prst="straightConnector1">
+                <a:avLst/>
+              </a:prstGeom>
+              <a:ln>
+                <a:tailEnd type="none"/>
+              </a:ln>
+              <a:effectLst/>
+            </p:spPr>
+            <p:style>
+              <a:lnRef idx="2">
+                <a:schemeClr val="dk1"/>
+              </a:lnRef>
+              <a:fillRef idx="0">
+                <a:schemeClr val="dk1"/>
+              </a:fillRef>
+              <a:effectRef idx="1">
+                <a:schemeClr val="dk1"/>
+              </a:effectRef>
+              <a:fontRef idx="minor">
+                <a:schemeClr val="tx1"/>
+              </a:fontRef>
+            </p:style>
+          </p:cxnSp>
+          <p:cxnSp>
+            <p:nvCxnSpPr>
+              <p:cNvPr id="37" name="Straight Arrow Connector 36"/>
+              <p:cNvCxnSpPr>
+                <a:stCxn id="57" idx="3"/>
+                <a:endCxn id="5" idx="2"/>
+              </p:cNvCxnSpPr>
+              <p:nvPr/>
+            </p:nvCxnSpPr>
+            <p:spPr>
+              <a:xfrm>
+                <a:off x="4141352" y="2177245"/>
+                <a:ext cx="364530" cy="0"/>
+              </a:xfrm>
+              <a:prstGeom prst="straightConnector1">
+                <a:avLst/>
+              </a:prstGeom>
+              <a:ln>
+                <a:tailEnd type="none"/>
+              </a:ln>
+              <a:effectLst/>
+            </p:spPr>
+            <p:style>
+              <a:lnRef idx="2">
+                <a:schemeClr val="dk1"/>
+              </a:lnRef>
+              <a:fillRef idx="0">
+                <a:schemeClr val="dk1"/>
+              </a:fillRef>
+              <a:effectRef idx="1">
+                <a:schemeClr val="dk1"/>
+              </a:effectRef>
+              <a:fontRef idx="minor">
+                <a:schemeClr val="tx1"/>
+              </a:fontRef>
+            </p:style>
+          </p:cxnSp>
+          <p:cxnSp>
+            <p:nvCxnSpPr>
+              <p:cNvPr id="43" name="Straight Arrow Connector 42"/>
+              <p:cNvCxnSpPr/>
+              <p:nvPr/>
+            </p:nvCxnSpPr>
+            <p:spPr>
+              <a:xfrm>
+                <a:off x="5297882" y="2177245"/>
+                <a:ext cx="785647" cy="0"/>
+              </a:xfrm>
+              <a:prstGeom prst="straightConnector1">
+                <a:avLst/>
+              </a:prstGeom>
+              <a:ln>
+                <a:tailEnd type="none"/>
+              </a:ln>
+              <a:effectLst/>
+            </p:spPr>
+            <p:style>
+              <a:lnRef idx="2">
+                <a:schemeClr val="dk1"/>
+              </a:lnRef>
+              <a:fillRef idx="0">
+                <a:schemeClr val="dk1"/>
+              </a:fillRef>
+              <a:effectRef idx="1">
+                <a:schemeClr val="dk1"/>
+              </a:effectRef>
+              <a:fontRef idx="minor">
+                <a:schemeClr val="tx1"/>
+              </a:fontRef>
+            </p:style>
+          </p:cxnSp>
+          <p:cxnSp>
+            <p:nvCxnSpPr>
+              <p:cNvPr id="51" name="Straight Arrow Connector 50"/>
+              <p:cNvCxnSpPr>
+                <a:stCxn id="6" idx="4"/>
+                <a:endCxn id="19" idx="0"/>
+              </p:cNvCxnSpPr>
+              <p:nvPr/>
+            </p:nvCxnSpPr>
+            <p:spPr>
+              <a:xfrm flipH="1">
+                <a:off x="6474542" y="2573245"/>
+                <a:ext cx="4987" cy="450210"/>
+              </a:xfrm>
+              <a:prstGeom prst="straightConnector1">
+                <a:avLst/>
+              </a:prstGeom>
+              <a:ln>
+                <a:tailEnd type="none"/>
+              </a:ln>
+              <a:effectLst/>
+            </p:spPr>
+            <p:style>
+              <a:lnRef idx="2">
+                <a:schemeClr val="dk1"/>
+              </a:lnRef>
+              <a:fillRef idx="0">
+                <a:schemeClr val="dk1"/>
+              </a:fillRef>
+              <a:effectRef idx="1">
+                <a:schemeClr val="dk1"/>
+              </a:effectRef>
+              <a:fontRef idx="minor">
+                <a:schemeClr val="tx1"/>
+              </a:fontRef>
+            </p:style>
+          </p:cxnSp>
+          <p:cxnSp>
+            <p:nvCxnSpPr>
+              <p:cNvPr id="54" name="Straight Arrow Connector 53"/>
+              <p:cNvCxnSpPr>
+                <a:stCxn id="5" idx="4"/>
+                <a:endCxn id="18" idx="0"/>
+              </p:cNvCxnSpPr>
+              <p:nvPr/>
+            </p:nvCxnSpPr>
+            <p:spPr>
+              <a:xfrm>
+                <a:off x="4901882" y="2573245"/>
+                <a:ext cx="2766" cy="450210"/>
+              </a:xfrm>
+              <a:prstGeom prst="straightConnector1">
+                <a:avLst/>
+              </a:prstGeom>
+              <a:ln>
+                <a:tailEnd type="none"/>
+              </a:ln>
+              <a:effectLst/>
+            </p:spPr>
+            <p:style>
+              <a:lnRef idx="2">
+                <a:schemeClr val="dk1"/>
+              </a:lnRef>
+              <a:fillRef idx="0">
+                <a:schemeClr val="dk1"/>
+              </a:fillRef>
+              <a:effectRef idx="1">
+                <a:schemeClr val="dk1"/>
+              </a:effectRef>
+              <a:fontRef idx="minor">
+                <a:schemeClr val="tx1"/>
+              </a:fontRef>
+            </p:style>
+          </p:cxnSp>
+          <p:sp>
+            <p:nvSpPr>
+              <p:cNvPr id="57" name="TextBox 56"/>
+              <p:cNvSpPr txBox="1"/>
+              <p:nvPr/>
+            </p:nvSpPr>
+            <p:spPr>
+              <a:xfrm>
+                <a:off x="3792466" y="1992579"/>
+                <a:ext cx="348886" cy="369332"/>
+              </a:xfrm>
+              <a:prstGeom prst="rect">
+                <a:avLst/>
+              </a:prstGeom>
+              <a:noFill/>
+            </p:spPr>
+            <p:txBody>
+              <a:bodyPr wrap="none" rtlCol="0">
+                <a:spAutoFit/>
+              </a:bodyPr>
+              <a:lstStyle/>
+              <a:p>
+                <a:r>
+                  <a:rPr lang="en-US" b="1" dirty="0" smtClean="0"/>
+                  <a:t>…</a:t>
+                </a:r>
+                <a:endParaRPr lang="en-US" b="1" dirty="0"/>
+              </a:p>
+            </p:txBody>
+          </p:sp>
+        </p:grpSp>
         <p:sp>
           <p:nvSpPr>
-            <p:cNvPr id="6" name="Oval 5"/>
-            <p:cNvSpPr/>
+            <p:cNvPr id="23" name="TextBox 22"/>
+            <p:cNvSpPr txBox="1"/>
             <p:nvPr/>
           </p:nvSpPr>
           <p:spPr>
             <a:xfrm>
-              <a:off x="5688153" y="1270668"/>
-              <a:ext cx="1007755" cy="911179"/>
+              <a:off x="6331334" y="3907025"/>
+              <a:ext cx="876036" cy="369332"/>
             </a:xfrm>
-            <a:prstGeom prst="ellipse">
+            <a:prstGeom prst="rect">
               <a:avLst/>
             </a:prstGeom>
             <a:noFill/>
-            <a:ln w="19050" cmpd="sng">
-              <a:solidFill>
-                <a:schemeClr val="tx1"/>
-              </a:solidFill>
-            </a:ln>
-            <a:effectLst/>
           </p:spPr>
-          <p:style>
-            <a:lnRef idx="1">
-              <a:schemeClr val="accent1"/>
-            </a:lnRef>
-            <a:fillRef idx="3">
-              <a:schemeClr val="accent1"/>
-            </a:fillRef>
-            <a:effectRef idx="2">
-              <a:schemeClr val="accent1"/>
-            </a:effectRef>
-            <a:fontRef idx="minor">
-              <a:schemeClr val="lt1"/>
-            </a:fontRef>
-          </p:style>
           <p:txBody>
-            <a:bodyPr rtlCol="0" anchor="ctr"/>
+            <a:bodyPr wrap="none" rtlCol="0">
+              <a:spAutoFit/>
+            </a:bodyPr>
             <a:lstStyle/>
             <a:p>
-              <a:pPr algn="ctr"/>
               <a:r>
-                <a:rPr lang="en-US" dirty="0" smtClean="0">
-                  <a:solidFill>
-                    <a:schemeClr val="tx1"/>
-                  </a:solidFill>
-                </a:rPr>
-                <a:t>E</a:t>
+                <a:rPr lang="en-US" dirty="0" smtClean="0"/>
+                <a:t>0&lt;</a:t>
               </a:r>
-              <a:endParaRPr lang="en-US" dirty="0">
-                <a:solidFill>
-                  <a:schemeClr val="tx1"/>
-                </a:solidFill>
-              </a:endParaRPr>
+              <a:r>
+                <a:rPr lang="en-US" dirty="0" err="1" smtClean="0"/>
+                <a:t>i≠j≤n</a:t>
+              </a:r>
+              <a:endParaRPr lang="en-US" dirty="0"/>
             </a:p>
           </p:txBody>
         </p:sp>
-        <p:sp>
-          <p:nvSpPr>
-            <p:cNvPr id="7" name="Oval 6"/>
-            <p:cNvSpPr/>
-            <p:nvPr/>
-          </p:nvSpPr>
-          <p:spPr>
-            <a:xfrm>
-              <a:off x="4031295" y="2181847"/>
-              <a:ext cx="1007755" cy="911179"/>
-            </a:xfrm>
-            <a:prstGeom prst="ellipse">
-              <a:avLst/>
-            </a:prstGeom>
-            <a:noFill/>
-            <a:ln w="19050" cmpd="sng">
-              <a:solidFill>
-                <a:schemeClr val="tx1"/>
-              </a:solidFill>
-            </a:ln>
-            <a:effectLst/>
-          </p:spPr>
-          <p:style>
-            <a:lnRef idx="1">
-              <a:schemeClr val="accent1"/>
-            </a:lnRef>
-            <a:fillRef idx="3">
-              <a:schemeClr val="accent1"/>
-            </a:fillRef>
-            <a:effectRef idx="2">
-              <a:schemeClr val="accent1"/>
-            </a:effectRef>
-            <a:fontRef idx="minor">
-              <a:schemeClr val="lt1"/>
-            </a:fontRef>
-          </p:style>
-          <p:txBody>
-            <a:bodyPr rtlCol="0" anchor="ctr"/>
-            <a:lstStyle/>
-            <a:p>
-              <a:pPr algn="ctr"/>
-              <a:r>
-                <a:rPr lang="en-US" dirty="0" smtClean="0">
-                  <a:solidFill>
-                    <a:schemeClr val="tx1"/>
-                  </a:solidFill>
-                </a:rPr>
-                <a:t>H</a:t>
-              </a:r>
-              <a:endParaRPr lang="en-US" dirty="0">
-                <a:solidFill>
-                  <a:schemeClr val="tx1"/>
-                </a:solidFill>
-              </a:endParaRPr>
-            </a:p>
-          </p:txBody>
-        </p:sp>
-        <p:sp>
-          <p:nvSpPr>
-            <p:cNvPr id="8" name="Oval 7"/>
-            <p:cNvSpPr/>
-            <p:nvPr/>
-          </p:nvSpPr>
-          <p:spPr>
-            <a:xfrm>
-              <a:off x="2374437" y="3520999"/>
-              <a:ext cx="1007755" cy="911179"/>
-            </a:xfrm>
-            <a:prstGeom prst="ellipse">
-              <a:avLst/>
-            </a:prstGeom>
-            <a:noFill/>
-            <a:ln w="19050" cmpd="sng">
-              <a:solidFill>
-                <a:schemeClr val="tx1"/>
-              </a:solidFill>
-            </a:ln>
-            <a:effectLst/>
-          </p:spPr>
-          <p:style>
-            <a:lnRef idx="1">
-              <a:schemeClr val="accent1"/>
-            </a:lnRef>
-            <a:fillRef idx="3">
-              <a:schemeClr val="accent1"/>
-            </a:fillRef>
-            <a:effectRef idx="2">
-              <a:schemeClr val="accent1"/>
-            </a:effectRef>
-            <a:fontRef idx="minor">
-              <a:schemeClr val="lt1"/>
-            </a:fontRef>
-          </p:style>
-          <p:txBody>
-            <a:bodyPr rtlCol="0" anchor="ctr"/>
-            <a:lstStyle/>
-            <a:p>
-              <a:pPr algn="ctr"/>
-              <a:r>
-                <a:rPr lang="en-US" dirty="0" smtClean="0">
-                  <a:solidFill>
-                    <a:schemeClr val="tx1"/>
-                  </a:solidFill>
-                </a:rPr>
-                <a:t>D</a:t>
-              </a:r>
-              <a:r>
-                <a:rPr lang="en-US" baseline="-25000" dirty="0" smtClean="0">
-                  <a:solidFill>
-                    <a:schemeClr val="tx1"/>
-                  </a:solidFill>
-                </a:rPr>
-                <a:t>1</a:t>
-              </a:r>
-              <a:endParaRPr lang="en-US" baseline="-25000" dirty="0">
-                <a:solidFill>
-                  <a:schemeClr val="tx1"/>
-                </a:solidFill>
-              </a:endParaRPr>
-            </a:p>
-          </p:txBody>
-        </p:sp>
-        <p:sp>
-          <p:nvSpPr>
-            <p:cNvPr id="12" name="Oval 11"/>
-            <p:cNvSpPr/>
-            <p:nvPr/>
-          </p:nvSpPr>
-          <p:spPr>
-            <a:xfrm>
-              <a:off x="3023540" y="4860689"/>
-              <a:ext cx="1007755" cy="911179"/>
-            </a:xfrm>
-            <a:prstGeom prst="ellipse">
-              <a:avLst/>
-            </a:prstGeom>
-            <a:noFill/>
-            <a:ln w="19050" cmpd="sng">
-              <a:solidFill>
-                <a:schemeClr val="tx1"/>
-              </a:solidFill>
-            </a:ln>
-            <a:effectLst/>
-          </p:spPr>
-          <p:style>
-            <a:lnRef idx="1">
-              <a:schemeClr val="accent1"/>
-            </a:lnRef>
-            <a:fillRef idx="3">
-              <a:schemeClr val="accent1"/>
-            </a:fillRef>
-            <a:effectRef idx="2">
-              <a:schemeClr val="accent1"/>
-            </a:effectRef>
-            <a:fontRef idx="minor">
-              <a:schemeClr val="lt1"/>
-            </a:fontRef>
-          </p:style>
-          <p:txBody>
-            <a:bodyPr rtlCol="0" anchor="ctr"/>
-            <a:lstStyle/>
-            <a:p>
-              <a:pPr algn="ctr"/>
-              <a:r>
-                <a:rPr lang="en-US" dirty="0" smtClean="0">
-                  <a:solidFill>
-                    <a:schemeClr val="tx1"/>
-                  </a:solidFill>
-                </a:rPr>
-                <a:t>S</a:t>
-              </a:r>
-              <a:r>
-                <a:rPr lang="en-US" baseline="-25000" dirty="0" smtClean="0">
-                  <a:solidFill>
-                    <a:schemeClr val="tx1"/>
-                  </a:solidFill>
-                </a:rPr>
-                <a:t>1</a:t>
-              </a:r>
-              <a:endParaRPr lang="en-US" baseline="-25000" dirty="0">
-                <a:solidFill>
-                  <a:schemeClr val="tx1"/>
-                </a:solidFill>
-              </a:endParaRPr>
-            </a:p>
-          </p:txBody>
-        </p:sp>
-        <p:cxnSp>
-          <p:nvCxnSpPr>
-            <p:cNvPr id="14" name="Straight Arrow Connector 13"/>
-            <p:cNvCxnSpPr>
-              <a:stCxn id="4" idx="5"/>
-              <a:endCxn id="7" idx="1"/>
-            </p:cNvCxnSpPr>
-            <p:nvPr/>
-          </p:nvCxnSpPr>
-          <p:spPr>
-            <a:xfrm>
-              <a:off x="3234610" y="2048408"/>
-              <a:ext cx="944267" cy="266878"/>
-            </a:xfrm>
-            <a:prstGeom prst="straightConnector1">
-              <a:avLst/>
-            </a:prstGeom>
-            <a:ln>
-              <a:tailEnd type="none"/>
-            </a:ln>
-            <a:effectLst/>
-          </p:spPr>
-          <p:style>
-            <a:lnRef idx="2">
-              <a:schemeClr val="dk1"/>
-            </a:lnRef>
-            <a:fillRef idx="0">
-              <a:schemeClr val="dk1"/>
-            </a:fillRef>
-            <a:effectRef idx="1">
-              <a:schemeClr val="dk1"/>
-            </a:effectRef>
-            <a:fontRef idx="minor">
-              <a:schemeClr val="tx1"/>
-            </a:fontRef>
-          </p:style>
-        </p:cxnSp>
-        <p:cxnSp>
-          <p:nvCxnSpPr>
-            <p:cNvPr id="15" name="Straight Arrow Connector 14"/>
-            <p:cNvCxnSpPr>
-              <a:stCxn id="6" idx="3"/>
-              <a:endCxn id="7" idx="7"/>
-            </p:cNvCxnSpPr>
-            <p:nvPr/>
-          </p:nvCxnSpPr>
-          <p:spPr>
-            <a:xfrm flipH="1">
-              <a:off x="4891468" y="2048408"/>
-              <a:ext cx="944267" cy="266878"/>
-            </a:xfrm>
-            <a:prstGeom prst="straightConnector1">
-              <a:avLst/>
-            </a:prstGeom>
-            <a:ln>
-              <a:tailEnd type="none"/>
-            </a:ln>
-            <a:effectLst/>
-          </p:spPr>
-          <p:style>
-            <a:lnRef idx="2">
-              <a:schemeClr val="dk1"/>
-            </a:lnRef>
-            <a:fillRef idx="0">
-              <a:schemeClr val="dk1"/>
-            </a:fillRef>
-            <a:effectRef idx="1">
-              <a:schemeClr val="dk1"/>
-            </a:effectRef>
-            <a:fontRef idx="minor">
-              <a:schemeClr val="tx1"/>
-            </a:fontRef>
-          </p:style>
-        </p:cxnSp>
-        <p:cxnSp>
-          <p:nvCxnSpPr>
-            <p:cNvPr id="18" name="Straight Arrow Connector 17"/>
-            <p:cNvCxnSpPr>
-              <a:stCxn id="7" idx="3"/>
-              <a:endCxn id="8" idx="7"/>
-            </p:cNvCxnSpPr>
-            <p:nvPr/>
-          </p:nvCxnSpPr>
-          <p:spPr>
-            <a:xfrm flipH="1">
-              <a:off x="3234610" y="2959587"/>
-              <a:ext cx="944267" cy="694851"/>
-            </a:xfrm>
-            <a:prstGeom prst="straightConnector1">
-              <a:avLst/>
-            </a:prstGeom>
-            <a:ln>
-              <a:tailEnd type="none"/>
-            </a:ln>
-            <a:effectLst/>
-          </p:spPr>
-          <p:style>
-            <a:lnRef idx="2">
-              <a:schemeClr val="dk1"/>
-            </a:lnRef>
-            <a:fillRef idx="0">
-              <a:schemeClr val="dk1"/>
-            </a:fillRef>
-            <a:effectRef idx="1">
-              <a:schemeClr val="dk1"/>
-            </a:effectRef>
-            <a:fontRef idx="minor">
-              <a:schemeClr val="tx1"/>
-            </a:fontRef>
-          </p:style>
-        </p:cxnSp>
-        <p:cxnSp>
-          <p:nvCxnSpPr>
-            <p:cNvPr id="38" name="Straight Arrow Connector 37"/>
-            <p:cNvCxnSpPr>
-              <a:stCxn id="8" idx="4"/>
-              <a:endCxn id="12" idx="1"/>
-            </p:cNvCxnSpPr>
-            <p:nvPr/>
-          </p:nvCxnSpPr>
-          <p:spPr>
-            <a:xfrm>
-              <a:off x="2878315" y="4432178"/>
-              <a:ext cx="292807" cy="561950"/>
-            </a:xfrm>
-            <a:prstGeom prst="straightConnector1">
-              <a:avLst/>
-            </a:prstGeom>
-            <a:ln>
-              <a:tailEnd type="none"/>
-            </a:ln>
-            <a:effectLst/>
-          </p:spPr>
-          <p:style>
-            <a:lnRef idx="2">
-              <a:schemeClr val="dk1"/>
-            </a:lnRef>
-            <a:fillRef idx="0">
-              <a:schemeClr val="dk1"/>
-            </a:fillRef>
-            <a:effectRef idx="1">
-              <a:schemeClr val="dk1"/>
-            </a:effectRef>
-            <a:fontRef idx="minor">
-              <a:schemeClr val="tx1"/>
-            </a:fontRef>
-          </p:style>
-        </p:cxnSp>
-        <p:cxnSp>
-          <p:nvCxnSpPr>
-            <p:cNvPr id="48" name="Straight Arrow Connector 47"/>
-            <p:cNvCxnSpPr>
-              <a:stCxn id="4" idx="6"/>
-              <a:endCxn id="6" idx="2"/>
-            </p:cNvCxnSpPr>
-            <p:nvPr/>
-          </p:nvCxnSpPr>
-          <p:spPr>
-            <a:xfrm>
-              <a:off x="3382192" y="1726258"/>
-              <a:ext cx="2305961" cy="0"/>
-            </a:xfrm>
-            <a:prstGeom prst="straightConnector1">
-              <a:avLst/>
-            </a:prstGeom>
-            <a:ln>
-              <a:tailEnd type="none"/>
-            </a:ln>
-            <a:effectLst/>
-          </p:spPr>
-          <p:style>
-            <a:lnRef idx="2">
-              <a:schemeClr val="dk1"/>
-            </a:lnRef>
-            <a:fillRef idx="0">
-              <a:schemeClr val="dk1"/>
-            </a:fillRef>
-            <a:effectRef idx="1">
-              <a:schemeClr val="dk1"/>
-            </a:effectRef>
-            <a:fontRef idx="minor">
-              <a:schemeClr val="tx1"/>
-            </a:fontRef>
-          </p:style>
-        </p:cxnSp>
-        <p:cxnSp>
-          <p:nvCxnSpPr>
-            <p:cNvPr id="17" name="Straight Arrow Connector 16"/>
-            <p:cNvCxnSpPr>
-              <a:stCxn id="7" idx="4"/>
-              <a:endCxn id="12" idx="7"/>
-            </p:cNvCxnSpPr>
-            <p:nvPr/>
-          </p:nvCxnSpPr>
-          <p:spPr>
-            <a:xfrm flipH="1">
-              <a:off x="3883713" y="3093026"/>
-              <a:ext cx="651460" cy="1901102"/>
-            </a:xfrm>
-            <a:prstGeom prst="straightConnector1">
-              <a:avLst/>
-            </a:prstGeom>
-            <a:ln>
-              <a:tailEnd type="none"/>
-            </a:ln>
-            <a:effectLst/>
-          </p:spPr>
-          <p:style>
-            <a:lnRef idx="2">
-              <a:schemeClr val="dk1"/>
-            </a:lnRef>
-            <a:fillRef idx="0">
-              <a:schemeClr val="dk1"/>
-            </a:fillRef>
-            <a:effectRef idx="1">
-              <a:schemeClr val="dk1"/>
-            </a:effectRef>
-            <a:fontRef idx="minor">
-              <a:schemeClr val="tx1"/>
-            </a:fontRef>
-          </p:style>
-        </p:cxnSp>
       </p:grpSp>
     </p:spTree>
     <p:extLst>
       <p:ext uri="{BB962C8B-B14F-4D97-AF65-F5344CB8AC3E}">
-        <p14:creationId xmlns:p14="http://schemas.microsoft.com/office/powerpoint/2010/main" val="1937832576"/>
-      </p:ext>
-    </p:extLst>
-  </p:cSld>
-  <p:clrMapOvr>
-    <a:masterClrMapping/>
-  </p:clrMapOvr>
-</p:sld>
-</file>
-
-<file path=ppt/slides/slide5.xml><?xml version="1.0" encoding="utf-8"?>
-<p:sld xmlns:a="http://schemas.openxmlformats.org/drawingml/2006/main" xmlns:r="http://schemas.openxmlformats.org/officeDocument/2006/relationships" xmlns:p="http://schemas.openxmlformats.org/presentationml/2006/main">
-  <p:cSld>
-    <p:spTree>
-      <p:nvGrpSpPr>
-        <p:cNvPr id="1" name=""/>
-        <p:cNvGrpSpPr/>
-        <p:nvPr/>
-      </p:nvGrpSpPr>
-      <p:grpSpPr>
-        <a:xfrm>
-          <a:off x="0" y="0"/>
-          <a:ext cx="0" cy="0"/>
-          <a:chOff x="0" y="0"/>
-          <a:chExt cx="0" cy="0"/>
-        </a:xfrm>
-      </p:grpSpPr>
-      <p:grpSp>
-        <p:nvGrpSpPr>
-          <p:cNvPr id="5" name="Group 4"/>
-          <p:cNvGrpSpPr/>
-          <p:nvPr/>
-        </p:nvGrpSpPr>
-        <p:grpSpPr>
-          <a:xfrm>
-            <a:off x="2374437" y="1270668"/>
-            <a:ext cx="4321471" cy="3700468"/>
-            <a:chOff x="2374437" y="1270668"/>
-            <a:chExt cx="4321471" cy="3700468"/>
-          </a:xfrm>
-        </p:grpSpPr>
-        <p:sp>
-          <p:nvSpPr>
-            <p:cNvPr id="4" name="Oval 3"/>
-            <p:cNvSpPr/>
-            <p:nvPr/>
-          </p:nvSpPr>
-          <p:spPr>
-            <a:xfrm>
-              <a:off x="2374437" y="1270668"/>
-              <a:ext cx="1007755" cy="911179"/>
-            </a:xfrm>
-            <a:prstGeom prst="ellipse">
-              <a:avLst/>
-            </a:prstGeom>
-            <a:noFill/>
-            <a:ln w="19050" cmpd="sng">
-              <a:solidFill>
-                <a:schemeClr val="tx1"/>
-              </a:solidFill>
-            </a:ln>
-            <a:effectLst/>
-          </p:spPr>
-          <p:style>
-            <a:lnRef idx="1">
-              <a:schemeClr val="accent1"/>
-            </a:lnRef>
-            <a:fillRef idx="3">
-              <a:schemeClr val="accent1"/>
-            </a:fillRef>
-            <a:effectRef idx="2">
-              <a:schemeClr val="accent1"/>
-            </a:effectRef>
-            <a:fontRef idx="minor">
-              <a:schemeClr val="lt1"/>
-            </a:fontRef>
-          </p:style>
-          <p:txBody>
-            <a:bodyPr rtlCol="0" anchor="ctr"/>
-            <a:lstStyle/>
-            <a:p>
-              <a:pPr algn="ctr"/>
-              <a:r>
-                <a:rPr lang="en-US" dirty="0" smtClean="0">
-                  <a:solidFill>
-                    <a:schemeClr val="tx1"/>
-                  </a:solidFill>
-                </a:rPr>
-                <a:t>G</a:t>
-              </a:r>
-              <a:endParaRPr lang="en-US" dirty="0">
-                <a:solidFill>
-                  <a:schemeClr val="tx1"/>
-                </a:solidFill>
-              </a:endParaRPr>
-            </a:p>
-          </p:txBody>
-        </p:sp>
-        <p:sp>
-          <p:nvSpPr>
-            <p:cNvPr id="6" name="Oval 5"/>
-            <p:cNvSpPr/>
-            <p:nvPr/>
-          </p:nvSpPr>
-          <p:spPr>
-            <a:xfrm>
-              <a:off x="5688153" y="1270668"/>
-              <a:ext cx="1007755" cy="911179"/>
-            </a:xfrm>
-            <a:prstGeom prst="ellipse">
-              <a:avLst/>
-            </a:prstGeom>
-            <a:noFill/>
-            <a:ln w="19050" cmpd="sng">
-              <a:solidFill>
-                <a:schemeClr val="tx1"/>
-              </a:solidFill>
-            </a:ln>
-            <a:effectLst/>
-          </p:spPr>
-          <p:style>
-            <a:lnRef idx="1">
-              <a:schemeClr val="accent1"/>
-            </a:lnRef>
-            <a:fillRef idx="3">
-              <a:schemeClr val="accent1"/>
-            </a:fillRef>
-            <a:effectRef idx="2">
-              <a:schemeClr val="accent1"/>
-            </a:effectRef>
-            <a:fontRef idx="minor">
-              <a:schemeClr val="lt1"/>
-            </a:fontRef>
-          </p:style>
-          <p:txBody>
-            <a:bodyPr rtlCol="0" anchor="ctr"/>
-            <a:lstStyle/>
-            <a:p>
-              <a:pPr algn="ctr"/>
-              <a:r>
-                <a:rPr lang="en-US" dirty="0" smtClean="0">
-                  <a:solidFill>
-                    <a:schemeClr val="tx1"/>
-                  </a:solidFill>
-                </a:rPr>
-                <a:t>E</a:t>
-              </a:r>
-              <a:endParaRPr lang="en-US" dirty="0">
-                <a:solidFill>
-                  <a:schemeClr val="tx1"/>
-                </a:solidFill>
-              </a:endParaRPr>
-            </a:p>
-          </p:txBody>
-        </p:sp>
-        <p:sp>
-          <p:nvSpPr>
-            <p:cNvPr id="7" name="Oval 6"/>
-            <p:cNvSpPr/>
-            <p:nvPr/>
-          </p:nvSpPr>
-          <p:spPr>
-            <a:xfrm>
-              <a:off x="4031295" y="2181847"/>
-              <a:ext cx="1007755" cy="911179"/>
-            </a:xfrm>
-            <a:prstGeom prst="ellipse">
-              <a:avLst/>
-            </a:prstGeom>
-            <a:noFill/>
-            <a:ln w="19050" cmpd="sng">
-              <a:solidFill>
-                <a:schemeClr val="tx1"/>
-              </a:solidFill>
-            </a:ln>
-            <a:effectLst/>
-          </p:spPr>
-          <p:style>
-            <a:lnRef idx="1">
-              <a:schemeClr val="accent1"/>
-            </a:lnRef>
-            <a:fillRef idx="3">
-              <a:schemeClr val="accent1"/>
-            </a:fillRef>
-            <a:effectRef idx="2">
-              <a:schemeClr val="accent1"/>
-            </a:effectRef>
-            <a:fontRef idx="minor">
-              <a:schemeClr val="lt1"/>
-            </a:fontRef>
-          </p:style>
-          <p:txBody>
-            <a:bodyPr rtlCol="0" anchor="ctr"/>
-            <a:lstStyle/>
-            <a:p>
-              <a:pPr algn="ctr"/>
-              <a:r>
-                <a:rPr lang="en-US" dirty="0" smtClean="0">
-                  <a:solidFill>
-                    <a:schemeClr val="tx1"/>
-                  </a:solidFill>
-                </a:rPr>
-                <a:t>H</a:t>
-              </a:r>
-              <a:endParaRPr lang="en-US" dirty="0">
-                <a:solidFill>
-                  <a:schemeClr val="tx1"/>
-                </a:solidFill>
-              </a:endParaRPr>
-            </a:p>
-          </p:txBody>
-        </p:sp>
-        <p:sp>
-          <p:nvSpPr>
-            <p:cNvPr id="12" name="Oval 11"/>
-            <p:cNvSpPr/>
-            <p:nvPr/>
-          </p:nvSpPr>
-          <p:spPr>
-            <a:xfrm>
-              <a:off x="3527417" y="4059957"/>
-              <a:ext cx="1007755" cy="911179"/>
-            </a:xfrm>
-            <a:prstGeom prst="ellipse">
-              <a:avLst/>
-            </a:prstGeom>
-            <a:noFill/>
-            <a:ln w="19050" cmpd="sng">
-              <a:solidFill>
-                <a:schemeClr val="tx1"/>
-              </a:solidFill>
-            </a:ln>
-            <a:effectLst/>
-          </p:spPr>
-          <p:style>
-            <a:lnRef idx="1">
-              <a:schemeClr val="accent1"/>
-            </a:lnRef>
-            <a:fillRef idx="3">
-              <a:schemeClr val="accent1"/>
-            </a:fillRef>
-            <a:effectRef idx="2">
-              <a:schemeClr val="accent1"/>
-            </a:effectRef>
-            <a:fontRef idx="minor">
-              <a:schemeClr val="lt1"/>
-            </a:fontRef>
-          </p:style>
-          <p:txBody>
-            <a:bodyPr rtlCol="0" anchor="ctr"/>
-            <a:lstStyle/>
-            <a:p>
-              <a:pPr algn="ctr"/>
-              <a:r>
-                <a:rPr lang="en-US" dirty="0" smtClean="0">
-                  <a:solidFill>
-                    <a:schemeClr val="tx1"/>
-                  </a:solidFill>
-                </a:rPr>
-                <a:t>S</a:t>
-              </a:r>
-              <a:r>
-                <a:rPr lang="en-US" baseline="-25000" dirty="0" smtClean="0">
-                  <a:solidFill>
-                    <a:schemeClr val="tx1"/>
-                  </a:solidFill>
-                </a:rPr>
-                <a:t>1</a:t>
-              </a:r>
-              <a:endParaRPr lang="en-US" baseline="-25000" dirty="0">
-                <a:solidFill>
-                  <a:schemeClr val="tx1"/>
-                </a:solidFill>
-              </a:endParaRPr>
-            </a:p>
-          </p:txBody>
-        </p:sp>
-        <p:cxnSp>
-          <p:nvCxnSpPr>
-            <p:cNvPr id="14" name="Straight Arrow Connector 13"/>
-            <p:cNvCxnSpPr>
-              <a:stCxn id="4" idx="5"/>
-              <a:endCxn id="7" idx="1"/>
-            </p:cNvCxnSpPr>
-            <p:nvPr/>
-          </p:nvCxnSpPr>
-          <p:spPr>
-            <a:xfrm>
-              <a:off x="3234610" y="2048408"/>
-              <a:ext cx="944267" cy="266878"/>
-            </a:xfrm>
-            <a:prstGeom prst="straightConnector1">
-              <a:avLst/>
-            </a:prstGeom>
-            <a:ln>
-              <a:tailEnd type="none"/>
-            </a:ln>
-            <a:effectLst/>
-          </p:spPr>
-          <p:style>
-            <a:lnRef idx="2">
-              <a:schemeClr val="dk1"/>
-            </a:lnRef>
-            <a:fillRef idx="0">
-              <a:schemeClr val="dk1"/>
-            </a:fillRef>
-            <a:effectRef idx="1">
-              <a:schemeClr val="dk1"/>
-            </a:effectRef>
-            <a:fontRef idx="minor">
-              <a:schemeClr val="tx1"/>
-            </a:fontRef>
-          </p:style>
-        </p:cxnSp>
-        <p:cxnSp>
-          <p:nvCxnSpPr>
-            <p:cNvPr id="15" name="Straight Arrow Connector 14"/>
-            <p:cNvCxnSpPr>
-              <a:stCxn id="6" idx="3"/>
-              <a:endCxn id="7" idx="7"/>
-            </p:cNvCxnSpPr>
-            <p:nvPr/>
-          </p:nvCxnSpPr>
-          <p:spPr>
-            <a:xfrm flipH="1">
-              <a:off x="4891468" y="2048408"/>
-              <a:ext cx="944267" cy="266878"/>
-            </a:xfrm>
-            <a:prstGeom prst="straightConnector1">
-              <a:avLst/>
-            </a:prstGeom>
-            <a:ln>
-              <a:tailEnd type="none"/>
-            </a:ln>
-            <a:effectLst/>
-          </p:spPr>
-          <p:style>
-            <a:lnRef idx="2">
-              <a:schemeClr val="dk1"/>
-            </a:lnRef>
-            <a:fillRef idx="0">
-              <a:schemeClr val="dk1"/>
-            </a:fillRef>
-            <a:effectRef idx="1">
-              <a:schemeClr val="dk1"/>
-            </a:effectRef>
-            <a:fontRef idx="minor">
-              <a:schemeClr val="tx1"/>
-            </a:fontRef>
-          </p:style>
-        </p:cxnSp>
-        <p:cxnSp>
-          <p:nvCxnSpPr>
-            <p:cNvPr id="48" name="Straight Arrow Connector 47"/>
-            <p:cNvCxnSpPr>
-              <a:stCxn id="4" idx="6"/>
-              <a:endCxn id="6" idx="2"/>
-            </p:cNvCxnSpPr>
-            <p:nvPr/>
-          </p:nvCxnSpPr>
-          <p:spPr>
-            <a:xfrm>
-              <a:off x="3382192" y="1726258"/>
-              <a:ext cx="2305961" cy="0"/>
-            </a:xfrm>
-            <a:prstGeom prst="straightConnector1">
-              <a:avLst/>
-            </a:prstGeom>
-            <a:ln>
-              <a:tailEnd type="none"/>
-            </a:ln>
-            <a:effectLst/>
-          </p:spPr>
-          <p:style>
-            <a:lnRef idx="2">
-              <a:schemeClr val="dk1"/>
-            </a:lnRef>
-            <a:fillRef idx="0">
-              <a:schemeClr val="dk1"/>
-            </a:fillRef>
-            <a:effectRef idx="1">
-              <a:schemeClr val="dk1"/>
-            </a:effectRef>
-            <a:fontRef idx="minor">
-              <a:schemeClr val="tx1"/>
-            </a:fontRef>
-          </p:style>
-        </p:cxnSp>
-        <p:cxnSp>
-          <p:nvCxnSpPr>
-            <p:cNvPr id="17" name="Straight Arrow Connector 16"/>
-            <p:cNvCxnSpPr>
-              <a:stCxn id="7" idx="4"/>
-              <a:endCxn id="12" idx="0"/>
-            </p:cNvCxnSpPr>
-            <p:nvPr/>
-          </p:nvCxnSpPr>
-          <p:spPr>
-            <a:xfrm flipH="1">
-              <a:off x="4031295" y="3093026"/>
-              <a:ext cx="503878" cy="966931"/>
-            </a:xfrm>
-            <a:prstGeom prst="straightConnector1">
-              <a:avLst/>
-            </a:prstGeom>
-            <a:ln>
-              <a:tailEnd type="none"/>
-            </a:ln>
-            <a:effectLst/>
-          </p:spPr>
-          <p:style>
-            <a:lnRef idx="2">
-              <a:schemeClr val="dk1"/>
-            </a:lnRef>
-            <a:fillRef idx="0">
-              <a:schemeClr val="dk1"/>
-            </a:fillRef>
-            <a:effectRef idx="1">
-              <a:schemeClr val="dk1"/>
-            </a:effectRef>
-            <a:fontRef idx="minor">
-              <a:schemeClr val="tx1"/>
-            </a:fontRef>
-          </p:style>
-        </p:cxnSp>
-      </p:grpSp>
-    </p:spTree>
-    <p:extLst>
-      <p:ext uri="{BB962C8B-B14F-4D97-AF65-F5344CB8AC3E}">
-        <p14:creationId xmlns:p14="http://schemas.microsoft.com/office/powerpoint/2010/main" val="1742418431"/>
-      </p:ext>
-    </p:extLst>
-  </p:cSld>
-  <p:clrMapOvr>
-    <a:masterClrMapping/>
-  </p:clrMapOvr>
-</p:sld>
-</file>
-
-<file path=ppt/slides/slide6.xml><?xml version="1.0" encoding="utf-8"?>
-<p:sld xmlns:a="http://schemas.openxmlformats.org/drawingml/2006/main" xmlns:r="http://schemas.openxmlformats.org/officeDocument/2006/relationships" xmlns:p="http://schemas.openxmlformats.org/presentationml/2006/main">
-  <p:cSld>
-    <p:spTree>
-      <p:nvGrpSpPr>
-        <p:cNvPr id="1" name=""/>
-        <p:cNvGrpSpPr/>
-        <p:nvPr/>
-      </p:nvGrpSpPr>
-      <p:grpSpPr>
-        <a:xfrm>
-          <a:off x="0" y="0"/>
-          <a:ext cx="0" cy="0"/>
-          <a:chOff x="0" y="0"/>
-          <a:chExt cx="0" cy="0"/>
-        </a:xfrm>
-      </p:grpSpPr>
-      <p:grpSp>
-        <p:nvGrpSpPr>
-          <p:cNvPr id="9" name="Group 8"/>
-          <p:cNvGrpSpPr/>
-          <p:nvPr/>
-        </p:nvGrpSpPr>
-        <p:grpSpPr>
-          <a:xfrm>
-            <a:off x="2374437" y="1270668"/>
-            <a:ext cx="4321471" cy="2789289"/>
-            <a:chOff x="2374437" y="1270668"/>
-            <a:chExt cx="4321471" cy="2789289"/>
-          </a:xfrm>
-        </p:grpSpPr>
-        <p:sp>
-          <p:nvSpPr>
-            <p:cNvPr id="4" name="Oval 3"/>
-            <p:cNvSpPr/>
-            <p:nvPr/>
-          </p:nvSpPr>
-          <p:spPr>
-            <a:xfrm>
-              <a:off x="2374437" y="1270668"/>
-              <a:ext cx="1007755" cy="911179"/>
-            </a:xfrm>
-            <a:prstGeom prst="ellipse">
-              <a:avLst/>
-            </a:prstGeom>
-            <a:noFill/>
-            <a:ln w="19050" cmpd="sng">
-              <a:solidFill>
-                <a:schemeClr val="tx1"/>
-              </a:solidFill>
-            </a:ln>
-            <a:effectLst/>
-          </p:spPr>
-          <p:style>
-            <a:lnRef idx="1">
-              <a:schemeClr val="accent1"/>
-            </a:lnRef>
-            <a:fillRef idx="3">
-              <a:schemeClr val="accent1"/>
-            </a:fillRef>
-            <a:effectRef idx="2">
-              <a:schemeClr val="accent1"/>
-            </a:effectRef>
-            <a:fontRef idx="minor">
-              <a:schemeClr val="lt1"/>
-            </a:fontRef>
-          </p:style>
-          <p:txBody>
-            <a:bodyPr rtlCol="0" anchor="ctr"/>
-            <a:lstStyle/>
-            <a:p>
-              <a:pPr algn="ctr"/>
-              <a:r>
-                <a:rPr lang="en-US" dirty="0" smtClean="0">
-                  <a:solidFill>
-                    <a:schemeClr val="tx1"/>
-                  </a:solidFill>
-                </a:rPr>
-                <a:t>G</a:t>
-              </a:r>
-              <a:endParaRPr lang="en-US" dirty="0">
-                <a:solidFill>
-                  <a:schemeClr val="tx1"/>
-                </a:solidFill>
-              </a:endParaRPr>
-            </a:p>
-          </p:txBody>
-        </p:sp>
-        <p:sp>
-          <p:nvSpPr>
-            <p:cNvPr id="6" name="Oval 5"/>
-            <p:cNvSpPr/>
-            <p:nvPr/>
-          </p:nvSpPr>
-          <p:spPr>
-            <a:xfrm>
-              <a:off x="5688153" y="1270668"/>
-              <a:ext cx="1007755" cy="911179"/>
-            </a:xfrm>
-            <a:prstGeom prst="ellipse">
-              <a:avLst/>
-            </a:prstGeom>
-            <a:noFill/>
-            <a:ln w="19050" cmpd="sng">
-              <a:solidFill>
-                <a:schemeClr val="tx1"/>
-              </a:solidFill>
-            </a:ln>
-            <a:effectLst/>
-          </p:spPr>
-          <p:style>
-            <a:lnRef idx="1">
-              <a:schemeClr val="accent1"/>
-            </a:lnRef>
-            <a:fillRef idx="3">
-              <a:schemeClr val="accent1"/>
-            </a:fillRef>
-            <a:effectRef idx="2">
-              <a:schemeClr val="accent1"/>
-            </a:effectRef>
-            <a:fontRef idx="minor">
-              <a:schemeClr val="lt1"/>
-            </a:fontRef>
-          </p:style>
-          <p:txBody>
-            <a:bodyPr rtlCol="0" anchor="ctr"/>
-            <a:lstStyle/>
-            <a:p>
-              <a:pPr algn="ctr"/>
-              <a:r>
-                <a:rPr lang="en-US" dirty="0" smtClean="0">
-                  <a:solidFill>
-                    <a:schemeClr val="tx1"/>
-                  </a:solidFill>
-                </a:rPr>
-                <a:t>E</a:t>
-              </a:r>
-              <a:endParaRPr lang="en-US" dirty="0">
-                <a:solidFill>
-                  <a:schemeClr val="tx1"/>
-                </a:solidFill>
-              </a:endParaRPr>
-            </a:p>
-          </p:txBody>
-        </p:sp>
-        <p:sp>
-          <p:nvSpPr>
-            <p:cNvPr id="12" name="Oval 11"/>
-            <p:cNvSpPr/>
-            <p:nvPr/>
-          </p:nvSpPr>
-          <p:spPr>
-            <a:xfrm>
-              <a:off x="4031294" y="3148778"/>
-              <a:ext cx="1007755" cy="911179"/>
-            </a:xfrm>
-            <a:prstGeom prst="ellipse">
-              <a:avLst/>
-            </a:prstGeom>
-            <a:noFill/>
-            <a:ln w="19050" cmpd="sng">
-              <a:solidFill>
-                <a:schemeClr val="tx1"/>
-              </a:solidFill>
-            </a:ln>
-            <a:effectLst/>
-          </p:spPr>
-          <p:style>
-            <a:lnRef idx="1">
-              <a:schemeClr val="accent1"/>
-            </a:lnRef>
-            <a:fillRef idx="3">
-              <a:schemeClr val="accent1"/>
-            </a:fillRef>
-            <a:effectRef idx="2">
-              <a:schemeClr val="accent1"/>
-            </a:effectRef>
-            <a:fontRef idx="minor">
-              <a:schemeClr val="lt1"/>
-            </a:fontRef>
-          </p:style>
-          <p:txBody>
-            <a:bodyPr rtlCol="0" anchor="ctr"/>
-            <a:lstStyle/>
-            <a:p>
-              <a:pPr algn="ctr"/>
-              <a:r>
-                <a:rPr lang="en-US" dirty="0" smtClean="0">
-                  <a:solidFill>
-                    <a:schemeClr val="tx1"/>
-                  </a:solidFill>
-                </a:rPr>
-                <a:t>S</a:t>
-              </a:r>
-              <a:r>
-                <a:rPr lang="en-US" baseline="-25000" dirty="0" smtClean="0">
-                  <a:solidFill>
-                    <a:schemeClr val="tx1"/>
-                  </a:solidFill>
-                </a:rPr>
-                <a:t>1</a:t>
-              </a:r>
-              <a:endParaRPr lang="en-US" baseline="-25000" dirty="0">
-                <a:solidFill>
-                  <a:schemeClr val="tx1"/>
-                </a:solidFill>
-              </a:endParaRPr>
-            </a:p>
-          </p:txBody>
-        </p:sp>
-        <p:cxnSp>
-          <p:nvCxnSpPr>
-            <p:cNvPr id="14" name="Straight Arrow Connector 13"/>
-            <p:cNvCxnSpPr>
-              <a:stCxn id="4" idx="5"/>
-              <a:endCxn id="12" idx="1"/>
-            </p:cNvCxnSpPr>
-            <p:nvPr/>
-          </p:nvCxnSpPr>
-          <p:spPr>
-            <a:xfrm>
-              <a:off x="3234610" y="2048408"/>
-              <a:ext cx="944266" cy="1233809"/>
-            </a:xfrm>
-            <a:prstGeom prst="straightConnector1">
-              <a:avLst/>
-            </a:prstGeom>
-            <a:ln>
-              <a:tailEnd type="none"/>
-            </a:ln>
-            <a:effectLst/>
-          </p:spPr>
-          <p:style>
-            <a:lnRef idx="2">
-              <a:schemeClr val="dk1"/>
-            </a:lnRef>
-            <a:fillRef idx="0">
-              <a:schemeClr val="dk1"/>
-            </a:fillRef>
-            <a:effectRef idx="1">
-              <a:schemeClr val="dk1"/>
-            </a:effectRef>
-            <a:fontRef idx="minor">
-              <a:schemeClr val="tx1"/>
-            </a:fontRef>
-          </p:style>
-        </p:cxnSp>
-        <p:cxnSp>
-          <p:nvCxnSpPr>
-            <p:cNvPr id="15" name="Straight Arrow Connector 14"/>
-            <p:cNvCxnSpPr>
-              <a:stCxn id="6" idx="3"/>
-              <a:endCxn id="12" idx="7"/>
-            </p:cNvCxnSpPr>
-            <p:nvPr/>
-          </p:nvCxnSpPr>
-          <p:spPr>
-            <a:xfrm flipH="1">
-              <a:off x="4891467" y="2048408"/>
-              <a:ext cx="944268" cy="1233809"/>
-            </a:xfrm>
-            <a:prstGeom prst="straightConnector1">
-              <a:avLst/>
-            </a:prstGeom>
-            <a:ln>
-              <a:tailEnd type="none"/>
-            </a:ln>
-            <a:effectLst/>
-          </p:spPr>
-          <p:style>
-            <a:lnRef idx="2">
-              <a:schemeClr val="dk1"/>
-            </a:lnRef>
-            <a:fillRef idx="0">
-              <a:schemeClr val="dk1"/>
-            </a:fillRef>
-            <a:effectRef idx="1">
-              <a:schemeClr val="dk1"/>
-            </a:effectRef>
-            <a:fontRef idx="minor">
-              <a:schemeClr val="tx1"/>
-            </a:fontRef>
-          </p:style>
-        </p:cxnSp>
-        <p:cxnSp>
-          <p:nvCxnSpPr>
-            <p:cNvPr id="48" name="Straight Arrow Connector 47"/>
-            <p:cNvCxnSpPr>
-              <a:stCxn id="4" idx="6"/>
-              <a:endCxn id="6" idx="2"/>
-            </p:cNvCxnSpPr>
-            <p:nvPr/>
-          </p:nvCxnSpPr>
-          <p:spPr>
-            <a:xfrm>
-              <a:off x="3382192" y="1726258"/>
-              <a:ext cx="2305961" cy="0"/>
-            </a:xfrm>
-            <a:prstGeom prst="straightConnector1">
-              <a:avLst/>
-            </a:prstGeom>
-            <a:ln>
-              <a:tailEnd type="none"/>
-            </a:ln>
-            <a:effectLst/>
-          </p:spPr>
-          <p:style>
-            <a:lnRef idx="2">
-              <a:schemeClr val="dk1"/>
-            </a:lnRef>
-            <a:fillRef idx="0">
-              <a:schemeClr val="dk1"/>
-            </a:fillRef>
-            <a:effectRef idx="1">
-              <a:schemeClr val="dk1"/>
-            </a:effectRef>
-            <a:fontRef idx="minor">
-              <a:schemeClr val="tx1"/>
-            </a:fontRef>
-          </p:style>
-        </p:cxnSp>
-      </p:grpSp>
-    </p:spTree>
-    <p:extLst>
-      <p:ext uri="{BB962C8B-B14F-4D97-AF65-F5344CB8AC3E}">
-        <p14:creationId xmlns:p14="http://schemas.microsoft.com/office/powerpoint/2010/main" val="2494657325"/>
-      </p:ext>
-    </p:extLst>
-  </p:cSld>
-  <p:clrMapOvr>
-    <a:masterClrMapping/>
-  </p:clrMapOvr>
-</p:sld>
-</file>
-
-<file path=ppt/slides/slide7.xml><?xml version="1.0" encoding="utf-8"?>
-<p:sld xmlns:a="http://schemas.openxmlformats.org/drawingml/2006/main" xmlns:r="http://schemas.openxmlformats.org/officeDocument/2006/relationships" xmlns:p="http://schemas.openxmlformats.org/presentationml/2006/main">
-  <p:cSld>
-    <p:spTree>
-      <p:nvGrpSpPr>
-        <p:cNvPr id="1" name=""/>
-        <p:cNvGrpSpPr/>
-        <p:nvPr/>
-      </p:nvGrpSpPr>
-      <p:grpSpPr>
-        <a:xfrm>
-          <a:off x="0" y="0"/>
-          <a:ext cx="0" cy="0"/>
-          <a:chOff x="0" y="0"/>
-          <a:chExt cx="0" cy="0"/>
-        </a:xfrm>
-      </p:grpSpPr>
-      <p:grpSp>
-        <p:nvGrpSpPr>
-          <p:cNvPr id="2" name="Group 1"/>
-          <p:cNvGrpSpPr/>
-          <p:nvPr/>
-        </p:nvGrpSpPr>
-        <p:grpSpPr>
-          <a:xfrm>
-            <a:off x="2374437" y="1270668"/>
-            <a:ext cx="2664612" cy="2789289"/>
-            <a:chOff x="2374437" y="1270668"/>
-            <a:chExt cx="2664612" cy="2789289"/>
-          </a:xfrm>
-        </p:grpSpPr>
-        <p:sp>
-          <p:nvSpPr>
-            <p:cNvPr id="4" name="Oval 3"/>
-            <p:cNvSpPr/>
-            <p:nvPr/>
-          </p:nvSpPr>
-          <p:spPr>
-            <a:xfrm>
-              <a:off x="2374437" y="1270668"/>
-              <a:ext cx="1007755" cy="911179"/>
-            </a:xfrm>
-            <a:prstGeom prst="ellipse">
-              <a:avLst/>
-            </a:prstGeom>
-            <a:noFill/>
-            <a:ln w="19050" cmpd="sng">
-              <a:solidFill>
-                <a:schemeClr val="tx1"/>
-              </a:solidFill>
-            </a:ln>
-            <a:effectLst/>
-          </p:spPr>
-          <p:style>
-            <a:lnRef idx="1">
-              <a:schemeClr val="accent1"/>
-            </a:lnRef>
-            <a:fillRef idx="3">
-              <a:schemeClr val="accent1"/>
-            </a:fillRef>
-            <a:effectRef idx="2">
-              <a:schemeClr val="accent1"/>
-            </a:effectRef>
-            <a:fontRef idx="minor">
-              <a:schemeClr val="lt1"/>
-            </a:fontRef>
-          </p:style>
-          <p:txBody>
-            <a:bodyPr rtlCol="0" anchor="ctr"/>
-            <a:lstStyle/>
-            <a:p>
-              <a:pPr algn="ctr"/>
-              <a:r>
-                <a:rPr lang="en-US" dirty="0" smtClean="0">
-                  <a:solidFill>
-                    <a:schemeClr val="tx1"/>
-                  </a:solidFill>
-                </a:rPr>
-                <a:t>G</a:t>
-              </a:r>
-              <a:endParaRPr lang="en-US" dirty="0">
-                <a:solidFill>
-                  <a:schemeClr val="tx1"/>
-                </a:solidFill>
-              </a:endParaRPr>
-            </a:p>
-          </p:txBody>
-        </p:sp>
-        <p:sp>
-          <p:nvSpPr>
-            <p:cNvPr id="12" name="Oval 11"/>
-            <p:cNvSpPr/>
-            <p:nvPr/>
-          </p:nvSpPr>
-          <p:spPr>
-            <a:xfrm>
-              <a:off x="4031294" y="3148778"/>
-              <a:ext cx="1007755" cy="911179"/>
-            </a:xfrm>
-            <a:prstGeom prst="ellipse">
-              <a:avLst/>
-            </a:prstGeom>
-            <a:noFill/>
-            <a:ln w="19050" cmpd="sng">
-              <a:solidFill>
-                <a:schemeClr val="tx1"/>
-              </a:solidFill>
-            </a:ln>
-            <a:effectLst/>
-          </p:spPr>
-          <p:style>
-            <a:lnRef idx="1">
-              <a:schemeClr val="accent1"/>
-            </a:lnRef>
-            <a:fillRef idx="3">
-              <a:schemeClr val="accent1"/>
-            </a:fillRef>
-            <a:effectRef idx="2">
-              <a:schemeClr val="accent1"/>
-            </a:effectRef>
-            <a:fontRef idx="minor">
-              <a:schemeClr val="lt1"/>
-            </a:fontRef>
-          </p:style>
-          <p:txBody>
-            <a:bodyPr rtlCol="0" anchor="ctr"/>
-            <a:lstStyle/>
-            <a:p>
-              <a:pPr algn="ctr"/>
-              <a:r>
-                <a:rPr lang="en-US" dirty="0" smtClean="0">
-                  <a:solidFill>
-                    <a:schemeClr val="tx1"/>
-                  </a:solidFill>
-                </a:rPr>
-                <a:t>S</a:t>
-              </a:r>
-              <a:r>
-                <a:rPr lang="en-US" baseline="-25000" dirty="0" smtClean="0">
-                  <a:solidFill>
-                    <a:schemeClr val="tx1"/>
-                  </a:solidFill>
-                </a:rPr>
-                <a:t>1</a:t>
-              </a:r>
-              <a:endParaRPr lang="en-US" baseline="-25000" dirty="0">
-                <a:solidFill>
-                  <a:schemeClr val="tx1"/>
-                </a:solidFill>
-              </a:endParaRPr>
-            </a:p>
-          </p:txBody>
-        </p:sp>
-        <p:cxnSp>
-          <p:nvCxnSpPr>
-            <p:cNvPr id="14" name="Straight Arrow Connector 13"/>
-            <p:cNvCxnSpPr>
-              <a:stCxn id="4" idx="5"/>
-              <a:endCxn id="12" idx="1"/>
-            </p:cNvCxnSpPr>
-            <p:nvPr/>
-          </p:nvCxnSpPr>
-          <p:spPr>
-            <a:xfrm>
-              <a:off x="3234610" y="2048408"/>
-              <a:ext cx="944266" cy="1233809"/>
-            </a:xfrm>
-            <a:prstGeom prst="straightConnector1">
-              <a:avLst/>
-            </a:prstGeom>
-            <a:ln>
-              <a:tailEnd type="none"/>
-            </a:ln>
-            <a:effectLst/>
-          </p:spPr>
-          <p:style>
-            <a:lnRef idx="2">
-              <a:schemeClr val="dk1"/>
-            </a:lnRef>
-            <a:fillRef idx="0">
-              <a:schemeClr val="dk1"/>
-            </a:fillRef>
-            <a:effectRef idx="1">
-              <a:schemeClr val="dk1"/>
-            </a:effectRef>
-            <a:fontRef idx="minor">
-              <a:schemeClr val="tx1"/>
-            </a:fontRef>
-          </p:style>
-        </p:cxnSp>
-      </p:grpSp>
-    </p:spTree>
-    <p:extLst>
-      <p:ext uri="{BB962C8B-B14F-4D97-AF65-F5344CB8AC3E}">
-        <p14:creationId xmlns:p14="http://schemas.microsoft.com/office/powerpoint/2010/main" val="622440897"/>
-      </p:ext>
-    </p:extLst>
-  </p:cSld>
-  <p:clrMapOvr>
-    <a:masterClrMapping/>
-  </p:clrMapOvr>
-</p:sld>
-</file>
-
-<file path=ppt/slides/slide8.xml><?xml version="1.0" encoding="utf-8"?>
-<p:sld xmlns:a="http://schemas.openxmlformats.org/drawingml/2006/main" xmlns:r="http://schemas.openxmlformats.org/officeDocument/2006/relationships" xmlns:p="http://schemas.openxmlformats.org/presentationml/2006/main">
-  <p:cSld>
-    <p:spTree>
-      <p:nvGrpSpPr>
-        <p:cNvPr id="1" name=""/>
-        <p:cNvGrpSpPr/>
-        <p:nvPr/>
-      </p:nvGrpSpPr>
-      <p:grpSpPr>
-        <a:xfrm>
-          <a:off x="0" y="0"/>
-          <a:ext cx="0" cy="0"/>
-          <a:chOff x="0" y="0"/>
-          <a:chExt cx="0" cy="0"/>
-        </a:xfrm>
-      </p:grpSpPr>
-      <p:sp>
-        <p:nvSpPr>
-          <p:cNvPr id="12" name="Oval 11"/>
-          <p:cNvSpPr/>
-          <p:nvPr/>
-        </p:nvSpPr>
-        <p:spPr>
-          <a:xfrm>
-            <a:off x="4031294" y="3148778"/>
-            <a:ext cx="1007755" cy="911179"/>
-          </a:xfrm>
-          <a:prstGeom prst="ellipse">
-            <a:avLst/>
-          </a:prstGeom>
-          <a:noFill/>
-          <a:ln w="19050" cmpd="sng">
-            <a:solidFill>
-              <a:schemeClr val="tx1"/>
-            </a:solidFill>
-          </a:ln>
-          <a:effectLst/>
-        </p:spPr>
-        <p:style>
-          <a:lnRef idx="1">
-            <a:schemeClr val="accent1"/>
-          </a:lnRef>
-          <a:fillRef idx="3">
-            <a:schemeClr val="accent1"/>
-          </a:fillRef>
-          <a:effectRef idx="2">
-            <a:schemeClr val="accent1"/>
-          </a:effectRef>
-          <a:fontRef idx="minor">
-            <a:schemeClr val="lt1"/>
-          </a:fontRef>
-        </p:style>
-        <p:txBody>
-          <a:bodyPr rtlCol="0" anchor="ctr"/>
-          <a:lstStyle/>
-          <a:p>
-            <a:pPr algn="ctr"/>
-            <a:r>
-              <a:rPr lang="en-US" dirty="0" smtClean="0">
-                <a:solidFill>
-                  <a:schemeClr val="tx1"/>
-                </a:solidFill>
-              </a:rPr>
-              <a:t>S</a:t>
-            </a:r>
-            <a:r>
-              <a:rPr lang="en-US" baseline="-25000" dirty="0" smtClean="0">
-                <a:solidFill>
-                  <a:schemeClr val="tx1"/>
-                </a:solidFill>
-              </a:rPr>
-              <a:t>1</a:t>
-            </a:r>
-            <a:endParaRPr lang="en-US" baseline="-25000" dirty="0">
-              <a:solidFill>
-                <a:schemeClr val="tx1"/>
-              </a:solidFill>
-            </a:endParaRPr>
-          </a:p>
-        </p:txBody>
-      </p:sp>
-    </p:spTree>
-    <p:extLst>
-      <p:ext uri="{BB962C8B-B14F-4D97-AF65-F5344CB8AC3E}">
-        <p14:creationId xmlns:p14="http://schemas.microsoft.com/office/powerpoint/2010/main" val="4001540611"/>
-      </p:ext>
-    </p:extLst>
-  </p:cSld>
-  <p:clrMapOvr>
-    <a:masterClrMapping/>
-  </p:clrMapOvr>
-</p:sld>
-</file>
-
-<file path=ppt/slides/slide9.xml><?xml version="1.0" encoding="utf-8"?>
-<p:sld xmlns:a="http://schemas.openxmlformats.org/drawingml/2006/main" xmlns:r="http://schemas.openxmlformats.org/officeDocument/2006/relationships" xmlns:p="http://schemas.openxmlformats.org/presentationml/2006/main">
-  <p:cSld>
-    <p:spTree>
-      <p:nvGrpSpPr>
-        <p:cNvPr id="1" name=""/>
-        <p:cNvGrpSpPr/>
-        <p:nvPr/>
-      </p:nvGrpSpPr>
-      <p:grpSpPr>
-        <a:xfrm>
-          <a:off x="0" y="0"/>
-          <a:ext cx="0" cy="0"/>
-          <a:chOff x="0" y="0"/>
-          <a:chExt cx="0" cy="0"/>
-        </a:xfrm>
-      </p:grpSpPr>
-      <p:grpSp>
-        <p:nvGrpSpPr>
-          <p:cNvPr id="51" name="Group 50"/>
-          <p:cNvGrpSpPr/>
-          <p:nvPr/>
-        </p:nvGrpSpPr>
-        <p:grpSpPr>
-          <a:xfrm>
-            <a:off x="2374437" y="1270668"/>
-            <a:ext cx="4321471" cy="4501200"/>
-            <a:chOff x="2374437" y="1270668"/>
-            <a:chExt cx="4321471" cy="4501200"/>
-          </a:xfrm>
-        </p:grpSpPr>
-        <p:sp>
-          <p:nvSpPr>
-            <p:cNvPr id="4" name="Oval 3"/>
-            <p:cNvSpPr/>
-            <p:nvPr/>
-          </p:nvSpPr>
-          <p:spPr>
-            <a:xfrm>
-              <a:off x="2374437" y="1270668"/>
-              <a:ext cx="1007755" cy="911179"/>
-            </a:xfrm>
-            <a:prstGeom prst="ellipse">
-              <a:avLst/>
-            </a:prstGeom>
-            <a:noFill/>
-            <a:ln w="19050" cmpd="sng">
-              <a:solidFill>
-                <a:schemeClr val="tx1"/>
-              </a:solidFill>
-            </a:ln>
-            <a:effectLst/>
-          </p:spPr>
-          <p:style>
-            <a:lnRef idx="1">
-              <a:schemeClr val="accent1"/>
-            </a:lnRef>
-            <a:fillRef idx="3">
-              <a:schemeClr val="accent1"/>
-            </a:fillRef>
-            <a:effectRef idx="2">
-              <a:schemeClr val="accent1"/>
-            </a:effectRef>
-            <a:fontRef idx="minor">
-              <a:schemeClr val="lt1"/>
-            </a:fontRef>
-          </p:style>
-          <p:txBody>
-            <a:bodyPr rtlCol="0" anchor="ctr"/>
-            <a:lstStyle/>
-            <a:p>
-              <a:pPr algn="ctr"/>
-              <a:r>
-                <a:rPr lang="en-US" dirty="0" smtClean="0">
-                  <a:solidFill>
-                    <a:schemeClr val="tx1"/>
-                  </a:solidFill>
-                </a:rPr>
-                <a:t>G</a:t>
-              </a:r>
-              <a:endParaRPr lang="en-US" dirty="0">
-                <a:solidFill>
-                  <a:schemeClr val="tx1"/>
-                </a:solidFill>
-              </a:endParaRPr>
-            </a:p>
-          </p:txBody>
-        </p:sp>
-        <p:sp>
-          <p:nvSpPr>
-            <p:cNvPr id="6" name="Oval 5"/>
-            <p:cNvSpPr/>
-            <p:nvPr/>
-          </p:nvSpPr>
-          <p:spPr>
-            <a:xfrm>
-              <a:off x="5688153" y="1270668"/>
-              <a:ext cx="1007755" cy="911179"/>
-            </a:xfrm>
-            <a:prstGeom prst="ellipse">
-              <a:avLst/>
-            </a:prstGeom>
-            <a:noFill/>
-            <a:ln w="19050" cmpd="sng">
-              <a:solidFill>
-                <a:schemeClr val="tx1"/>
-              </a:solidFill>
-            </a:ln>
-            <a:effectLst/>
-          </p:spPr>
-          <p:style>
-            <a:lnRef idx="1">
-              <a:schemeClr val="accent1"/>
-            </a:lnRef>
-            <a:fillRef idx="3">
-              <a:schemeClr val="accent1"/>
-            </a:fillRef>
-            <a:effectRef idx="2">
-              <a:schemeClr val="accent1"/>
-            </a:effectRef>
-            <a:fontRef idx="minor">
-              <a:schemeClr val="lt1"/>
-            </a:fontRef>
-          </p:style>
-          <p:txBody>
-            <a:bodyPr rtlCol="0" anchor="ctr"/>
-            <a:lstStyle/>
-            <a:p>
-              <a:pPr algn="ctr"/>
-              <a:r>
-                <a:rPr lang="en-US" dirty="0" smtClean="0">
-                  <a:solidFill>
-                    <a:schemeClr val="tx1"/>
-                  </a:solidFill>
-                </a:rPr>
-                <a:t>E</a:t>
-              </a:r>
-              <a:endParaRPr lang="en-US" dirty="0">
-                <a:solidFill>
-                  <a:schemeClr val="tx1"/>
-                </a:solidFill>
-              </a:endParaRPr>
-            </a:p>
-          </p:txBody>
-        </p:sp>
-        <p:sp>
-          <p:nvSpPr>
-            <p:cNvPr id="7" name="Oval 6"/>
-            <p:cNvSpPr/>
-            <p:nvPr/>
-          </p:nvSpPr>
-          <p:spPr>
-            <a:xfrm>
-              <a:off x="4031295" y="2181847"/>
-              <a:ext cx="1007755" cy="911179"/>
-            </a:xfrm>
-            <a:prstGeom prst="ellipse">
-              <a:avLst/>
-            </a:prstGeom>
-            <a:noFill/>
-            <a:ln w="19050" cmpd="sng">
-              <a:solidFill>
-                <a:schemeClr val="tx1"/>
-              </a:solidFill>
-            </a:ln>
-            <a:effectLst/>
-          </p:spPr>
-          <p:style>
-            <a:lnRef idx="1">
-              <a:schemeClr val="accent1"/>
-            </a:lnRef>
-            <a:fillRef idx="3">
-              <a:schemeClr val="accent1"/>
-            </a:fillRef>
-            <a:effectRef idx="2">
-              <a:schemeClr val="accent1"/>
-            </a:effectRef>
-            <a:fontRef idx="minor">
-              <a:schemeClr val="lt1"/>
-            </a:fontRef>
-          </p:style>
-          <p:txBody>
-            <a:bodyPr rtlCol="0" anchor="ctr"/>
-            <a:lstStyle/>
-            <a:p>
-              <a:pPr algn="ctr"/>
-              <a:r>
-                <a:rPr lang="en-US" dirty="0" smtClean="0">
-                  <a:solidFill>
-                    <a:schemeClr val="tx1"/>
-                  </a:solidFill>
-                </a:rPr>
-                <a:t>H</a:t>
-              </a:r>
-              <a:endParaRPr lang="en-US" dirty="0">
-                <a:solidFill>
-                  <a:schemeClr val="tx1"/>
-                </a:solidFill>
-              </a:endParaRPr>
-            </a:p>
-          </p:txBody>
-        </p:sp>
-        <p:sp>
-          <p:nvSpPr>
-            <p:cNvPr id="8" name="Oval 7"/>
-            <p:cNvSpPr/>
-            <p:nvPr/>
-          </p:nvSpPr>
-          <p:spPr>
-            <a:xfrm>
-              <a:off x="2374437" y="3520999"/>
-              <a:ext cx="1007755" cy="911179"/>
-            </a:xfrm>
-            <a:prstGeom prst="ellipse">
-              <a:avLst/>
-            </a:prstGeom>
-            <a:noFill/>
-            <a:ln w="19050" cmpd="sng">
-              <a:solidFill>
-                <a:schemeClr val="tx1"/>
-              </a:solidFill>
-            </a:ln>
-            <a:effectLst/>
-          </p:spPr>
-          <p:style>
-            <a:lnRef idx="1">
-              <a:schemeClr val="accent1"/>
-            </a:lnRef>
-            <a:fillRef idx="3">
-              <a:schemeClr val="accent1"/>
-            </a:fillRef>
-            <a:effectRef idx="2">
-              <a:schemeClr val="accent1"/>
-            </a:effectRef>
-            <a:fontRef idx="minor">
-              <a:schemeClr val="lt1"/>
-            </a:fontRef>
-          </p:style>
-          <p:txBody>
-            <a:bodyPr rtlCol="0" anchor="ctr"/>
-            <a:lstStyle/>
-            <a:p>
-              <a:pPr algn="ctr"/>
-              <a:r>
-                <a:rPr lang="en-US" dirty="0" smtClean="0">
-                  <a:solidFill>
-                    <a:schemeClr val="tx1"/>
-                  </a:solidFill>
-                </a:rPr>
-                <a:t>D</a:t>
-              </a:r>
-              <a:r>
-                <a:rPr lang="en-US" baseline="-25000" dirty="0" smtClean="0">
-                  <a:solidFill>
-                    <a:schemeClr val="tx1"/>
-                  </a:solidFill>
-                </a:rPr>
-                <a:t>1</a:t>
-              </a:r>
-              <a:endParaRPr lang="en-US" baseline="-25000" dirty="0">
-                <a:solidFill>
-                  <a:schemeClr val="tx1"/>
-                </a:solidFill>
-              </a:endParaRPr>
-            </a:p>
-          </p:txBody>
-        </p:sp>
-        <p:sp>
-          <p:nvSpPr>
-            <p:cNvPr id="9" name="Oval 8"/>
-            <p:cNvSpPr/>
-            <p:nvPr/>
-          </p:nvSpPr>
-          <p:spPr>
-            <a:xfrm>
-              <a:off x="4031295" y="3520999"/>
-              <a:ext cx="1007755" cy="911179"/>
-            </a:xfrm>
-            <a:prstGeom prst="ellipse">
-              <a:avLst/>
-            </a:prstGeom>
-            <a:noFill/>
-            <a:ln w="19050" cmpd="sng">
-              <a:solidFill>
-                <a:schemeClr val="tx1"/>
-              </a:solidFill>
-            </a:ln>
-            <a:effectLst/>
-          </p:spPr>
-          <p:style>
-            <a:lnRef idx="1">
-              <a:schemeClr val="accent1"/>
-            </a:lnRef>
-            <a:fillRef idx="3">
-              <a:schemeClr val="accent1"/>
-            </a:fillRef>
-            <a:effectRef idx="2">
-              <a:schemeClr val="accent1"/>
-            </a:effectRef>
-            <a:fontRef idx="minor">
-              <a:schemeClr val="lt1"/>
-            </a:fontRef>
-          </p:style>
-          <p:txBody>
-            <a:bodyPr rtlCol="0" anchor="ctr"/>
-            <a:lstStyle/>
-            <a:p>
-              <a:pPr algn="ctr"/>
-              <a:r>
-                <a:rPr lang="en-US" dirty="0" smtClean="0">
-                  <a:solidFill>
-                    <a:schemeClr val="tx1"/>
-                  </a:solidFill>
-                </a:rPr>
-                <a:t>D</a:t>
-              </a:r>
-              <a:r>
-                <a:rPr lang="en-US" baseline="-25000" dirty="0" smtClean="0">
-                  <a:solidFill>
-                    <a:schemeClr val="tx1"/>
-                  </a:solidFill>
-                </a:rPr>
-                <a:t>2</a:t>
-              </a:r>
-              <a:endParaRPr lang="en-US" baseline="-25000" dirty="0">
-                <a:solidFill>
-                  <a:schemeClr val="tx1"/>
-                </a:solidFill>
-              </a:endParaRPr>
-            </a:p>
-          </p:txBody>
-        </p:sp>
-        <p:sp>
-          <p:nvSpPr>
-            <p:cNvPr id="10" name="Oval 9"/>
-            <p:cNvSpPr/>
-            <p:nvPr/>
-          </p:nvSpPr>
-          <p:spPr>
-            <a:xfrm>
-              <a:off x="5688153" y="3520999"/>
-              <a:ext cx="1007755" cy="911179"/>
-            </a:xfrm>
-            <a:prstGeom prst="ellipse">
-              <a:avLst/>
-            </a:prstGeom>
-            <a:noFill/>
-            <a:ln w="19050" cmpd="sng">
-              <a:solidFill>
-                <a:schemeClr val="tx1"/>
-              </a:solidFill>
-            </a:ln>
-            <a:effectLst/>
-          </p:spPr>
-          <p:style>
-            <a:lnRef idx="1">
-              <a:schemeClr val="accent1"/>
-            </a:lnRef>
-            <a:fillRef idx="3">
-              <a:schemeClr val="accent1"/>
-            </a:fillRef>
-            <a:effectRef idx="2">
-              <a:schemeClr val="accent1"/>
-            </a:effectRef>
-            <a:fontRef idx="minor">
-              <a:schemeClr val="lt1"/>
-            </a:fontRef>
-          </p:style>
-          <p:txBody>
-            <a:bodyPr rtlCol="0" anchor="ctr"/>
-            <a:lstStyle/>
-            <a:p>
-              <a:pPr algn="ctr"/>
-              <a:r>
-                <a:rPr lang="en-US" dirty="0" smtClean="0">
-                  <a:solidFill>
-                    <a:schemeClr val="tx1"/>
-                  </a:solidFill>
-                </a:rPr>
-                <a:t>D</a:t>
-              </a:r>
-              <a:r>
-                <a:rPr lang="en-US" baseline="-25000" dirty="0" smtClean="0">
-                  <a:solidFill>
-                    <a:schemeClr val="tx1"/>
-                  </a:solidFill>
-                </a:rPr>
-                <a:t>3</a:t>
-              </a:r>
-              <a:endParaRPr lang="en-US" baseline="-25000" dirty="0">
-                <a:solidFill>
-                  <a:schemeClr val="tx1"/>
-                </a:solidFill>
-              </a:endParaRPr>
-            </a:p>
-          </p:txBody>
-        </p:sp>
-        <p:sp>
-          <p:nvSpPr>
-            <p:cNvPr id="11" name="Oval 10"/>
-            <p:cNvSpPr/>
-            <p:nvPr/>
-          </p:nvSpPr>
-          <p:spPr>
-            <a:xfrm>
-              <a:off x="5039050" y="4860689"/>
-              <a:ext cx="1007755" cy="911179"/>
-            </a:xfrm>
-            <a:prstGeom prst="ellipse">
-              <a:avLst/>
-            </a:prstGeom>
-            <a:noFill/>
-            <a:ln w="19050" cmpd="sng">
-              <a:solidFill>
-                <a:schemeClr val="tx1"/>
-              </a:solidFill>
-            </a:ln>
-            <a:effectLst/>
-          </p:spPr>
-          <p:style>
-            <a:lnRef idx="1">
-              <a:schemeClr val="accent1"/>
-            </a:lnRef>
-            <a:fillRef idx="3">
-              <a:schemeClr val="accent1"/>
-            </a:fillRef>
-            <a:effectRef idx="2">
-              <a:schemeClr val="accent1"/>
-            </a:effectRef>
-            <a:fontRef idx="minor">
-              <a:schemeClr val="lt1"/>
-            </a:fontRef>
-          </p:style>
-          <p:txBody>
-            <a:bodyPr rtlCol="0" anchor="ctr"/>
-            <a:lstStyle/>
-            <a:p>
-              <a:pPr algn="ctr"/>
-              <a:r>
-                <a:rPr lang="en-US" dirty="0" smtClean="0">
-                  <a:solidFill>
-                    <a:schemeClr val="tx1"/>
-                  </a:solidFill>
-                </a:rPr>
-                <a:t>S</a:t>
-              </a:r>
-              <a:r>
-                <a:rPr lang="en-US" baseline="-25000" dirty="0" smtClean="0">
-                  <a:solidFill>
-                    <a:schemeClr val="tx1"/>
-                  </a:solidFill>
-                </a:rPr>
-                <a:t>2</a:t>
-              </a:r>
-              <a:endParaRPr lang="en-US" baseline="-25000" dirty="0">
-                <a:solidFill>
-                  <a:schemeClr val="tx1"/>
-                </a:solidFill>
-              </a:endParaRPr>
-            </a:p>
-          </p:txBody>
-        </p:sp>
-        <p:sp>
-          <p:nvSpPr>
-            <p:cNvPr id="12" name="Oval 11"/>
-            <p:cNvSpPr/>
-            <p:nvPr/>
-          </p:nvSpPr>
-          <p:spPr>
-            <a:xfrm>
-              <a:off x="3023540" y="4860689"/>
-              <a:ext cx="1007755" cy="911179"/>
-            </a:xfrm>
-            <a:prstGeom prst="ellipse">
-              <a:avLst/>
-            </a:prstGeom>
-            <a:noFill/>
-            <a:ln w="19050" cmpd="sng">
-              <a:solidFill>
-                <a:schemeClr val="tx1"/>
-              </a:solidFill>
-            </a:ln>
-            <a:effectLst/>
-          </p:spPr>
-          <p:style>
-            <a:lnRef idx="1">
-              <a:schemeClr val="accent1"/>
-            </a:lnRef>
-            <a:fillRef idx="3">
-              <a:schemeClr val="accent1"/>
-            </a:fillRef>
-            <a:effectRef idx="2">
-              <a:schemeClr val="accent1"/>
-            </a:effectRef>
-            <a:fontRef idx="minor">
-              <a:schemeClr val="lt1"/>
-            </a:fontRef>
-          </p:style>
-          <p:txBody>
-            <a:bodyPr rtlCol="0" anchor="ctr"/>
-            <a:lstStyle/>
-            <a:p>
-              <a:pPr algn="ctr"/>
-              <a:r>
-                <a:rPr lang="en-US" dirty="0" smtClean="0">
-                  <a:solidFill>
-                    <a:schemeClr val="tx1"/>
-                  </a:solidFill>
-                </a:rPr>
-                <a:t>S</a:t>
-              </a:r>
-              <a:r>
-                <a:rPr lang="en-US" baseline="-25000" dirty="0" smtClean="0">
-                  <a:solidFill>
-                    <a:schemeClr val="tx1"/>
-                  </a:solidFill>
-                </a:rPr>
-                <a:t>1</a:t>
-              </a:r>
-              <a:endParaRPr lang="en-US" baseline="-25000" dirty="0">
-                <a:solidFill>
-                  <a:schemeClr val="tx1"/>
-                </a:solidFill>
-              </a:endParaRPr>
-            </a:p>
-          </p:txBody>
-        </p:sp>
-        <p:cxnSp>
-          <p:nvCxnSpPr>
-            <p:cNvPr id="14" name="Straight Arrow Connector 13"/>
-            <p:cNvCxnSpPr>
-              <a:stCxn id="4" idx="5"/>
-              <a:endCxn id="7" idx="1"/>
-            </p:cNvCxnSpPr>
-            <p:nvPr/>
-          </p:nvCxnSpPr>
-          <p:spPr>
-            <a:xfrm>
-              <a:off x="3234610" y="2048408"/>
-              <a:ext cx="944267" cy="266878"/>
-            </a:xfrm>
-            <a:prstGeom prst="straightConnector1">
-              <a:avLst/>
-            </a:prstGeom>
-            <a:ln>
-              <a:tailEnd type="none"/>
-            </a:ln>
-            <a:effectLst/>
-          </p:spPr>
-          <p:style>
-            <a:lnRef idx="2">
-              <a:schemeClr val="dk1"/>
-            </a:lnRef>
-            <a:fillRef idx="0">
-              <a:schemeClr val="dk1"/>
-            </a:fillRef>
-            <a:effectRef idx="1">
-              <a:schemeClr val="dk1"/>
-            </a:effectRef>
-            <a:fontRef idx="minor">
-              <a:schemeClr val="tx1"/>
-            </a:fontRef>
-          </p:style>
-        </p:cxnSp>
-        <p:cxnSp>
-          <p:nvCxnSpPr>
-            <p:cNvPr id="15" name="Straight Arrow Connector 14"/>
-            <p:cNvCxnSpPr>
-              <a:stCxn id="6" idx="3"/>
-              <a:endCxn id="7" idx="7"/>
-            </p:cNvCxnSpPr>
-            <p:nvPr/>
-          </p:nvCxnSpPr>
-          <p:spPr>
-            <a:xfrm flipH="1">
-              <a:off x="4891468" y="2048408"/>
-              <a:ext cx="944267" cy="266878"/>
-            </a:xfrm>
-            <a:prstGeom prst="straightConnector1">
-              <a:avLst/>
-            </a:prstGeom>
-            <a:ln>
-              <a:tailEnd type="none"/>
-            </a:ln>
-            <a:effectLst/>
-          </p:spPr>
-          <p:style>
-            <a:lnRef idx="2">
-              <a:schemeClr val="dk1"/>
-            </a:lnRef>
-            <a:fillRef idx="0">
-              <a:schemeClr val="dk1"/>
-            </a:fillRef>
-            <a:effectRef idx="1">
-              <a:schemeClr val="dk1"/>
-            </a:effectRef>
-            <a:fontRef idx="minor">
-              <a:schemeClr val="tx1"/>
-            </a:fontRef>
-          </p:style>
-        </p:cxnSp>
-        <p:cxnSp>
-          <p:nvCxnSpPr>
-            <p:cNvPr id="18" name="Straight Arrow Connector 17"/>
-            <p:cNvCxnSpPr>
-              <a:stCxn id="7" idx="3"/>
-              <a:endCxn id="8" idx="7"/>
-            </p:cNvCxnSpPr>
-            <p:nvPr/>
-          </p:nvCxnSpPr>
-          <p:spPr>
-            <a:xfrm flipH="1">
-              <a:off x="3234610" y="2959587"/>
-              <a:ext cx="944267" cy="694851"/>
-            </a:xfrm>
-            <a:prstGeom prst="straightConnector1">
-              <a:avLst/>
-            </a:prstGeom>
-            <a:ln>
-              <a:tailEnd type="none"/>
-            </a:ln>
-            <a:effectLst/>
-          </p:spPr>
-          <p:style>
-            <a:lnRef idx="2">
-              <a:schemeClr val="dk1"/>
-            </a:lnRef>
-            <a:fillRef idx="0">
-              <a:schemeClr val="dk1"/>
-            </a:fillRef>
-            <a:effectRef idx="1">
-              <a:schemeClr val="dk1"/>
-            </a:effectRef>
-            <a:fontRef idx="minor">
-              <a:schemeClr val="tx1"/>
-            </a:fontRef>
-          </p:style>
-        </p:cxnSp>
-        <p:cxnSp>
-          <p:nvCxnSpPr>
-            <p:cNvPr id="21" name="Straight Arrow Connector 20"/>
-            <p:cNvCxnSpPr>
-              <a:stCxn id="7" idx="5"/>
-              <a:endCxn id="10" idx="1"/>
-            </p:cNvCxnSpPr>
-            <p:nvPr/>
-          </p:nvCxnSpPr>
-          <p:spPr>
-            <a:xfrm>
-              <a:off x="4891468" y="2959587"/>
-              <a:ext cx="944267" cy="694851"/>
-            </a:xfrm>
-            <a:prstGeom prst="straightConnector1">
-              <a:avLst/>
-            </a:prstGeom>
-            <a:ln>
-              <a:tailEnd type="none"/>
-            </a:ln>
-            <a:effectLst/>
-          </p:spPr>
-          <p:style>
-            <a:lnRef idx="2">
-              <a:schemeClr val="dk1"/>
-            </a:lnRef>
-            <a:fillRef idx="0">
-              <a:schemeClr val="dk1"/>
-            </a:fillRef>
-            <a:effectRef idx="1">
-              <a:schemeClr val="dk1"/>
-            </a:effectRef>
-            <a:fontRef idx="minor">
-              <a:schemeClr val="tx1"/>
-            </a:fontRef>
-          </p:style>
-        </p:cxnSp>
-        <p:cxnSp>
-          <p:nvCxnSpPr>
-            <p:cNvPr id="25" name="Straight Arrow Connector 24"/>
-            <p:cNvCxnSpPr>
-              <a:stCxn id="7" idx="4"/>
-              <a:endCxn id="9" idx="0"/>
-            </p:cNvCxnSpPr>
-            <p:nvPr/>
-          </p:nvCxnSpPr>
-          <p:spPr>
-            <a:xfrm>
-              <a:off x="4535173" y="3093026"/>
-              <a:ext cx="0" cy="427973"/>
-            </a:xfrm>
-            <a:prstGeom prst="straightConnector1">
-              <a:avLst/>
-            </a:prstGeom>
-            <a:ln>
-              <a:tailEnd type="none"/>
-            </a:ln>
-            <a:effectLst/>
-          </p:spPr>
-          <p:style>
-            <a:lnRef idx="2">
-              <a:schemeClr val="dk1"/>
-            </a:lnRef>
-            <a:fillRef idx="0">
-              <a:schemeClr val="dk1"/>
-            </a:fillRef>
-            <a:effectRef idx="1">
-              <a:schemeClr val="dk1"/>
-            </a:effectRef>
-            <a:fontRef idx="minor">
-              <a:schemeClr val="tx1"/>
-            </a:fontRef>
-          </p:style>
-        </p:cxnSp>
-        <p:cxnSp>
-          <p:nvCxnSpPr>
-            <p:cNvPr id="28" name="Straight Arrow Connector 27"/>
-            <p:cNvCxnSpPr>
-              <a:stCxn id="9" idx="3"/>
-              <a:endCxn id="12" idx="7"/>
-            </p:cNvCxnSpPr>
-            <p:nvPr/>
-          </p:nvCxnSpPr>
-          <p:spPr>
-            <a:xfrm flipH="1">
-              <a:off x="3883713" y="4298739"/>
-              <a:ext cx="295164" cy="695389"/>
-            </a:xfrm>
-            <a:prstGeom prst="straightConnector1">
-              <a:avLst/>
-            </a:prstGeom>
-            <a:ln>
-              <a:tailEnd type="none"/>
-            </a:ln>
-            <a:effectLst/>
-          </p:spPr>
-          <p:style>
-            <a:lnRef idx="2">
-              <a:schemeClr val="dk1"/>
-            </a:lnRef>
-            <a:fillRef idx="0">
-              <a:schemeClr val="dk1"/>
-            </a:fillRef>
-            <a:effectRef idx="1">
-              <a:schemeClr val="dk1"/>
-            </a:effectRef>
-            <a:fontRef idx="minor">
-              <a:schemeClr val="tx1"/>
-            </a:fontRef>
-          </p:style>
-        </p:cxnSp>
-        <p:cxnSp>
-          <p:nvCxnSpPr>
-            <p:cNvPr id="31" name="Straight Arrow Connector 30"/>
-            <p:cNvCxnSpPr>
-              <a:stCxn id="9" idx="5"/>
-              <a:endCxn id="11" idx="1"/>
-            </p:cNvCxnSpPr>
-            <p:nvPr/>
-          </p:nvCxnSpPr>
-          <p:spPr>
-            <a:xfrm>
-              <a:off x="4891468" y="4298739"/>
-              <a:ext cx="295164" cy="695389"/>
-            </a:xfrm>
-            <a:prstGeom prst="straightConnector1">
-              <a:avLst/>
-            </a:prstGeom>
-            <a:ln>
-              <a:tailEnd type="none"/>
-            </a:ln>
-            <a:effectLst/>
-          </p:spPr>
-          <p:style>
-            <a:lnRef idx="2">
-              <a:schemeClr val="dk1"/>
-            </a:lnRef>
-            <a:fillRef idx="0">
-              <a:schemeClr val="dk1"/>
-            </a:fillRef>
-            <a:effectRef idx="1">
-              <a:schemeClr val="dk1"/>
-            </a:effectRef>
-            <a:fontRef idx="minor">
-              <a:schemeClr val="tx1"/>
-            </a:fontRef>
-          </p:style>
-        </p:cxnSp>
-        <p:cxnSp>
-          <p:nvCxnSpPr>
-            <p:cNvPr id="35" name="Straight Arrow Connector 34"/>
-            <p:cNvCxnSpPr>
-              <a:stCxn id="10" idx="4"/>
-              <a:endCxn id="11" idx="7"/>
-            </p:cNvCxnSpPr>
-            <p:nvPr/>
-          </p:nvCxnSpPr>
-          <p:spPr>
-            <a:xfrm flipH="1">
-              <a:off x="5899223" y="4432178"/>
-              <a:ext cx="292808" cy="561950"/>
-            </a:xfrm>
-            <a:prstGeom prst="straightConnector1">
-              <a:avLst/>
-            </a:prstGeom>
-            <a:ln>
-              <a:tailEnd type="none"/>
-            </a:ln>
-            <a:effectLst/>
-          </p:spPr>
-          <p:style>
-            <a:lnRef idx="2">
-              <a:schemeClr val="dk1"/>
-            </a:lnRef>
-            <a:fillRef idx="0">
-              <a:schemeClr val="dk1"/>
-            </a:fillRef>
-            <a:effectRef idx="1">
-              <a:schemeClr val="dk1"/>
-            </a:effectRef>
-            <a:fontRef idx="minor">
-              <a:schemeClr val="tx1"/>
-            </a:fontRef>
-          </p:style>
-        </p:cxnSp>
-        <p:cxnSp>
-          <p:nvCxnSpPr>
-            <p:cNvPr id="38" name="Straight Arrow Connector 37"/>
-            <p:cNvCxnSpPr>
-              <a:stCxn id="8" idx="4"/>
-              <a:endCxn id="12" idx="1"/>
-            </p:cNvCxnSpPr>
-            <p:nvPr/>
-          </p:nvCxnSpPr>
-          <p:spPr>
-            <a:xfrm>
-              <a:off x="2878315" y="4432178"/>
-              <a:ext cx="292807" cy="561950"/>
-            </a:xfrm>
-            <a:prstGeom prst="straightConnector1">
-              <a:avLst/>
-            </a:prstGeom>
-            <a:ln>
-              <a:tailEnd type="none"/>
-            </a:ln>
-            <a:effectLst/>
-          </p:spPr>
-          <p:style>
-            <a:lnRef idx="2">
-              <a:schemeClr val="dk1"/>
-            </a:lnRef>
-            <a:fillRef idx="0">
-              <a:schemeClr val="dk1"/>
-            </a:fillRef>
-            <a:effectRef idx="1">
-              <a:schemeClr val="dk1"/>
-            </a:effectRef>
-            <a:fontRef idx="minor">
-              <a:schemeClr val="tx1"/>
-            </a:fontRef>
-          </p:style>
-        </p:cxnSp>
-        <p:cxnSp>
-          <p:nvCxnSpPr>
-            <p:cNvPr id="42" name="Straight Arrow Connector 41"/>
-            <p:cNvCxnSpPr>
-              <a:stCxn id="9" idx="6"/>
-              <a:endCxn id="10" idx="2"/>
-            </p:cNvCxnSpPr>
-            <p:nvPr/>
-          </p:nvCxnSpPr>
-          <p:spPr>
-            <a:xfrm>
-              <a:off x="5039050" y="3976589"/>
-              <a:ext cx="649103" cy="0"/>
-            </a:xfrm>
-            <a:prstGeom prst="straightConnector1">
-              <a:avLst/>
-            </a:prstGeom>
-            <a:ln>
-              <a:tailEnd type="none"/>
-            </a:ln>
-            <a:effectLst/>
-          </p:spPr>
-          <p:style>
-            <a:lnRef idx="2">
-              <a:schemeClr val="dk1"/>
-            </a:lnRef>
-            <a:fillRef idx="0">
-              <a:schemeClr val="dk1"/>
-            </a:fillRef>
-            <a:effectRef idx="1">
-              <a:schemeClr val="dk1"/>
-            </a:effectRef>
-            <a:fontRef idx="minor">
-              <a:schemeClr val="tx1"/>
-            </a:fontRef>
-          </p:style>
-        </p:cxnSp>
-        <p:cxnSp>
-          <p:nvCxnSpPr>
-            <p:cNvPr id="45" name="Straight Arrow Connector 44"/>
-            <p:cNvCxnSpPr>
-              <a:stCxn id="8" idx="6"/>
-              <a:endCxn id="9" idx="2"/>
-            </p:cNvCxnSpPr>
-            <p:nvPr/>
-          </p:nvCxnSpPr>
-          <p:spPr>
-            <a:xfrm>
-              <a:off x="3382192" y="3976589"/>
-              <a:ext cx="649103" cy="0"/>
-            </a:xfrm>
-            <a:prstGeom prst="straightConnector1">
-              <a:avLst/>
-            </a:prstGeom>
-            <a:ln>
-              <a:tailEnd type="none"/>
-            </a:ln>
-            <a:effectLst/>
-          </p:spPr>
-          <p:style>
-            <a:lnRef idx="2">
-              <a:schemeClr val="dk1"/>
-            </a:lnRef>
-            <a:fillRef idx="0">
-              <a:schemeClr val="dk1"/>
-            </a:fillRef>
-            <a:effectRef idx="1">
-              <a:schemeClr val="dk1"/>
-            </a:effectRef>
-            <a:fontRef idx="minor">
-              <a:schemeClr val="tx1"/>
-            </a:fontRef>
-          </p:style>
-        </p:cxnSp>
-        <p:cxnSp>
-          <p:nvCxnSpPr>
-            <p:cNvPr id="48" name="Straight Arrow Connector 47"/>
-            <p:cNvCxnSpPr>
-              <a:stCxn id="4" idx="6"/>
-              <a:endCxn id="6" idx="2"/>
-            </p:cNvCxnSpPr>
-            <p:nvPr/>
-          </p:nvCxnSpPr>
-          <p:spPr>
-            <a:xfrm>
-              <a:off x="3382192" y="1726258"/>
-              <a:ext cx="2305961" cy="0"/>
-            </a:xfrm>
-            <a:prstGeom prst="straightConnector1">
-              <a:avLst/>
-            </a:prstGeom>
-            <a:ln>
-              <a:tailEnd type="none"/>
-            </a:ln>
-            <a:effectLst/>
-          </p:spPr>
-          <p:style>
-            <a:lnRef idx="2">
-              <a:schemeClr val="dk1"/>
-            </a:lnRef>
-            <a:fillRef idx="0">
-              <a:schemeClr val="dk1"/>
-            </a:fillRef>
-            <a:effectRef idx="1">
-              <a:schemeClr val="dk1"/>
-            </a:effectRef>
-            <a:fontRef idx="minor">
-              <a:schemeClr val="tx1"/>
-            </a:fontRef>
-          </p:style>
-        </p:cxnSp>
-      </p:grpSp>
-    </p:spTree>
-    <p:extLst>
-      <p:ext uri="{BB962C8B-B14F-4D97-AF65-F5344CB8AC3E}">
-        <p14:creationId xmlns:p14="http://schemas.microsoft.com/office/powerpoint/2010/main" val="4091227169"/>
+        <p14:creationId xmlns:p14="http://schemas.microsoft.com/office/powerpoint/2010/main" val="1325388554"/>
       </p:ext>
     </p:extLst>
   </p:cSld>
